--- a/FOML_217_PPT.pptx
+++ b/FOML_217_PPT.pptx
@@ -1,27 +1,27 @@
 
 <file path=ppt/presentation.xml><?xml version="1.0" encoding="utf-8"?>
-<p:presentation xmlns:a="http://schemas.openxmlformats.org/drawingml/2006/main" xmlns:r="http://schemas.openxmlformats.org/officeDocument/2006/relationships" xmlns:p="http://schemas.openxmlformats.org/presentationml/2006/main" showSpecialPlsOnTitleSld="0" saveSubsetFonts="1">
+<p:presentation xmlns:a="http://schemas.openxmlformats.org/drawingml/2006/main" xmlns:r="http://schemas.openxmlformats.org/officeDocument/2006/relationships" xmlns:p="http://schemas.openxmlformats.org/presentationml/2006/main" showSpecialPlsOnTitleSld="0">
   <p:sldMasterIdLst>
-    <p:sldMasterId id="2147483660" r:id="rId1"/>
+    <p:sldMasterId id="2147483648" r:id="rId1"/>
   </p:sldMasterIdLst>
   <p:notesMasterIdLst>
-    <p:notesMasterId r:id="rId16"/>
+    <p:notesMasterId r:id="rId17"/>
   </p:notesMasterIdLst>
   <p:sldIdLst>
-    <p:sldId id="256" r:id="rId2"/>
-    <p:sldId id="257" r:id="rId3"/>
-    <p:sldId id="368" r:id="rId4"/>
-    <p:sldId id="369" r:id="rId5"/>
-    <p:sldId id="370" r:id="rId6"/>
-    <p:sldId id="379" r:id="rId7"/>
-    <p:sldId id="372" r:id="rId8"/>
-    <p:sldId id="373" r:id="rId9"/>
-    <p:sldId id="374" r:id="rId10"/>
-    <p:sldId id="376" r:id="rId11"/>
-    <p:sldId id="375" r:id="rId12"/>
-    <p:sldId id="377" r:id="rId13"/>
-    <p:sldId id="378" r:id="rId14"/>
-    <p:sldId id="371" r:id="rId15"/>
+    <p:sldId id="256" r:id="rId3"/>
+    <p:sldId id="257" r:id="rId4"/>
+    <p:sldId id="368" r:id="rId5"/>
+    <p:sldId id="369" r:id="rId6"/>
+    <p:sldId id="370" r:id="rId7"/>
+    <p:sldId id="379" r:id="rId8"/>
+    <p:sldId id="372" r:id="rId9"/>
+    <p:sldId id="373" r:id="rId10"/>
+    <p:sldId id="374" r:id="rId11"/>
+    <p:sldId id="376" r:id="rId12"/>
+    <p:sldId id="375" r:id="rId13"/>
+    <p:sldId id="377" r:id="rId14"/>
+    <p:sldId id="378" r:id="rId15"/>
+    <p:sldId id="371" r:id="rId16"/>
   </p:sldIdLst>
   <p:sldSz cx="12192000" cy="6858000"/>
   <p:notesSz cx="6858000" cy="9144000"/>
@@ -120,11 +120,6 @@
       </a:defRPr>
     </a:lvl9pPr>
   </p:defaultTextStyle>
-  <p:extLst>
-    <p:ext uri="{EFAFB233-063F-42B5-8137-9DF3F51BA10A}">
-      <p15:sldGuideLst xmlns:p15="http://schemas.microsoft.com/office/powerpoint/2012/main"/>
-    </p:ext>
-  </p:extLst>
 </p:presentation>
 </file>
 
@@ -210,7 +205,6 @@
           <a:p>
             <a:fld id="{319E05D0-A421-4EF3-8512-AD1148C82550}" type="datetimeFigureOut">
               <a:rPr lang="en-IN" smtClean="0"/>
-              <a:t>08-05-2025</a:t>
             </a:fld>
             <a:endParaRPr lang="en-IN"/>
           </a:p>
@@ -277,6 +271,7 @@
               <a:rPr lang="en-US"/>
               <a:t>Click to edit Master text styles</a:t>
             </a:r>
+            <a:endParaRPr lang="en-US"/>
           </a:p>
           <a:p>
             <a:pPr lvl="1"/>
@@ -284,6 +279,7 @@
               <a:rPr lang="en-US"/>
               <a:t>Second level</a:t>
             </a:r>
+            <a:endParaRPr lang="en-US"/>
           </a:p>
           <a:p>
             <a:pPr lvl="2"/>
@@ -291,6 +287,7 @@
               <a:rPr lang="en-US"/>
               <a:t>Third level</a:t>
             </a:r>
+            <a:endParaRPr lang="en-US"/>
           </a:p>
           <a:p>
             <a:pPr lvl="3"/>
@@ -298,6 +295,7 @@
               <a:rPr lang="en-US"/>
               <a:t>Fourth level</a:t>
             </a:r>
+            <a:endParaRPr lang="en-US"/>
           </a:p>
           <a:p>
             <a:pPr lvl="4"/>
@@ -369,18 +367,12 @@
           <a:p>
             <a:fld id="{8A1C5D9F-5FDD-4E04-AD07-37773298FBF3}" type="slidenum">
               <a:rPr lang="en-IN" smtClean="0"/>
-              <a:t>‹#›</a:t>
             </a:fld>
             <a:endParaRPr lang="en-IN"/>
           </a:p>
         </p:txBody>
       </p:sp>
     </p:spTree>
-    <p:extLst>
-      <p:ext uri="{BB962C8B-B14F-4D97-AF65-F5344CB8AC3E}">
-        <p14:creationId xmlns:p14="http://schemas.microsoft.com/office/powerpoint/2010/main" val="809667687"/>
-      </p:ext>
-    </p:extLst>
   </p:cSld>
   <p:clrMap bg1="lt1" tx1="dk1" bg2="lt2" tx2="dk2" accent1="accent1" accent2="accent2" accent3="accent3" accent4="accent4" accent5="accent5" accent6="accent6" hlink="hlink" folHlink="folHlink"/>
   <p:notesStyle>
@@ -479,7 +471,7 @@
 </file>
 
 <file path=ppt/slideLayouts/slideLayout1.xml><?xml version="1.0" encoding="utf-8"?>
-<p:sldLayout xmlns:a="http://schemas.openxmlformats.org/drawingml/2006/main" xmlns:r="http://schemas.openxmlformats.org/officeDocument/2006/relationships" xmlns:p="http://schemas.openxmlformats.org/presentationml/2006/main" showMasterSp="0" type="title" preserve="1">
+<p:sldLayout xmlns:a="http://schemas.openxmlformats.org/drawingml/2006/main" xmlns:r="http://schemas.openxmlformats.org/officeDocument/2006/relationships" xmlns:p="http://schemas.openxmlformats.org/presentationml/2006/main" type="title" preserve="1" showMasterSp="0">
   <p:cSld name="Title Slide">
     <p:spTree>
       <p:nvGrpSpPr>
@@ -497,13 +489,7 @@
       </p:grpSpPr>
       <p:sp>
         <p:nvSpPr>
-          <p:cNvPr id="2" name="AutoShape 7">
-            <a:extLst>
-              <a:ext uri="{FF2B5EF4-FFF2-40B4-BE49-F238E27FC236}">
-                <a16:creationId xmlns:a16="http://schemas.microsoft.com/office/drawing/2014/main" id="{8D13192D-1816-F03A-9AF1-BBA902A8A17D}"/>
-              </a:ext>
-            </a:extLst>
-          </p:cNvPr>
+          <p:cNvPr id="2" name="AutoShape 7"/>
           <p:cNvSpPr>
             <a:spLocks noChangeArrowheads="1"/>
           </p:cNvSpPr>
@@ -595,8 +581,6 @@
               <a:schemeClr val="accent2"/>
             </a:solidFill>
             <a:round/>
-            <a:headEnd/>
-            <a:tailEnd/>
           </a:ln>
         </p:spPr>
         <p:txBody>
@@ -635,6 +619,7 @@
               <a:rPr lang="en-US"/>
               <a:t>Click to edit Master title style</a:t>
             </a:r>
+            <a:endParaRPr lang="en-US"/>
           </a:p>
         </p:txBody>
       </p:sp>
@@ -658,7 +643,7 @@
           <a:bodyPr/>
           <a:lstStyle>
             <a:lvl1pPr marL="0" indent="0">
-              <a:buFont typeface="Wingdings" pitchFamily="2" charset="2"/>
+              <a:buFont typeface="Wingdings" panose="05000000000000000000" pitchFamily="2" charset="2"/>
               <a:buNone/>
               <a:defRPr sz="2800"/>
             </a:lvl1pPr>
@@ -668,18 +653,13 @@
               <a:rPr lang="en-US"/>
               <a:t>Click to edit Master subtitle style</a:t>
             </a:r>
-          </a:p>
-        </p:txBody>
-      </p:sp>
-      <p:sp>
-        <p:nvSpPr>
-          <p:cNvPr id="3" name="Date Placeholder 2">
-            <a:extLst>
-              <a:ext uri="{FF2B5EF4-FFF2-40B4-BE49-F238E27FC236}">
-                <a16:creationId xmlns:a16="http://schemas.microsoft.com/office/drawing/2014/main" id="{814B6A37-AD04-C654-AC92-D9CC3ADF0A51}"/>
-              </a:ext>
-            </a:extLst>
-          </p:cNvPr>
+            <a:endParaRPr lang="en-US"/>
+          </a:p>
+        </p:txBody>
+      </p:sp>
+      <p:sp>
+        <p:nvSpPr>
+          <p:cNvPr id="3" name="Date Placeholder 2"/>
           <p:cNvSpPr>
             <a:spLocks noGrp="1" noChangeArrowheads="1"/>
           </p:cNvSpPr>
@@ -708,18 +688,13 @@
               <a:rPr lang="en-US"/>
               <a:t>Second Review</a:t>
             </a:r>
-          </a:p>
-        </p:txBody>
-      </p:sp>
-      <p:sp>
-        <p:nvSpPr>
-          <p:cNvPr id="4" name="Footer Placeholder 3">
-            <a:extLst>
-              <a:ext uri="{FF2B5EF4-FFF2-40B4-BE49-F238E27FC236}">
-                <a16:creationId xmlns:a16="http://schemas.microsoft.com/office/drawing/2014/main" id="{EE58272B-7D6B-F3CE-953F-1079FFA8D80E}"/>
-              </a:ext>
-            </a:extLst>
-          </p:cNvPr>
+            <a:endParaRPr lang="en-US"/>
+          </a:p>
+        </p:txBody>
+      </p:sp>
+      <p:sp>
+        <p:nvSpPr>
+          <p:cNvPr id="4" name="Footer Placeholder 3"/>
           <p:cNvSpPr>
             <a:spLocks noGrp="1" noChangeArrowheads="1"/>
           </p:cNvSpPr>
@@ -748,18 +723,13 @@
               <a:rPr lang="en-US"/>
               <a:t>Department of Computer Science and Engineering</a:t>
             </a:r>
-          </a:p>
-        </p:txBody>
-      </p:sp>
-      <p:sp>
-        <p:nvSpPr>
-          <p:cNvPr id="5" name="Slide Number Placeholder 4">
-            <a:extLst>
-              <a:ext uri="{FF2B5EF4-FFF2-40B4-BE49-F238E27FC236}">
-                <a16:creationId xmlns:a16="http://schemas.microsoft.com/office/drawing/2014/main" id="{E55F3314-4EF0-936B-77EE-175E9EF6B55B}"/>
-              </a:ext>
-            </a:extLst>
-          </p:cNvPr>
+            <a:endParaRPr lang="en-US"/>
+          </a:p>
+        </p:txBody>
+      </p:sp>
+      <p:sp>
+        <p:nvSpPr>
+          <p:cNvPr id="5" name="Slide Number Placeholder 4"/>
           <p:cNvSpPr>
             <a:spLocks noGrp="1" noChangeArrowheads="1"/>
           </p:cNvSpPr>
@@ -786,21 +756,12 @@
             </a:pPr>
             <a:fld id="{D8F95DA7-9E0E-467D-A139-0471DC1777CB}" type="slidenum">
               <a:rPr lang="en-US" altLang="en-US"/>
-              <a:pPr>
-                <a:defRPr/>
-              </a:pPr>
-              <a:t>‹#›</a:t>
             </a:fld>
             <a:endParaRPr lang="en-US" altLang="en-US"/>
           </a:p>
         </p:txBody>
       </p:sp>
     </p:spTree>
-    <p:extLst>
-      <p:ext uri="{BB962C8B-B14F-4D97-AF65-F5344CB8AC3E}">
-        <p14:creationId xmlns:p14="http://schemas.microsoft.com/office/powerpoint/2010/main" val="1750965466"/>
-      </p:ext>
-    </p:extLst>
   </p:cSld>
   <p:clrMapOvr>
     <a:masterClrMapping/>
@@ -844,6 +805,7 @@
               <a:rPr lang="en-US"/>
               <a:t>Click to edit Master title style</a:t>
             </a:r>
+            <a:endParaRPr lang="en-US"/>
           </a:p>
         </p:txBody>
       </p:sp>
@@ -867,6 +829,7 @@
               <a:rPr lang="en-US"/>
               <a:t>Click to edit Master text styles</a:t>
             </a:r>
+            <a:endParaRPr lang="en-US"/>
           </a:p>
           <a:p>
             <a:pPr lvl="1"/>
@@ -874,6 +837,7 @@
               <a:rPr lang="en-US"/>
               <a:t>Second level</a:t>
             </a:r>
+            <a:endParaRPr lang="en-US"/>
           </a:p>
           <a:p>
             <a:pPr lvl="2"/>
@@ -881,6 +845,7 @@
               <a:rPr lang="en-US"/>
               <a:t>Third level</a:t>
             </a:r>
+            <a:endParaRPr lang="en-US"/>
           </a:p>
           <a:p>
             <a:pPr lvl="3"/>
@@ -888,6 +853,7 @@
               <a:rPr lang="en-US"/>
               <a:t>Fourth level</a:t>
             </a:r>
+            <a:endParaRPr lang="en-US"/>
           </a:p>
           <a:p>
             <a:pPr lvl="4"/>
@@ -895,18 +861,13 @@
               <a:rPr lang="en-US"/>
               <a:t>Fifth level</a:t>
             </a:r>
-          </a:p>
-        </p:txBody>
-      </p:sp>
-      <p:sp>
-        <p:nvSpPr>
-          <p:cNvPr id="4" name="Rectangle 6">
-            <a:extLst>
-              <a:ext uri="{FF2B5EF4-FFF2-40B4-BE49-F238E27FC236}">
-                <a16:creationId xmlns:a16="http://schemas.microsoft.com/office/drawing/2014/main" id="{DE0854C1-7207-EF75-A61A-B4AF54A5D723}"/>
-              </a:ext>
-            </a:extLst>
-          </p:cNvPr>
+            <a:endParaRPr lang="en-US"/>
+          </a:p>
+        </p:txBody>
+      </p:sp>
+      <p:sp>
+        <p:nvSpPr>
+          <p:cNvPr id="4" name="Rectangle 6"/>
           <p:cNvSpPr>
             <a:spLocks noGrp="1" noChangeArrowheads="1"/>
           </p:cNvSpPr>
@@ -914,9 +875,7 @@
             <p:ph type="dt" sz="half" idx="10"/>
           </p:nvPr>
         </p:nvSpPr>
-        <p:spPr>
-          <a:ln/>
-        </p:spPr>
+        <p:spPr/>
         <p:txBody>
           <a:bodyPr/>
           <a:lstStyle>
@@ -932,18 +891,13 @@
               <a:rPr lang="en-US"/>
               <a:t>Second Review</a:t>
             </a:r>
-          </a:p>
-        </p:txBody>
-      </p:sp>
-      <p:sp>
-        <p:nvSpPr>
-          <p:cNvPr id="5" name="Rectangle 7">
-            <a:extLst>
-              <a:ext uri="{FF2B5EF4-FFF2-40B4-BE49-F238E27FC236}">
-                <a16:creationId xmlns:a16="http://schemas.microsoft.com/office/drawing/2014/main" id="{023D97B6-49D4-67F3-668F-9724FD35233F}"/>
-              </a:ext>
-            </a:extLst>
-          </p:cNvPr>
+            <a:endParaRPr lang="en-US"/>
+          </a:p>
+        </p:txBody>
+      </p:sp>
+      <p:sp>
+        <p:nvSpPr>
+          <p:cNvPr id="5" name="Rectangle 7"/>
           <p:cNvSpPr>
             <a:spLocks noGrp="1" noChangeArrowheads="1"/>
           </p:cNvSpPr>
@@ -951,9 +905,7 @@
             <p:ph type="ftr" sz="quarter" idx="11"/>
           </p:nvPr>
         </p:nvSpPr>
-        <p:spPr>
-          <a:ln/>
-        </p:spPr>
+        <p:spPr/>
         <p:txBody>
           <a:bodyPr/>
           <a:lstStyle>
@@ -969,18 +921,13 @@
               <a:rPr lang="en-US"/>
               <a:t>Department of Computer Science and Engineering</a:t>
             </a:r>
-          </a:p>
-        </p:txBody>
-      </p:sp>
-      <p:sp>
-        <p:nvSpPr>
-          <p:cNvPr id="6" name="Rectangle 8">
-            <a:extLst>
-              <a:ext uri="{FF2B5EF4-FFF2-40B4-BE49-F238E27FC236}">
-                <a16:creationId xmlns:a16="http://schemas.microsoft.com/office/drawing/2014/main" id="{EE4FA587-585B-1C1F-066D-B211962B0DB9}"/>
-              </a:ext>
-            </a:extLst>
-          </p:cNvPr>
+            <a:endParaRPr lang="en-US"/>
+          </a:p>
+        </p:txBody>
+      </p:sp>
+      <p:sp>
+        <p:nvSpPr>
+          <p:cNvPr id="6" name="Rectangle 8"/>
           <p:cNvSpPr>
             <a:spLocks noGrp="1" noChangeArrowheads="1"/>
           </p:cNvSpPr>
@@ -988,9 +935,7 @@
             <p:ph type="sldNum" sz="quarter" idx="12"/>
           </p:nvPr>
         </p:nvSpPr>
-        <p:spPr>
-          <a:ln/>
-        </p:spPr>
+        <p:spPr/>
         <p:txBody>
           <a:bodyPr/>
           <a:lstStyle>
@@ -1004,21 +949,12 @@
             </a:pPr>
             <a:fld id="{5367E6EB-B6CA-430B-8761-75C737CF7AF1}" type="slidenum">
               <a:rPr lang="en-US" altLang="en-US"/>
-              <a:pPr>
-                <a:defRPr/>
-              </a:pPr>
-              <a:t>‹#›</a:t>
             </a:fld>
             <a:endParaRPr lang="en-US" altLang="en-US"/>
           </a:p>
         </p:txBody>
       </p:sp>
     </p:spTree>
-    <p:extLst>
-      <p:ext uri="{BB962C8B-B14F-4D97-AF65-F5344CB8AC3E}">
-        <p14:creationId xmlns:p14="http://schemas.microsoft.com/office/powerpoint/2010/main" val="1939476957"/>
-      </p:ext>
-    </p:extLst>
   </p:cSld>
   <p:clrMapOvr>
     <a:masterClrMapping/>
@@ -1067,6 +1003,7 @@
               <a:rPr lang="en-US"/>
               <a:t>Click to edit Master title style</a:t>
             </a:r>
+            <a:endParaRPr lang="en-US"/>
           </a:p>
         </p:txBody>
       </p:sp>
@@ -1095,6 +1032,7 @@
               <a:rPr lang="en-US"/>
               <a:t>Click to edit Master text styles</a:t>
             </a:r>
+            <a:endParaRPr lang="en-US"/>
           </a:p>
           <a:p>
             <a:pPr lvl="1"/>
@@ -1102,6 +1040,7 @@
               <a:rPr lang="en-US"/>
               <a:t>Second level</a:t>
             </a:r>
+            <a:endParaRPr lang="en-US"/>
           </a:p>
           <a:p>
             <a:pPr lvl="2"/>
@@ -1109,6 +1048,7 @@
               <a:rPr lang="en-US"/>
               <a:t>Third level</a:t>
             </a:r>
+            <a:endParaRPr lang="en-US"/>
           </a:p>
           <a:p>
             <a:pPr lvl="3"/>
@@ -1116,6 +1056,7 @@
               <a:rPr lang="en-US"/>
               <a:t>Fourth level</a:t>
             </a:r>
+            <a:endParaRPr lang="en-US"/>
           </a:p>
           <a:p>
             <a:pPr lvl="4"/>
@@ -1123,18 +1064,13 @@
               <a:rPr lang="en-US"/>
               <a:t>Fifth level</a:t>
             </a:r>
-          </a:p>
-        </p:txBody>
-      </p:sp>
-      <p:sp>
-        <p:nvSpPr>
-          <p:cNvPr id="4" name="Rectangle 6">
-            <a:extLst>
-              <a:ext uri="{FF2B5EF4-FFF2-40B4-BE49-F238E27FC236}">
-                <a16:creationId xmlns:a16="http://schemas.microsoft.com/office/drawing/2014/main" id="{E1D0F6A3-93FF-6A17-402C-31256BC45713}"/>
-              </a:ext>
-            </a:extLst>
-          </p:cNvPr>
+            <a:endParaRPr lang="en-US"/>
+          </a:p>
+        </p:txBody>
+      </p:sp>
+      <p:sp>
+        <p:nvSpPr>
+          <p:cNvPr id="4" name="Rectangle 6"/>
           <p:cNvSpPr>
             <a:spLocks noGrp="1" noChangeArrowheads="1"/>
           </p:cNvSpPr>
@@ -1142,9 +1078,7 @@
             <p:ph type="dt" sz="half" idx="10"/>
           </p:nvPr>
         </p:nvSpPr>
-        <p:spPr>
-          <a:ln/>
-        </p:spPr>
+        <p:spPr/>
         <p:txBody>
           <a:bodyPr/>
           <a:lstStyle>
@@ -1160,18 +1094,13 @@
               <a:rPr lang="en-US"/>
               <a:t>Second Review</a:t>
             </a:r>
-          </a:p>
-        </p:txBody>
-      </p:sp>
-      <p:sp>
-        <p:nvSpPr>
-          <p:cNvPr id="5" name="Rectangle 7">
-            <a:extLst>
-              <a:ext uri="{FF2B5EF4-FFF2-40B4-BE49-F238E27FC236}">
-                <a16:creationId xmlns:a16="http://schemas.microsoft.com/office/drawing/2014/main" id="{FB63A9F3-AD04-ED6E-E628-12170F70CE75}"/>
-              </a:ext>
-            </a:extLst>
-          </p:cNvPr>
+            <a:endParaRPr lang="en-US"/>
+          </a:p>
+        </p:txBody>
+      </p:sp>
+      <p:sp>
+        <p:nvSpPr>
+          <p:cNvPr id="5" name="Rectangle 7"/>
           <p:cNvSpPr>
             <a:spLocks noGrp="1" noChangeArrowheads="1"/>
           </p:cNvSpPr>
@@ -1179,9 +1108,7 @@
             <p:ph type="ftr" sz="quarter" idx="11"/>
           </p:nvPr>
         </p:nvSpPr>
-        <p:spPr>
-          <a:ln/>
-        </p:spPr>
+        <p:spPr/>
         <p:txBody>
           <a:bodyPr/>
           <a:lstStyle>
@@ -1197,18 +1124,13 @@
               <a:rPr lang="en-US"/>
               <a:t>Department of Computer Science and Engineering</a:t>
             </a:r>
-          </a:p>
-        </p:txBody>
-      </p:sp>
-      <p:sp>
-        <p:nvSpPr>
-          <p:cNvPr id="6" name="Rectangle 8">
-            <a:extLst>
-              <a:ext uri="{FF2B5EF4-FFF2-40B4-BE49-F238E27FC236}">
-                <a16:creationId xmlns:a16="http://schemas.microsoft.com/office/drawing/2014/main" id="{01BD68DD-46F8-E148-C9DD-BDF1256D37AB}"/>
-              </a:ext>
-            </a:extLst>
-          </p:cNvPr>
+            <a:endParaRPr lang="en-US"/>
+          </a:p>
+        </p:txBody>
+      </p:sp>
+      <p:sp>
+        <p:nvSpPr>
+          <p:cNvPr id="6" name="Rectangle 8"/>
           <p:cNvSpPr>
             <a:spLocks noGrp="1" noChangeArrowheads="1"/>
           </p:cNvSpPr>
@@ -1216,9 +1138,7 @@
             <p:ph type="sldNum" sz="quarter" idx="12"/>
           </p:nvPr>
         </p:nvSpPr>
-        <p:spPr>
-          <a:ln/>
-        </p:spPr>
+        <p:spPr/>
         <p:txBody>
           <a:bodyPr/>
           <a:lstStyle>
@@ -1232,21 +1152,12 @@
             </a:pPr>
             <a:fld id="{3031276A-AAE7-4DAF-B5DC-CD9EE96B703D}" type="slidenum">
               <a:rPr lang="en-US" altLang="en-US"/>
-              <a:pPr>
-                <a:defRPr/>
-              </a:pPr>
-              <a:t>‹#›</a:t>
             </a:fld>
             <a:endParaRPr lang="en-US" altLang="en-US"/>
           </a:p>
         </p:txBody>
       </p:sp>
     </p:spTree>
-    <p:extLst>
-      <p:ext uri="{BB962C8B-B14F-4D97-AF65-F5344CB8AC3E}">
-        <p14:creationId xmlns:p14="http://schemas.microsoft.com/office/powerpoint/2010/main" val="2788195360"/>
-      </p:ext>
-    </p:extLst>
   </p:cSld>
   <p:clrMapOvr>
     <a:masterClrMapping/>
@@ -1290,6 +1201,7 @@
               <a:rPr lang="en-US"/>
               <a:t>Click to edit Master title style</a:t>
             </a:r>
+            <a:endParaRPr lang="en-US"/>
           </a:p>
         </p:txBody>
       </p:sp>
@@ -1313,6 +1225,7 @@
               <a:rPr lang="en-US"/>
               <a:t>Click to edit Master text styles</a:t>
             </a:r>
+            <a:endParaRPr lang="en-US"/>
           </a:p>
           <a:p>
             <a:pPr lvl="1"/>
@@ -1320,6 +1233,7 @@
               <a:rPr lang="en-US"/>
               <a:t>Second level</a:t>
             </a:r>
+            <a:endParaRPr lang="en-US"/>
           </a:p>
           <a:p>
             <a:pPr lvl="2"/>
@@ -1327,6 +1241,7 @@
               <a:rPr lang="en-US"/>
               <a:t>Third level</a:t>
             </a:r>
+            <a:endParaRPr lang="en-US"/>
           </a:p>
           <a:p>
             <a:pPr lvl="3"/>
@@ -1334,6 +1249,7 @@
               <a:rPr lang="en-US"/>
               <a:t>Fourth level</a:t>
             </a:r>
+            <a:endParaRPr lang="en-US"/>
           </a:p>
           <a:p>
             <a:pPr lvl="4"/>
@@ -1341,18 +1257,13 @@
               <a:rPr lang="en-US"/>
               <a:t>Fifth level</a:t>
             </a:r>
-          </a:p>
-        </p:txBody>
-      </p:sp>
-      <p:sp>
-        <p:nvSpPr>
-          <p:cNvPr id="4" name="Rectangle 6">
-            <a:extLst>
-              <a:ext uri="{FF2B5EF4-FFF2-40B4-BE49-F238E27FC236}">
-                <a16:creationId xmlns:a16="http://schemas.microsoft.com/office/drawing/2014/main" id="{4A88B164-965D-9E09-9E7D-16374A9EADDD}"/>
-              </a:ext>
-            </a:extLst>
-          </p:cNvPr>
+            <a:endParaRPr lang="en-US"/>
+          </a:p>
+        </p:txBody>
+      </p:sp>
+      <p:sp>
+        <p:nvSpPr>
+          <p:cNvPr id="4" name="Rectangle 6"/>
           <p:cNvSpPr>
             <a:spLocks noGrp="1" noChangeArrowheads="1"/>
           </p:cNvSpPr>
@@ -1360,9 +1271,7 @@
             <p:ph type="dt" sz="half" idx="10"/>
           </p:nvPr>
         </p:nvSpPr>
-        <p:spPr>
-          <a:ln/>
-        </p:spPr>
+        <p:spPr/>
         <p:txBody>
           <a:bodyPr/>
           <a:lstStyle>
@@ -1378,18 +1287,13 @@
               <a:rPr lang="en-US"/>
               <a:t>Second Review</a:t>
             </a:r>
-          </a:p>
-        </p:txBody>
-      </p:sp>
-      <p:sp>
-        <p:nvSpPr>
-          <p:cNvPr id="5" name="Rectangle 7">
-            <a:extLst>
-              <a:ext uri="{FF2B5EF4-FFF2-40B4-BE49-F238E27FC236}">
-                <a16:creationId xmlns:a16="http://schemas.microsoft.com/office/drawing/2014/main" id="{EE044AE8-B23C-D8C6-4D87-EADCB1C0F02B}"/>
-              </a:ext>
-            </a:extLst>
-          </p:cNvPr>
+            <a:endParaRPr lang="en-US"/>
+          </a:p>
+        </p:txBody>
+      </p:sp>
+      <p:sp>
+        <p:nvSpPr>
+          <p:cNvPr id="5" name="Rectangle 7"/>
           <p:cNvSpPr>
             <a:spLocks noGrp="1" noChangeArrowheads="1"/>
           </p:cNvSpPr>
@@ -1397,9 +1301,7 @@
             <p:ph type="ftr" sz="quarter" idx="11"/>
           </p:nvPr>
         </p:nvSpPr>
-        <p:spPr>
-          <a:ln/>
-        </p:spPr>
+        <p:spPr/>
         <p:txBody>
           <a:bodyPr/>
           <a:lstStyle>
@@ -1415,18 +1317,13 @@
               <a:rPr lang="en-US"/>
               <a:t>Department of Computer Science and Engineering</a:t>
             </a:r>
-          </a:p>
-        </p:txBody>
-      </p:sp>
-      <p:sp>
-        <p:nvSpPr>
-          <p:cNvPr id="6" name="Rectangle 8">
-            <a:extLst>
-              <a:ext uri="{FF2B5EF4-FFF2-40B4-BE49-F238E27FC236}">
-                <a16:creationId xmlns:a16="http://schemas.microsoft.com/office/drawing/2014/main" id="{BE04F0FC-AAC5-064C-CDAD-FF80D73B3853}"/>
-              </a:ext>
-            </a:extLst>
-          </p:cNvPr>
+            <a:endParaRPr lang="en-US"/>
+          </a:p>
+        </p:txBody>
+      </p:sp>
+      <p:sp>
+        <p:nvSpPr>
+          <p:cNvPr id="6" name="Rectangle 8"/>
           <p:cNvSpPr>
             <a:spLocks noGrp="1" noChangeArrowheads="1"/>
           </p:cNvSpPr>
@@ -1434,9 +1331,7 @@
             <p:ph type="sldNum" sz="quarter" idx="12"/>
           </p:nvPr>
         </p:nvSpPr>
-        <p:spPr>
-          <a:ln/>
-        </p:spPr>
+        <p:spPr/>
         <p:txBody>
           <a:bodyPr/>
           <a:lstStyle>
@@ -1450,21 +1345,12 @@
             </a:pPr>
             <a:fld id="{BDC2143B-610F-499C-A392-DFFBE135A7B2}" type="slidenum">
               <a:rPr lang="en-US" altLang="en-US"/>
-              <a:pPr>
-                <a:defRPr/>
-              </a:pPr>
-              <a:t>‹#›</a:t>
             </a:fld>
             <a:endParaRPr lang="en-US" altLang="en-US"/>
           </a:p>
         </p:txBody>
       </p:sp>
     </p:spTree>
-    <p:extLst>
-      <p:ext uri="{BB962C8B-B14F-4D97-AF65-F5344CB8AC3E}">
-        <p14:creationId xmlns:p14="http://schemas.microsoft.com/office/powerpoint/2010/main" val="2422674610"/>
-      </p:ext>
-    </p:extLst>
   </p:cSld>
   <p:clrMapOvr>
     <a:masterClrMapping/>
@@ -1517,6 +1403,7 @@
               <a:rPr lang="en-US"/>
               <a:t>Click to edit Master title style</a:t>
             </a:r>
+            <a:endParaRPr lang="en-US"/>
           </a:p>
         </p:txBody>
       </p:sp>
@@ -1582,18 +1469,13 @@
               <a:rPr lang="en-US"/>
               <a:t>Click to edit Master text styles</a:t>
             </a:r>
-          </a:p>
-        </p:txBody>
-      </p:sp>
-      <p:sp>
-        <p:nvSpPr>
-          <p:cNvPr id="4" name="Rectangle 6">
-            <a:extLst>
-              <a:ext uri="{FF2B5EF4-FFF2-40B4-BE49-F238E27FC236}">
-                <a16:creationId xmlns:a16="http://schemas.microsoft.com/office/drawing/2014/main" id="{9E3D50AC-D896-487B-A964-4F2362A2FCEC}"/>
-              </a:ext>
-            </a:extLst>
-          </p:cNvPr>
+            <a:endParaRPr lang="en-US"/>
+          </a:p>
+        </p:txBody>
+      </p:sp>
+      <p:sp>
+        <p:nvSpPr>
+          <p:cNvPr id="4" name="Rectangle 6"/>
           <p:cNvSpPr>
             <a:spLocks noGrp="1" noChangeArrowheads="1"/>
           </p:cNvSpPr>
@@ -1601,9 +1483,7 @@
             <p:ph type="dt" sz="half" idx="10"/>
           </p:nvPr>
         </p:nvSpPr>
-        <p:spPr>
-          <a:ln/>
-        </p:spPr>
+        <p:spPr/>
         <p:txBody>
           <a:bodyPr/>
           <a:lstStyle>
@@ -1619,18 +1499,13 @@
               <a:rPr lang="en-US"/>
               <a:t>Second Review</a:t>
             </a:r>
-          </a:p>
-        </p:txBody>
-      </p:sp>
-      <p:sp>
-        <p:nvSpPr>
-          <p:cNvPr id="5" name="Rectangle 7">
-            <a:extLst>
-              <a:ext uri="{FF2B5EF4-FFF2-40B4-BE49-F238E27FC236}">
-                <a16:creationId xmlns:a16="http://schemas.microsoft.com/office/drawing/2014/main" id="{1860975C-7E6F-6BD7-97FB-B68EFA315FE1}"/>
-              </a:ext>
-            </a:extLst>
-          </p:cNvPr>
+            <a:endParaRPr lang="en-US"/>
+          </a:p>
+        </p:txBody>
+      </p:sp>
+      <p:sp>
+        <p:nvSpPr>
+          <p:cNvPr id="5" name="Rectangle 7"/>
           <p:cNvSpPr>
             <a:spLocks noGrp="1" noChangeArrowheads="1"/>
           </p:cNvSpPr>
@@ -1638,9 +1513,7 @@
             <p:ph type="ftr" sz="quarter" idx="11"/>
           </p:nvPr>
         </p:nvSpPr>
-        <p:spPr>
-          <a:ln/>
-        </p:spPr>
+        <p:spPr/>
         <p:txBody>
           <a:bodyPr/>
           <a:lstStyle>
@@ -1656,18 +1529,13 @@
               <a:rPr lang="en-US"/>
               <a:t>Department of Computer Science and Engineering</a:t>
             </a:r>
-          </a:p>
-        </p:txBody>
-      </p:sp>
-      <p:sp>
-        <p:nvSpPr>
-          <p:cNvPr id="6" name="Rectangle 8">
-            <a:extLst>
-              <a:ext uri="{FF2B5EF4-FFF2-40B4-BE49-F238E27FC236}">
-                <a16:creationId xmlns:a16="http://schemas.microsoft.com/office/drawing/2014/main" id="{925DB3BD-FB8F-C610-9A37-B3ADF214A3E4}"/>
-              </a:ext>
-            </a:extLst>
-          </p:cNvPr>
+            <a:endParaRPr lang="en-US"/>
+          </a:p>
+        </p:txBody>
+      </p:sp>
+      <p:sp>
+        <p:nvSpPr>
+          <p:cNvPr id="6" name="Rectangle 8"/>
           <p:cNvSpPr>
             <a:spLocks noGrp="1" noChangeArrowheads="1"/>
           </p:cNvSpPr>
@@ -1675,9 +1543,7 @@
             <p:ph type="sldNum" sz="quarter" idx="12"/>
           </p:nvPr>
         </p:nvSpPr>
-        <p:spPr>
-          <a:ln/>
-        </p:spPr>
+        <p:spPr/>
         <p:txBody>
           <a:bodyPr/>
           <a:lstStyle>
@@ -1691,21 +1557,12 @@
             </a:pPr>
             <a:fld id="{575C213C-AC18-4D5A-BA73-4550FF50B842}" type="slidenum">
               <a:rPr lang="en-US" altLang="en-US"/>
-              <a:pPr>
-                <a:defRPr/>
-              </a:pPr>
-              <a:t>‹#›</a:t>
             </a:fld>
             <a:endParaRPr lang="en-US" altLang="en-US"/>
           </a:p>
         </p:txBody>
       </p:sp>
     </p:spTree>
-    <p:extLst>
-      <p:ext uri="{BB962C8B-B14F-4D97-AF65-F5344CB8AC3E}">
-        <p14:creationId xmlns:p14="http://schemas.microsoft.com/office/powerpoint/2010/main" val="1543545479"/>
-      </p:ext>
-    </p:extLst>
   </p:cSld>
   <p:clrMapOvr>
     <a:masterClrMapping/>
@@ -1749,6 +1606,7 @@
               <a:rPr lang="en-US"/>
               <a:t>Click to edit Master title style</a:t>
             </a:r>
+            <a:endParaRPr lang="en-US"/>
           </a:p>
         </p:txBody>
       </p:sp>
@@ -1805,6 +1663,7 @@
               <a:rPr lang="en-US"/>
               <a:t>Click to edit Master text styles</a:t>
             </a:r>
+            <a:endParaRPr lang="en-US"/>
           </a:p>
           <a:p>
             <a:pPr lvl="1"/>
@@ -1812,6 +1671,7 @@
               <a:rPr lang="en-US"/>
               <a:t>Second level</a:t>
             </a:r>
+            <a:endParaRPr lang="en-US"/>
           </a:p>
           <a:p>
             <a:pPr lvl="2"/>
@@ -1819,6 +1679,7 @@
               <a:rPr lang="en-US"/>
               <a:t>Third level</a:t>
             </a:r>
+            <a:endParaRPr lang="en-US"/>
           </a:p>
           <a:p>
             <a:pPr lvl="3"/>
@@ -1826,6 +1687,7 @@
               <a:rPr lang="en-US"/>
               <a:t>Fourth level</a:t>
             </a:r>
+            <a:endParaRPr lang="en-US"/>
           </a:p>
           <a:p>
             <a:pPr lvl="4"/>
@@ -1833,6 +1695,7 @@
               <a:rPr lang="en-US"/>
               <a:t>Fifth level</a:t>
             </a:r>
+            <a:endParaRPr lang="en-US"/>
           </a:p>
         </p:txBody>
       </p:sp>
@@ -1889,6 +1752,7 @@
               <a:rPr lang="en-US"/>
               <a:t>Click to edit Master text styles</a:t>
             </a:r>
+            <a:endParaRPr lang="en-US"/>
           </a:p>
           <a:p>
             <a:pPr lvl="1"/>
@@ -1896,6 +1760,7 @@
               <a:rPr lang="en-US"/>
               <a:t>Second level</a:t>
             </a:r>
+            <a:endParaRPr lang="en-US"/>
           </a:p>
           <a:p>
             <a:pPr lvl="2"/>
@@ -1903,6 +1768,7 @@
               <a:rPr lang="en-US"/>
               <a:t>Third level</a:t>
             </a:r>
+            <a:endParaRPr lang="en-US"/>
           </a:p>
           <a:p>
             <a:pPr lvl="3"/>
@@ -1910,6 +1776,7 @@
               <a:rPr lang="en-US"/>
               <a:t>Fourth level</a:t>
             </a:r>
+            <a:endParaRPr lang="en-US"/>
           </a:p>
           <a:p>
             <a:pPr lvl="4"/>
@@ -1917,18 +1784,13 @@
               <a:rPr lang="en-US"/>
               <a:t>Fifth level</a:t>
             </a:r>
-          </a:p>
-        </p:txBody>
-      </p:sp>
-      <p:sp>
-        <p:nvSpPr>
-          <p:cNvPr id="5" name="Rectangle 6">
-            <a:extLst>
-              <a:ext uri="{FF2B5EF4-FFF2-40B4-BE49-F238E27FC236}">
-                <a16:creationId xmlns:a16="http://schemas.microsoft.com/office/drawing/2014/main" id="{1CC1F139-34C5-A295-F629-88EF76019A55}"/>
-              </a:ext>
-            </a:extLst>
-          </p:cNvPr>
+            <a:endParaRPr lang="en-US"/>
+          </a:p>
+        </p:txBody>
+      </p:sp>
+      <p:sp>
+        <p:nvSpPr>
+          <p:cNvPr id="5" name="Rectangle 6"/>
           <p:cNvSpPr>
             <a:spLocks noGrp="1" noChangeArrowheads="1"/>
           </p:cNvSpPr>
@@ -1936,9 +1798,7 @@
             <p:ph type="dt" sz="half" idx="10"/>
           </p:nvPr>
         </p:nvSpPr>
-        <p:spPr>
-          <a:ln/>
-        </p:spPr>
+        <p:spPr/>
         <p:txBody>
           <a:bodyPr/>
           <a:lstStyle>
@@ -1954,18 +1814,13 @@
               <a:rPr lang="en-US"/>
               <a:t>Second Review</a:t>
             </a:r>
-          </a:p>
-        </p:txBody>
-      </p:sp>
-      <p:sp>
-        <p:nvSpPr>
-          <p:cNvPr id="6" name="Rectangle 7">
-            <a:extLst>
-              <a:ext uri="{FF2B5EF4-FFF2-40B4-BE49-F238E27FC236}">
-                <a16:creationId xmlns:a16="http://schemas.microsoft.com/office/drawing/2014/main" id="{AB20EB37-7A2A-E49D-01DB-6418D7037D0A}"/>
-              </a:ext>
-            </a:extLst>
-          </p:cNvPr>
+            <a:endParaRPr lang="en-US"/>
+          </a:p>
+        </p:txBody>
+      </p:sp>
+      <p:sp>
+        <p:nvSpPr>
+          <p:cNvPr id="6" name="Rectangle 7"/>
           <p:cNvSpPr>
             <a:spLocks noGrp="1" noChangeArrowheads="1"/>
           </p:cNvSpPr>
@@ -1973,9 +1828,7 @@
             <p:ph type="ftr" sz="quarter" idx="11"/>
           </p:nvPr>
         </p:nvSpPr>
-        <p:spPr>
-          <a:ln/>
-        </p:spPr>
+        <p:spPr/>
         <p:txBody>
           <a:bodyPr/>
           <a:lstStyle>
@@ -1991,18 +1844,13 @@
               <a:rPr lang="en-US"/>
               <a:t>Department of Computer Science and Engineering</a:t>
             </a:r>
-          </a:p>
-        </p:txBody>
-      </p:sp>
-      <p:sp>
-        <p:nvSpPr>
-          <p:cNvPr id="7" name="Rectangle 8">
-            <a:extLst>
-              <a:ext uri="{FF2B5EF4-FFF2-40B4-BE49-F238E27FC236}">
-                <a16:creationId xmlns:a16="http://schemas.microsoft.com/office/drawing/2014/main" id="{C4FAAEF5-CC11-F779-153E-E74E333E5AC1}"/>
-              </a:ext>
-            </a:extLst>
-          </p:cNvPr>
+            <a:endParaRPr lang="en-US"/>
+          </a:p>
+        </p:txBody>
+      </p:sp>
+      <p:sp>
+        <p:nvSpPr>
+          <p:cNvPr id="7" name="Rectangle 8"/>
           <p:cNvSpPr>
             <a:spLocks noGrp="1" noChangeArrowheads="1"/>
           </p:cNvSpPr>
@@ -2010,9 +1858,7 @@
             <p:ph type="sldNum" sz="quarter" idx="12"/>
           </p:nvPr>
         </p:nvSpPr>
-        <p:spPr>
-          <a:ln/>
-        </p:spPr>
+        <p:spPr/>
         <p:txBody>
           <a:bodyPr/>
           <a:lstStyle>
@@ -2026,21 +1872,12 @@
             </a:pPr>
             <a:fld id="{7A8ED4EA-E359-45F1-B86A-A40772B25C23}" type="slidenum">
               <a:rPr lang="en-US" altLang="en-US"/>
-              <a:pPr>
-                <a:defRPr/>
-              </a:pPr>
-              <a:t>‹#›</a:t>
             </a:fld>
             <a:endParaRPr lang="en-US" altLang="en-US"/>
           </a:p>
         </p:txBody>
       </p:sp>
     </p:spTree>
-    <p:extLst>
-      <p:ext uri="{BB962C8B-B14F-4D97-AF65-F5344CB8AC3E}">
-        <p14:creationId xmlns:p14="http://schemas.microsoft.com/office/powerpoint/2010/main" val="1812587053"/>
-      </p:ext>
-    </p:extLst>
   </p:cSld>
   <p:clrMapOvr>
     <a:masterClrMapping/>
@@ -2093,6 +1930,7 @@
               <a:rPr lang="en-US"/>
               <a:t>Click to edit Master title style</a:t>
             </a:r>
+            <a:endParaRPr lang="en-US"/>
           </a:p>
         </p:txBody>
       </p:sp>
@@ -2158,6 +1996,7 @@
               <a:rPr lang="en-US"/>
               <a:t>Click to edit Master text styles</a:t>
             </a:r>
+            <a:endParaRPr lang="en-US"/>
           </a:p>
         </p:txBody>
       </p:sp>
@@ -2214,6 +2053,7 @@
               <a:rPr lang="en-US"/>
               <a:t>Click to edit Master text styles</a:t>
             </a:r>
+            <a:endParaRPr lang="en-US"/>
           </a:p>
           <a:p>
             <a:pPr lvl="1"/>
@@ -2221,6 +2061,7 @@
               <a:rPr lang="en-US"/>
               <a:t>Second level</a:t>
             </a:r>
+            <a:endParaRPr lang="en-US"/>
           </a:p>
           <a:p>
             <a:pPr lvl="2"/>
@@ -2228,6 +2069,7 @@
               <a:rPr lang="en-US"/>
               <a:t>Third level</a:t>
             </a:r>
+            <a:endParaRPr lang="en-US"/>
           </a:p>
           <a:p>
             <a:pPr lvl="3"/>
@@ -2235,6 +2077,7 @@
               <a:rPr lang="en-US"/>
               <a:t>Fourth level</a:t>
             </a:r>
+            <a:endParaRPr lang="en-US"/>
           </a:p>
           <a:p>
             <a:pPr lvl="4"/>
@@ -2242,6 +2085,7 @@
               <a:rPr lang="en-US"/>
               <a:t>Fifth level</a:t>
             </a:r>
+            <a:endParaRPr lang="en-US"/>
           </a:p>
         </p:txBody>
       </p:sp>
@@ -2307,6 +2151,7 @@
               <a:rPr lang="en-US"/>
               <a:t>Click to edit Master text styles</a:t>
             </a:r>
+            <a:endParaRPr lang="en-US"/>
           </a:p>
         </p:txBody>
       </p:sp>
@@ -2363,6 +2208,7 @@
               <a:rPr lang="en-US"/>
               <a:t>Click to edit Master text styles</a:t>
             </a:r>
+            <a:endParaRPr lang="en-US"/>
           </a:p>
           <a:p>
             <a:pPr lvl="1"/>
@@ -2370,6 +2216,7 @@
               <a:rPr lang="en-US"/>
               <a:t>Second level</a:t>
             </a:r>
+            <a:endParaRPr lang="en-US"/>
           </a:p>
           <a:p>
             <a:pPr lvl="2"/>
@@ -2377,6 +2224,7 @@
               <a:rPr lang="en-US"/>
               <a:t>Third level</a:t>
             </a:r>
+            <a:endParaRPr lang="en-US"/>
           </a:p>
           <a:p>
             <a:pPr lvl="3"/>
@@ -2384,6 +2232,7 @@
               <a:rPr lang="en-US"/>
               <a:t>Fourth level</a:t>
             </a:r>
+            <a:endParaRPr lang="en-US"/>
           </a:p>
           <a:p>
             <a:pPr lvl="4"/>
@@ -2391,18 +2240,13 @@
               <a:rPr lang="en-US"/>
               <a:t>Fifth level</a:t>
             </a:r>
-          </a:p>
-        </p:txBody>
-      </p:sp>
-      <p:sp>
-        <p:nvSpPr>
-          <p:cNvPr id="7" name="Rectangle 6">
-            <a:extLst>
-              <a:ext uri="{FF2B5EF4-FFF2-40B4-BE49-F238E27FC236}">
-                <a16:creationId xmlns:a16="http://schemas.microsoft.com/office/drawing/2014/main" id="{3B4E764D-F83F-9CC9-8E38-FEA9647AB755}"/>
-              </a:ext>
-            </a:extLst>
-          </p:cNvPr>
+            <a:endParaRPr lang="en-US"/>
+          </a:p>
+        </p:txBody>
+      </p:sp>
+      <p:sp>
+        <p:nvSpPr>
+          <p:cNvPr id="7" name="Rectangle 6"/>
           <p:cNvSpPr>
             <a:spLocks noGrp="1" noChangeArrowheads="1"/>
           </p:cNvSpPr>
@@ -2410,9 +2254,7 @@
             <p:ph type="dt" sz="half" idx="10"/>
           </p:nvPr>
         </p:nvSpPr>
-        <p:spPr>
-          <a:ln/>
-        </p:spPr>
+        <p:spPr/>
         <p:txBody>
           <a:bodyPr/>
           <a:lstStyle>
@@ -2428,18 +2270,13 @@
               <a:rPr lang="en-US"/>
               <a:t>Second Review</a:t>
             </a:r>
-          </a:p>
-        </p:txBody>
-      </p:sp>
-      <p:sp>
-        <p:nvSpPr>
-          <p:cNvPr id="8" name="Rectangle 7">
-            <a:extLst>
-              <a:ext uri="{FF2B5EF4-FFF2-40B4-BE49-F238E27FC236}">
-                <a16:creationId xmlns:a16="http://schemas.microsoft.com/office/drawing/2014/main" id="{BABF83D4-B422-239C-8C38-4509A66ADBE3}"/>
-              </a:ext>
-            </a:extLst>
-          </p:cNvPr>
+            <a:endParaRPr lang="en-US"/>
+          </a:p>
+        </p:txBody>
+      </p:sp>
+      <p:sp>
+        <p:nvSpPr>
+          <p:cNvPr id="8" name="Rectangle 7"/>
           <p:cNvSpPr>
             <a:spLocks noGrp="1" noChangeArrowheads="1"/>
           </p:cNvSpPr>
@@ -2447,9 +2284,7 @@
             <p:ph type="ftr" sz="quarter" idx="11"/>
           </p:nvPr>
         </p:nvSpPr>
-        <p:spPr>
-          <a:ln/>
-        </p:spPr>
+        <p:spPr/>
         <p:txBody>
           <a:bodyPr/>
           <a:lstStyle>
@@ -2465,18 +2300,13 @@
               <a:rPr lang="en-US"/>
               <a:t>Department of Computer Science and Engineering</a:t>
             </a:r>
-          </a:p>
-        </p:txBody>
-      </p:sp>
-      <p:sp>
-        <p:nvSpPr>
-          <p:cNvPr id="9" name="Rectangle 8">
-            <a:extLst>
-              <a:ext uri="{FF2B5EF4-FFF2-40B4-BE49-F238E27FC236}">
-                <a16:creationId xmlns:a16="http://schemas.microsoft.com/office/drawing/2014/main" id="{781238FA-AFA9-8287-25C9-98D6042CFD33}"/>
-              </a:ext>
-            </a:extLst>
-          </p:cNvPr>
+            <a:endParaRPr lang="en-US"/>
+          </a:p>
+        </p:txBody>
+      </p:sp>
+      <p:sp>
+        <p:nvSpPr>
+          <p:cNvPr id="9" name="Rectangle 8"/>
           <p:cNvSpPr>
             <a:spLocks noGrp="1" noChangeArrowheads="1"/>
           </p:cNvSpPr>
@@ -2484,9 +2314,7 @@
             <p:ph type="sldNum" sz="quarter" idx="12"/>
           </p:nvPr>
         </p:nvSpPr>
-        <p:spPr>
-          <a:ln/>
-        </p:spPr>
+        <p:spPr/>
         <p:txBody>
           <a:bodyPr/>
           <a:lstStyle>
@@ -2500,21 +2328,12 @@
             </a:pPr>
             <a:fld id="{E637AD66-1F60-49BE-A2E9-D91D10CB91F3}" type="slidenum">
               <a:rPr lang="en-US" altLang="en-US"/>
-              <a:pPr>
-                <a:defRPr/>
-              </a:pPr>
-              <a:t>‹#›</a:t>
             </a:fld>
             <a:endParaRPr lang="en-US" altLang="en-US"/>
           </a:p>
         </p:txBody>
       </p:sp>
     </p:spTree>
-    <p:extLst>
-      <p:ext uri="{BB962C8B-B14F-4D97-AF65-F5344CB8AC3E}">
-        <p14:creationId xmlns:p14="http://schemas.microsoft.com/office/powerpoint/2010/main" val="3338931591"/>
-      </p:ext>
-    </p:extLst>
   </p:cSld>
   <p:clrMapOvr>
     <a:masterClrMapping/>
@@ -2558,18 +2377,13 @@
               <a:rPr lang="en-US"/>
               <a:t>Click to edit Master title style</a:t>
             </a:r>
-          </a:p>
-        </p:txBody>
-      </p:sp>
-      <p:sp>
-        <p:nvSpPr>
-          <p:cNvPr id="3" name="Rectangle 6">
-            <a:extLst>
-              <a:ext uri="{FF2B5EF4-FFF2-40B4-BE49-F238E27FC236}">
-                <a16:creationId xmlns:a16="http://schemas.microsoft.com/office/drawing/2014/main" id="{B80D49F1-7BF0-A0A8-0C0A-9B4F1788B3B4}"/>
-              </a:ext>
-            </a:extLst>
-          </p:cNvPr>
+            <a:endParaRPr lang="en-US"/>
+          </a:p>
+        </p:txBody>
+      </p:sp>
+      <p:sp>
+        <p:nvSpPr>
+          <p:cNvPr id="3" name="Rectangle 6"/>
           <p:cNvSpPr>
             <a:spLocks noGrp="1" noChangeArrowheads="1"/>
           </p:cNvSpPr>
@@ -2577,9 +2391,7 @@
             <p:ph type="dt" sz="half" idx="10"/>
           </p:nvPr>
         </p:nvSpPr>
-        <p:spPr>
-          <a:ln/>
-        </p:spPr>
+        <p:spPr/>
         <p:txBody>
           <a:bodyPr/>
           <a:lstStyle>
@@ -2595,18 +2407,13 @@
               <a:rPr lang="en-US"/>
               <a:t>Second Review</a:t>
             </a:r>
-          </a:p>
-        </p:txBody>
-      </p:sp>
-      <p:sp>
-        <p:nvSpPr>
-          <p:cNvPr id="4" name="Rectangle 7">
-            <a:extLst>
-              <a:ext uri="{FF2B5EF4-FFF2-40B4-BE49-F238E27FC236}">
-                <a16:creationId xmlns:a16="http://schemas.microsoft.com/office/drawing/2014/main" id="{BDDDAEBE-B0DA-0212-414B-C9FFC612D8C0}"/>
-              </a:ext>
-            </a:extLst>
-          </p:cNvPr>
+            <a:endParaRPr lang="en-US"/>
+          </a:p>
+        </p:txBody>
+      </p:sp>
+      <p:sp>
+        <p:nvSpPr>
+          <p:cNvPr id="4" name="Rectangle 7"/>
           <p:cNvSpPr>
             <a:spLocks noGrp="1" noChangeArrowheads="1"/>
           </p:cNvSpPr>
@@ -2614,9 +2421,7 @@
             <p:ph type="ftr" sz="quarter" idx="11"/>
           </p:nvPr>
         </p:nvSpPr>
-        <p:spPr>
-          <a:ln/>
-        </p:spPr>
+        <p:spPr/>
         <p:txBody>
           <a:bodyPr/>
           <a:lstStyle>
@@ -2632,18 +2437,13 @@
               <a:rPr lang="en-US"/>
               <a:t>Department of Computer Science and Engineering</a:t>
             </a:r>
-          </a:p>
-        </p:txBody>
-      </p:sp>
-      <p:sp>
-        <p:nvSpPr>
-          <p:cNvPr id="5" name="Rectangle 8">
-            <a:extLst>
-              <a:ext uri="{FF2B5EF4-FFF2-40B4-BE49-F238E27FC236}">
-                <a16:creationId xmlns:a16="http://schemas.microsoft.com/office/drawing/2014/main" id="{7430D5C8-DD0F-C0FD-D016-9055C67C40FA}"/>
-              </a:ext>
-            </a:extLst>
-          </p:cNvPr>
+            <a:endParaRPr lang="en-US"/>
+          </a:p>
+        </p:txBody>
+      </p:sp>
+      <p:sp>
+        <p:nvSpPr>
+          <p:cNvPr id="5" name="Rectangle 8"/>
           <p:cNvSpPr>
             <a:spLocks noGrp="1" noChangeArrowheads="1"/>
           </p:cNvSpPr>
@@ -2651,9 +2451,7 @@
             <p:ph type="sldNum" sz="quarter" idx="12"/>
           </p:nvPr>
         </p:nvSpPr>
-        <p:spPr>
-          <a:ln/>
-        </p:spPr>
+        <p:spPr/>
         <p:txBody>
           <a:bodyPr/>
           <a:lstStyle>
@@ -2667,21 +2465,12 @@
             </a:pPr>
             <a:fld id="{F583B680-F650-469F-A231-392F163461F6}" type="slidenum">
               <a:rPr lang="en-US" altLang="en-US"/>
-              <a:pPr>
-                <a:defRPr/>
-              </a:pPr>
-              <a:t>‹#›</a:t>
             </a:fld>
             <a:endParaRPr lang="en-US" altLang="en-US"/>
           </a:p>
         </p:txBody>
       </p:sp>
     </p:spTree>
-    <p:extLst>
-      <p:ext uri="{BB962C8B-B14F-4D97-AF65-F5344CB8AC3E}">
-        <p14:creationId xmlns:p14="http://schemas.microsoft.com/office/powerpoint/2010/main" val="4126819504"/>
-      </p:ext>
-    </p:extLst>
   </p:cSld>
   <p:clrMapOvr>
     <a:masterClrMapping/>
@@ -2708,13 +2497,7 @@
       </p:grpSpPr>
       <p:sp>
         <p:nvSpPr>
-          <p:cNvPr id="2" name="Rectangle 6">
-            <a:extLst>
-              <a:ext uri="{FF2B5EF4-FFF2-40B4-BE49-F238E27FC236}">
-                <a16:creationId xmlns:a16="http://schemas.microsoft.com/office/drawing/2014/main" id="{90400DB2-066A-4CAE-071C-1EAF9DDB7276}"/>
-              </a:ext>
-            </a:extLst>
-          </p:cNvPr>
+          <p:cNvPr id="2" name="Rectangle 6"/>
           <p:cNvSpPr>
             <a:spLocks noGrp="1" noChangeArrowheads="1"/>
           </p:cNvSpPr>
@@ -2722,9 +2505,7 @@
             <p:ph type="dt" sz="half" idx="10"/>
           </p:nvPr>
         </p:nvSpPr>
-        <p:spPr>
-          <a:ln/>
-        </p:spPr>
+        <p:spPr/>
         <p:txBody>
           <a:bodyPr/>
           <a:lstStyle>
@@ -2740,18 +2521,13 @@
               <a:rPr lang="en-US"/>
               <a:t>Second Review</a:t>
             </a:r>
-          </a:p>
-        </p:txBody>
-      </p:sp>
-      <p:sp>
-        <p:nvSpPr>
-          <p:cNvPr id="3" name="Rectangle 7">
-            <a:extLst>
-              <a:ext uri="{FF2B5EF4-FFF2-40B4-BE49-F238E27FC236}">
-                <a16:creationId xmlns:a16="http://schemas.microsoft.com/office/drawing/2014/main" id="{EAB14BBF-3825-C6B5-25F7-8686AAD7C353}"/>
-              </a:ext>
-            </a:extLst>
-          </p:cNvPr>
+            <a:endParaRPr lang="en-US"/>
+          </a:p>
+        </p:txBody>
+      </p:sp>
+      <p:sp>
+        <p:nvSpPr>
+          <p:cNvPr id="3" name="Rectangle 7"/>
           <p:cNvSpPr>
             <a:spLocks noGrp="1" noChangeArrowheads="1"/>
           </p:cNvSpPr>
@@ -2759,9 +2535,7 @@
             <p:ph type="ftr" sz="quarter" idx="11"/>
           </p:nvPr>
         </p:nvSpPr>
-        <p:spPr>
-          <a:ln/>
-        </p:spPr>
+        <p:spPr/>
         <p:txBody>
           <a:bodyPr/>
           <a:lstStyle>
@@ -2777,18 +2551,13 @@
               <a:rPr lang="en-US"/>
               <a:t>Department of Computer Science and Engineering</a:t>
             </a:r>
-          </a:p>
-        </p:txBody>
-      </p:sp>
-      <p:sp>
-        <p:nvSpPr>
-          <p:cNvPr id="4" name="Rectangle 8">
-            <a:extLst>
-              <a:ext uri="{FF2B5EF4-FFF2-40B4-BE49-F238E27FC236}">
-                <a16:creationId xmlns:a16="http://schemas.microsoft.com/office/drawing/2014/main" id="{784D417B-4541-5C9D-274F-9952E6F120B4}"/>
-              </a:ext>
-            </a:extLst>
-          </p:cNvPr>
+            <a:endParaRPr lang="en-US"/>
+          </a:p>
+        </p:txBody>
+      </p:sp>
+      <p:sp>
+        <p:nvSpPr>
+          <p:cNvPr id="4" name="Rectangle 8"/>
           <p:cNvSpPr>
             <a:spLocks noGrp="1" noChangeArrowheads="1"/>
           </p:cNvSpPr>
@@ -2796,9 +2565,7 @@
             <p:ph type="sldNum" sz="quarter" idx="12"/>
           </p:nvPr>
         </p:nvSpPr>
-        <p:spPr>
-          <a:ln/>
-        </p:spPr>
+        <p:spPr/>
         <p:txBody>
           <a:bodyPr/>
           <a:lstStyle>
@@ -2812,21 +2579,12 @@
             </a:pPr>
             <a:fld id="{DD537315-F462-4C74-88B4-A900525A3FAA}" type="slidenum">
               <a:rPr lang="en-US" altLang="en-US"/>
-              <a:pPr>
-                <a:defRPr/>
-              </a:pPr>
-              <a:t>‹#›</a:t>
             </a:fld>
             <a:endParaRPr lang="en-US" altLang="en-US"/>
           </a:p>
         </p:txBody>
       </p:sp>
     </p:spTree>
-    <p:extLst>
-      <p:ext uri="{BB962C8B-B14F-4D97-AF65-F5344CB8AC3E}">
-        <p14:creationId xmlns:p14="http://schemas.microsoft.com/office/powerpoint/2010/main" val="2837779328"/>
-      </p:ext>
-    </p:extLst>
   </p:cSld>
   <p:clrMapOvr>
     <a:masterClrMapping/>
@@ -2879,6 +2637,7 @@
               <a:rPr lang="en-US"/>
               <a:t>Click to edit Master title style</a:t>
             </a:r>
+            <a:endParaRPr lang="en-US"/>
           </a:p>
         </p:txBody>
       </p:sp>
@@ -2935,6 +2694,7 @@
               <a:rPr lang="en-US"/>
               <a:t>Click to edit Master text styles</a:t>
             </a:r>
+            <a:endParaRPr lang="en-US"/>
           </a:p>
           <a:p>
             <a:pPr lvl="1"/>
@@ -2942,6 +2702,7 @@
               <a:rPr lang="en-US"/>
               <a:t>Second level</a:t>
             </a:r>
+            <a:endParaRPr lang="en-US"/>
           </a:p>
           <a:p>
             <a:pPr lvl="2"/>
@@ -2949,6 +2710,7 @@
               <a:rPr lang="en-US"/>
               <a:t>Third level</a:t>
             </a:r>
+            <a:endParaRPr lang="en-US"/>
           </a:p>
           <a:p>
             <a:pPr lvl="3"/>
@@ -2956,6 +2718,7 @@
               <a:rPr lang="en-US"/>
               <a:t>Fourth level</a:t>
             </a:r>
+            <a:endParaRPr lang="en-US"/>
           </a:p>
           <a:p>
             <a:pPr lvl="4"/>
@@ -2963,6 +2726,7 @@
               <a:rPr lang="en-US"/>
               <a:t>Fifth level</a:t>
             </a:r>
+            <a:endParaRPr lang="en-US"/>
           </a:p>
         </p:txBody>
       </p:sp>
@@ -3028,18 +2792,13 @@
               <a:rPr lang="en-US"/>
               <a:t>Click to edit Master text styles</a:t>
             </a:r>
-          </a:p>
-        </p:txBody>
-      </p:sp>
-      <p:sp>
-        <p:nvSpPr>
-          <p:cNvPr id="5" name="Rectangle 6">
-            <a:extLst>
-              <a:ext uri="{FF2B5EF4-FFF2-40B4-BE49-F238E27FC236}">
-                <a16:creationId xmlns:a16="http://schemas.microsoft.com/office/drawing/2014/main" id="{70B1A011-C2F2-C9FC-9DD8-A4E6A00AA40D}"/>
-              </a:ext>
-            </a:extLst>
-          </p:cNvPr>
+            <a:endParaRPr lang="en-US"/>
+          </a:p>
+        </p:txBody>
+      </p:sp>
+      <p:sp>
+        <p:nvSpPr>
+          <p:cNvPr id="5" name="Rectangle 6"/>
           <p:cNvSpPr>
             <a:spLocks noGrp="1" noChangeArrowheads="1"/>
           </p:cNvSpPr>
@@ -3047,9 +2806,7 @@
             <p:ph type="dt" sz="half" idx="10"/>
           </p:nvPr>
         </p:nvSpPr>
-        <p:spPr>
-          <a:ln/>
-        </p:spPr>
+        <p:spPr/>
         <p:txBody>
           <a:bodyPr/>
           <a:lstStyle>
@@ -3065,18 +2822,13 @@
               <a:rPr lang="en-US"/>
               <a:t>Second Review</a:t>
             </a:r>
-          </a:p>
-        </p:txBody>
-      </p:sp>
-      <p:sp>
-        <p:nvSpPr>
-          <p:cNvPr id="6" name="Rectangle 7">
-            <a:extLst>
-              <a:ext uri="{FF2B5EF4-FFF2-40B4-BE49-F238E27FC236}">
-                <a16:creationId xmlns:a16="http://schemas.microsoft.com/office/drawing/2014/main" id="{7B4C95F2-7321-CEE1-4FD5-BE988C3BAE38}"/>
-              </a:ext>
-            </a:extLst>
-          </p:cNvPr>
+            <a:endParaRPr lang="en-US"/>
+          </a:p>
+        </p:txBody>
+      </p:sp>
+      <p:sp>
+        <p:nvSpPr>
+          <p:cNvPr id="6" name="Rectangle 7"/>
           <p:cNvSpPr>
             <a:spLocks noGrp="1" noChangeArrowheads="1"/>
           </p:cNvSpPr>
@@ -3084,9 +2836,7 @@
             <p:ph type="ftr" sz="quarter" idx="11"/>
           </p:nvPr>
         </p:nvSpPr>
-        <p:spPr>
-          <a:ln/>
-        </p:spPr>
+        <p:spPr/>
         <p:txBody>
           <a:bodyPr/>
           <a:lstStyle>
@@ -3102,18 +2852,13 @@
               <a:rPr lang="en-US"/>
               <a:t>Department of Computer Science and Engineering</a:t>
             </a:r>
-          </a:p>
-        </p:txBody>
-      </p:sp>
-      <p:sp>
-        <p:nvSpPr>
-          <p:cNvPr id="7" name="Rectangle 8">
-            <a:extLst>
-              <a:ext uri="{FF2B5EF4-FFF2-40B4-BE49-F238E27FC236}">
-                <a16:creationId xmlns:a16="http://schemas.microsoft.com/office/drawing/2014/main" id="{24AB3D0A-7C9E-40E8-0F27-0C737BD346FF}"/>
-              </a:ext>
-            </a:extLst>
-          </p:cNvPr>
+            <a:endParaRPr lang="en-US"/>
+          </a:p>
+        </p:txBody>
+      </p:sp>
+      <p:sp>
+        <p:nvSpPr>
+          <p:cNvPr id="7" name="Rectangle 8"/>
           <p:cNvSpPr>
             <a:spLocks noGrp="1" noChangeArrowheads="1"/>
           </p:cNvSpPr>
@@ -3121,9 +2866,7 @@
             <p:ph type="sldNum" sz="quarter" idx="12"/>
           </p:nvPr>
         </p:nvSpPr>
-        <p:spPr>
-          <a:ln/>
-        </p:spPr>
+        <p:spPr/>
         <p:txBody>
           <a:bodyPr/>
           <a:lstStyle>
@@ -3137,21 +2880,12 @@
             </a:pPr>
             <a:fld id="{379B2829-DA13-4801-8FBD-6D5729CB9593}" type="slidenum">
               <a:rPr lang="en-US" altLang="en-US"/>
-              <a:pPr>
-                <a:defRPr/>
-              </a:pPr>
-              <a:t>‹#›</a:t>
             </a:fld>
             <a:endParaRPr lang="en-US" altLang="en-US"/>
           </a:p>
         </p:txBody>
       </p:sp>
     </p:spTree>
-    <p:extLst>
-      <p:ext uri="{BB962C8B-B14F-4D97-AF65-F5344CB8AC3E}">
-        <p14:creationId xmlns:p14="http://schemas.microsoft.com/office/powerpoint/2010/main" val="3501495547"/>
-      </p:ext>
-    </p:extLst>
   </p:cSld>
   <p:clrMapOvr>
     <a:masterClrMapping/>
@@ -3204,6 +2938,7 @@
               <a:rPr lang="en-US"/>
               <a:t>Click to edit Master title style</a:t>
             </a:r>
+            <a:endParaRPr lang="en-US"/>
           </a:p>
         </p:txBody>
       </p:sp>
@@ -3331,18 +3066,13 @@
               <a:rPr lang="en-US"/>
               <a:t>Click to edit Master text styles</a:t>
             </a:r>
-          </a:p>
-        </p:txBody>
-      </p:sp>
-      <p:sp>
-        <p:nvSpPr>
-          <p:cNvPr id="5" name="Rectangle 6">
-            <a:extLst>
-              <a:ext uri="{FF2B5EF4-FFF2-40B4-BE49-F238E27FC236}">
-                <a16:creationId xmlns:a16="http://schemas.microsoft.com/office/drawing/2014/main" id="{C531D201-6E7B-DD71-C865-2CC768252091}"/>
-              </a:ext>
-            </a:extLst>
-          </p:cNvPr>
+            <a:endParaRPr lang="en-US"/>
+          </a:p>
+        </p:txBody>
+      </p:sp>
+      <p:sp>
+        <p:nvSpPr>
+          <p:cNvPr id="5" name="Rectangle 6"/>
           <p:cNvSpPr>
             <a:spLocks noGrp="1" noChangeArrowheads="1"/>
           </p:cNvSpPr>
@@ -3350,9 +3080,7 @@
             <p:ph type="dt" sz="half" idx="10"/>
           </p:nvPr>
         </p:nvSpPr>
-        <p:spPr>
-          <a:ln/>
-        </p:spPr>
+        <p:spPr/>
         <p:txBody>
           <a:bodyPr/>
           <a:lstStyle>
@@ -3368,18 +3096,13 @@
               <a:rPr lang="en-US"/>
               <a:t>Second Review</a:t>
             </a:r>
-          </a:p>
-        </p:txBody>
-      </p:sp>
-      <p:sp>
-        <p:nvSpPr>
-          <p:cNvPr id="6" name="Rectangle 7">
-            <a:extLst>
-              <a:ext uri="{FF2B5EF4-FFF2-40B4-BE49-F238E27FC236}">
-                <a16:creationId xmlns:a16="http://schemas.microsoft.com/office/drawing/2014/main" id="{3A474AB6-A9CC-8EC3-60F9-BBEDD90B035D}"/>
-              </a:ext>
-            </a:extLst>
-          </p:cNvPr>
+            <a:endParaRPr lang="en-US"/>
+          </a:p>
+        </p:txBody>
+      </p:sp>
+      <p:sp>
+        <p:nvSpPr>
+          <p:cNvPr id="6" name="Rectangle 7"/>
           <p:cNvSpPr>
             <a:spLocks noGrp="1" noChangeArrowheads="1"/>
           </p:cNvSpPr>
@@ -3387,9 +3110,7 @@
             <p:ph type="ftr" sz="quarter" idx="11"/>
           </p:nvPr>
         </p:nvSpPr>
-        <p:spPr>
-          <a:ln/>
-        </p:spPr>
+        <p:spPr/>
         <p:txBody>
           <a:bodyPr/>
           <a:lstStyle>
@@ -3405,18 +3126,13 @@
               <a:rPr lang="en-US"/>
               <a:t>Department of Computer Science and Engineering</a:t>
             </a:r>
-          </a:p>
-        </p:txBody>
-      </p:sp>
-      <p:sp>
-        <p:nvSpPr>
-          <p:cNvPr id="7" name="Rectangle 8">
-            <a:extLst>
-              <a:ext uri="{FF2B5EF4-FFF2-40B4-BE49-F238E27FC236}">
-                <a16:creationId xmlns:a16="http://schemas.microsoft.com/office/drawing/2014/main" id="{414DF99B-1424-E931-A0EF-A2CCFECC39DF}"/>
-              </a:ext>
-            </a:extLst>
-          </p:cNvPr>
+            <a:endParaRPr lang="en-US"/>
+          </a:p>
+        </p:txBody>
+      </p:sp>
+      <p:sp>
+        <p:nvSpPr>
+          <p:cNvPr id="7" name="Rectangle 8"/>
           <p:cNvSpPr>
             <a:spLocks noGrp="1" noChangeArrowheads="1"/>
           </p:cNvSpPr>
@@ -3424,9 +3140,7 @@
             <p:ph type="sldNum" sz="quarter" idx="12"/>
           </p:nvPr>
         </p:nvSpPr>
-        <p:spPr>
-          <a:ln/>
-        </p:spPr>
+        <p:spPr/>
         <p:txBody>
           <a:bodyPr/>
           <a:lstStyle>
@@ -3440,21 +3154,12 @@
             </a:pPr>
             <a:fld id="{B5B0EEF8-84AE-4BCB-9844-5B22523396C9}" type="slidenum">
               <a:rPr lang="en-US" altLang="en-US"/>
-              <a:pPr>
-                <a:defRPr/>
-              </a:pPr>
-              <a:t>‹#›</a:t>
             </a:fld>
             <a:endParaRPr lang="en-US" altLang="en-US"/>
           </a:p>
         </p:txBody>
       </p:sp>
     </p:spTree>
-    <p:extLst>
-      <p:ext uri="{BB962C8B-B14F-4D97-AF65-F5344CB8AC3E}">
-        <p14:creationId xmlns:p14="http://schemas.microsoft.com/office/powerpoint/2010/main" val="975982780"/>
-      </p:ext>
-    </p:extLst>
   </p:cSld>
   <p:clrMapOvr>
     <a:masterClrMapping/>
@@ -3468,7 +3173,7 @@
     <p:bg>
       <p:bgPr>
         <a:blipFill dpi="0" rotWithShape="0">
-          <a:blip r:embed="rId13"/>
+          <a:blip r:embed="rId12"/>
           <a:srcRect/>
           <a:tile tx="0" ty="0" sx="100000" sy="100000" flip="none" algn="tl"/>
         </a:blipFill>
@@ -3491,13 +3196,7 @@
       </p:grpSpPr>
       <p:sp>
         <p:nvSpPr>
-          <p:cNvPr id="1026" name="Rectangle 2">
-            <a:extLst>
-              <a:ext uri="{FF2B5EF4-FFF2-40B4-BE49-F238E27FC236}">
-                <a16:creationId xmlns:a16="http://schemas.microsoft.com/office/drawing/2014/main" id="{7AD52653-E1AE-07CB-DCC9-CD2593D84EFE}"/>
-              </a:ext>
-            </a:extLst>
-          </p:cNvPr>
+          <p:cNvPr id="1026" name="Rectangle 2"/>
           <p:cNvSpPr>
             <a:spLocks noGrp="1" noChangeArrowheads="1"/>
           </p:cNvSpPr>
@@ -3538,11 +3237,7 @@
           </a:extLst>
         </p:spPr>
         <p:txBody>
-          <a:bodyPr vert="horz" wrap="square" lIns="91440" tIns="45720" rIns="91440" bIns="45720" numCol="1" anchor="b" anchorCtr="0" compatLnSpc="1">
-            <a:prstTxWarp prst="textNoShape">
-              <a:avLst/>
-            </a:prstTxWarp>
-          </a:bodyPr>
+          <a:bodyPr vert="horz" wrap="square" lIns="91440" tIns="45720" rIns="91440" bIns="45720" numCol="1" anchor="b" anchorCtr="0" compatLnSpc="1"/>
           <a:lstStyle/>
           <a:p>
             <a:pPr lvl="0"/>
@@ -3550,18 +3245,13 @@
               <a:rPr lang="en-US" altLang="en-US"/>
               <a:t>Click to edit Master title style</a:t>
             </a:r>
-          </a:p>
-        </p:txBody>
-      </p:sp>
-      <p:sp>
-        <p:nvSpPr>
-          <p:cNvPr id="1027" name="Rectangle 3">
-            <a:extLst>
-              <a:ext uri="{FF2B5EF4-FFF2-40B4-BE49-F238E27FC236}">
-                <a16:creationId xmlns:a16="http://schemas.microsoft.com/office/drawing/2014/main" id="{4BB93799-0450-059C-B337-0FA5C4C3731F}"/>
-              </a:ext>
-            </a:extLst>
-          </p:cNvPr>
+            <a:endParaRPr lang="en-US" altLang="en-US"/>
+          </a:p>
+        </p:txBody>
+      </p:sp>
+      <p:sp>
+        <p:nvSpPr>
+          <p:cNvPr id="1027" name="Rectangle 3"/>
           <p:cNvSpPr>
             <a:spLocks noGrp="1" noChangeArrowheads="1"/>
           </p:cNvSpPr>
@@ -3602,11 +3292,7 @@
           </a:extLst>
         </p:spPr>
         <p:txBody>
-          <a:bodyPr vert="horz" wrap="square" lIns="91440" tIns="45720" rIns="91440" bIns="45720" numCol="1" anchor="t" anchorCtr="0" compatLnSpc="1">
-            <a:prstTxWarp prst="textNoShape">
-              <a:avLst/>
-            </a:prstTxWarp>
-          </a:bodyPr>
+          <a:bodyPr vert="horz" wrap="square" lIns="91440" tIns="45720" rIns="91440" bIns="45720" numCol="1" anchor="t" anchorCtr="0" compatLnSpc="1"/>
           <a:lstStyle/>
           <a:p>
             <a:pPr lvl="0"/>
@@ -3614,6 +3300,7 @@
               <a:rPr lang="en-US" altLang="en-US"/>
               <a:t>Click to edit Master text styles</a:t>
             </a:r>
+            <a:endParaRPr lang="en-US" altLang="en-US"/>
           </a:p>
           <a:p>
             <a:pPr lvl="1"/>
@@ -3621,6 +3308,7 @@
               <a:rPr lang="en-US" altLang="en-US"/>
               <a:t>Second level</a:t>
             </a:r>
+            <a:endParaRPr lang="en-US" altLang="en-US"/>
           </a:p>
           <a:p>
             <a:pPr lvl="2"/>
@@ -3628,6 +3316,7 @@
               <a:rPr lang="en-US" altLang="en-US"/>
               <a:t>Third level</a:t>
             </a:r>
+            <a:endParaRPr lang="en-US" altLang="en-US"/>
           </a:p>
           <a:p>
             <a:pPr lvl="3"/>
@@ -3635,6 +3324,7 @@
               <a:rPr lang="en-US" altLang="en-US"/>
               <a:t>Fourth level</a:t>
             </a:r>
+            <a:endParaRPr lang="en-US" altLang="en-US"/>
           </a:p>
           <a:p>
             <a:pPr lvl="4"/>
@@ -3642,18 +3332,13 @@
               <a:rPr lang="en-US" altLang="en-US"/>
               <a:t>Fifth level</a:t>
             </a:r>
-          </a:p>
-        </p:txBody>
-      </p:sp>
-      <p:sp>
-        <p:nvSpPr>
-          <p:cNvPr id="1028" name="AutoShape 4">
-            <a:extLst>
-              <a:ext uri="{FF2B5EF4-FFF2-40B4-BE49-F238E27FC236}">
-                <a16:creationId xmlns:a16="http://schemas.microsoft.com/office/drawing/2014/main" id="{6B43BBB4-1099-054A-DDAC-B357DD3DA511}"/>
-              </a:ext>
-            </a:extLst>
-          </p:cNvPr>
+            <a:endParaRPr lang="en-US" altLang="en-US"/>
+          </a:p>
+        </p:txBody>
+      </p:sp>
+      <p:sp>
+        <p:nvSpPr>
+          <p:cNvPr id="1028" name="AutoShape 4"/>
           <p:cNvSpPr>
             <a:spLocks noChangeArrowheads="1"/>
           </p:cNvSpPr>
@@ -3745,8 +3430,6 @@
               <a:schemeClr val="accent2"/>
             </a:solidFill>
             <a:round/>
-            <a:headEnd/>
-            <a:tailEnd/>
           </a:ln>
         </p:spPr>
         <p:txBody>
@@ -3759,13 +3442,7 @@
       </p:sp>
       <p:sp>
         <p:nvSpPr>
-          <p:cNvPr id="1029" name="Line 5">
-            <a:extLst>
-              <a:ext uri="{FF2B5EF4-FFF2-40B4-BE49-F238E27FC236}">
-                <a16:creationId xmlns:a16="http://schemas.microsoft.com/office/drawing/2014/main" id="{986B2119-A42B-45B1-6DCF-EF7CC29004DD}"/>
-              </a:ext>
-            </a:extLst>
-          </p:cNvPr>
+          <p:cNvPr id="1029" name="Line 5"/>
           <p:cNvSpPr>
             <a:spLocks noChangeShapeType="1"/>
           </p:cNvSpPr>
@@ -3785,8 +3462,6 @@
               <a:schemeClr val="accent2"/>
             </a:solidFill>
             <a:round/>
-            <a:headEnd/>
-            <a:tailEnd/>
           </a:ln>
           <a:extLst>
             <a:ext uri="{909E8E84-426E-40DD-AFC4-6F175D3DCCD1}">
@@ -3806,13 +3481,7 @@
       </p:sp>
       <p:sp>
         <p:nvSpPr>
-          <p:cNvPr id="4102" name="Rectangle 6">
-            <a:extLst>
-              <a:ext uri="{FF2B5EF4-FFF2-40B4-BE49-F238E27FC236}">
-                <a16:creationId xmlns:a16="http://schemas.microsoft.com/office/drawing/2014/main" id="{6C6B070B-4AFE-871D-87ED-86092999D2D8}"/>
-              </a:ext>
-            </a:extLst>
-          </p:cNvPr>
+          <p:cNvPr id="4102" name="Rectangle 6"/>
           <p:cNvSpPr>
             <a:spLocks noGrp="1" noChangeArrowheads="1"/>
           </p:cNvSpPr>
@@ -3832,17 +3501,11 @@
           <a:ln w="9525">
             <a:noFill/>
             <a:miter lim="800000"/>
-            <a:headEnd/>
-            <a:tailEnd/>
           </a:ln>
           <a:effectLst/>
         </p:spPr>
         <p:txBody>
-          <a:bodyPr vert="horz" wrap="square" lIns="91440" tIns="45720" rIns="91440" bIns="45720" numCol="1" anchor="t" anchorCtr="0" compatLnSpc="1">
-            <a:prstTxWarp prst="textNoShape">
-              <a:avLst/>
-            </a:prstTxWarp>
-          </a:bodyPr>
+          <a:bodyPr vert="horz" wrap="square" lIns="91440" tIns="45720" rIns="91440" bIns="45720" numCol="1" anchor="t" anchorCtr="0" compatLnSpc="1"/>
           <a:lstStyle>
             <a:lvl1pPr eaLnBrk="1" hangingPunct="1">
               <a:defRPr sz="1200">
@@ -3858,18 +3521,13 @@
               <a:rPr lang="en-US"/>
               <a:t>Second Review</a:t>
             </a:r>
-          </a:p>
-        </p:txBody>
-      </p:sp>
-      <p:sp>
-        <p:nvSpPr>
-          <p:cNvPr id="4103" name="Rectangle 7">
-            <a:extLst>
-              <a:ext uri="{FF2B5EF4-FFF2-40B4-BE49-F238E27FC236}">
-                <a16:creationId xmlns:a16="http://schemas.microsoft.com/office/drawing/2014/main" id="{FA33AF8B-6600-80BC-AB7A-98E95CF9D742}"/>
-              </a:ext>
-            </a:extLst>
-          </p:cNvPr>
+            <a:endParaRPr lang="en-US"/>
+          </a:p>
+        </p:txBody>
+      </p:sp>
+      <p:sp>
+        <p:nvSpPr>
+          <p:cNvPr id="4103" name="Rectangle 7"/>
           <p:cNvSpPr>
             <a:spLocks noGrp="1" noChangeArrowheads="1"/>
           </p:cNvSpPr>
@@ -3889,17 +3547,11 @@
           <a:ln w="9525">
             <a:noFill/>
             <a:miter lim="800000"/>
-            <a:headEnd/>
-            <a:tailEnd/>
           </a:ln>
           <a:effectLst/>
         </p:spPr>
         <p:txBody>
-          <a:bodyPr vert="horz" wrap="square" lIns="91440" tIns="45720" rIns="91440" bIns="45720" numCol="1" anchor="t" anchorCtr="0" compatLnSpc="1">
-            <a:prstTxWarp prst="textNoShape">
-              <a:avLst/>
-            </a:prstTxWarp>
-          </a:bodyPr>
+          <a:bodyPr vert="horz" wrap="square" lIns="91440" tIns="45720" rIns="91440" bIns="45720" numCol="1" anchor="t" anchorCtr="0" compatLnSpc="1"/>
           <a:lstStyle>
             <a:lvl1pPr algn="ctr" eaLnBrk="1" hangingPunct="1">
               <a:defRPr sz="1200">
@@ -3915,18 +3567,13 @@
               <a:rPr lang="en-US"/>
               <a:t>Department of Computer Science and Engineering</a:t>
             </a:r>
-          </a:p>
-        </p:txBody>
-      </p:sp>
-      <p:sp>
-        <p:nvSpPr>
-          <p:cNvPr id="4104" name="Rectangle 8">
-            <a:extLst>
-              <a:ext uri="{FF2B5EF4-FFF2-40B4-BE49-F238E27FC236}">
-                <a16:creationId xmlns:a16="http://schemas.microsoft.com/office/drawing/2014/main" id="{1BD9409A-4B38-651E-F54D-ABAB5C4CEBAD}"/>
-              </a:ext>
-            </a:extLst>
-          </p:cNvPr>
+            <a:endParaRPr lang="en-US"/>
+          </a:p>
+        </p:txBody>
+      </p:sp>
+      <p:sp>
+        <p:nvSpPr>
+          <p:cNvPr id="4104" name="Rectangle 8"/>
           <p:cNvSpPr>
             <a:spLocks noGrp="1" noChangeArrowheads="1"/>
           </p:cNvSpPr>
@@ -3946,17 +3593,11 @@
           <a:ln w="9525">
             <a:noFill/>
             <a:miter lim="800000"/>
-            <a:headEnd/>
-            <a:tailEnd/>
           </a:ln>
           <a:effectLst/>
         </p:spPr>
         <p:txBody>
-          <a:bodyPr vert="horz" wrap="square" lIns="91440" tIns="45720" rIns="91440" bIns="45720" numCol="1" anchor="t" anchorCtr="0" compatLnSpc="1">
-            <a:prstTxWarp prst="textNoShape">
-              <a:avLst/>
-            </a:prstTxWarp>
-          </a:bodyPr>
+          <a:bodyPr vert="horz" wrap="square" lIns="91440" tIns="45720" rIns="91440" bIns="45720" numCol="1" anchor="t" anchorCtr="0" compatLnSpc="1"/>
           <a:lstStyle>
             <a:lvl1pPr algn="r" eaLnBrk="1" hangingPunct="1">
               <a:defRPr sz="1200" smtClean="0"/>
@@ -3968,35 +3609,26 @@
             </a:pPr>
             <a:fld id="{756AFA5A-A15D-402B-9810-66A481E98194}" type="slidenum">
               <a:rPr lang="en-US" altLang="en-US"/>
-              <a:pPr>
-                <a:defRPr/>
-              </a:pPr>
-              <a:t>‹#›</a:t>
             </a:fld>
             <a:endParaRPr lang="en-US" altLang="en-US"/>
           </a:p>
         </p:txBody>
       </p:sp>
     </p:spTree>
-    <p:extLst>
-      <p:ext uri="{BB962C8B-B14F-4D97-AF65-F5344CB8AC3E}">
-        <p14:creationId xmlns:p14="http://schemas.microsoft.com/office/powerpoint/2010/main" val="1120801274"/>
-      </p:ext>
-    </p:extLst>
   </p:cSld>
   <p:clrMap bg1="lt1" tx1="dk1" bg2="lt2" tx2="dk2" accent1="accent1" accent2="accent2" accent3="accent3" accent4="accent4" accent5="accent5" accent6="accent6" hlink="hlink" folHlink="folHlink"/>
   <p:sldLayoutIdLst>
-    <p:sldLayoutId id="2147483661" r:id="rId1"/>
-    <p:sldLayoutId id="2147483662" r:id="rId2"/>
-    <p:sldLayoutId id="2147483663" r:id="rId3"/>
-    <p:sldLayoutId id="2147483664" r:id="rId4"/>
-    <p:sldLayoutId id="2147483665" r:id="rId5"/>
-    <p:sldLayoutId id="2147483666" r:id="rId6"/>
-    <p:sldLayoutId id="2147483667" r:id="rId7"/>
-    <p:sldLayoutId id="2147483668" r:id="rId8"/>
-    <p:sldLayoutId id="2147483669" r:id="rId9"/>
-    <p:sldLayoutId id="2147483670" r:id="rId10"/>
-    <p:sldLayoutId id="2147483671" r:id="rId11"/>
+    <p:sldLayoutId id="2147483649" r:id="rId1"/>
+    <p:sldLayoutId id="2147483650" r:id="rId2"/>
+    <p:sldLayoutId id="2147483651" r:id="rId3"/>
+    <p:sldLayoutId id="2147483652" r:id="rId4"/>
+    <p:sldLayoutId id="2147483653" r:id="rId5"/>
+    <p:sldLayoutId id="2147483654" r:id="rId6"/>
+    <p:sldLayoutId id="2147483655" r:id="rId7"/>
+    <p:sldLayoutId id="2147483656" r:id="rId8"/>
+    <p:sldLayoutId id="2147483657" r:id="rId9"/>
+    <p:sldLayoutId id="2147483658" r:id="rId10"/>
+    <p:sldLayoutId id="2147483659" r:id="rId11"/>
   </p:sldLayoutIdLst>
   <p:hf hdr="0"/>
   <p:txStyles>
@@ -4028,7 +3660,7 @@
           <a:solidFill>
             <a:schemeClr val="tx2"/>
           </a:solidFill>
-          <a:latin typeface="Verdana" pitchFamily="34" charset="0"/>
+          <a:latin typeface="Verdana" panose="020B0604030504040204" pitchFamily="34" charset="0"/>
         </a:defRPr>
       </a:lvl2pPr>
       <a:lvl3pPr algn="l" rtl="0" eaLnBrk="0" fontAlgn="base" hangingPunct="0">
@@ -4042,7 +3674,7 @@
           <a:solidFill>
             <a:schemeClr val="tx2"/>
           </a:solidFill>
-          <a:latin typeface="Verdana" pitchFamily="34" charset="0"/>
+          <a:latin typeface="Verdana" panose="020B0604030504040204" pitchFamily="34" charset="0"/>
         </a:defRPr>
       </a:lvl3pPr>
       <a:lvl4pPr algn="l" rtl="0" eaLnBrk="0" fontAlgn="base" hangingPunct="0">
@@ -4056,7 +3688,7 @@
           <a:solidFill>
             <a:schemeClr val="tx2"/>
           </a:solidFill>
-          <a:latin typeface="Verdana" pitchFamily="34" charset="0"/>
+          <a:latin typeface="Verdana" panose="020B0604030504040204" pitchFamily="34" charset="0"/>
         </a:defRPr>
       </a:lvl4pPr>
       <a:lvl5pPr algn="l" rtl="0" eaLnBrk="0" fontAlgn="base" hangingPunct="0">
@@ -4070,7 +3702,7 @@
           <a:solidFill>
             <a:schemeClr val="tx2"/>
           </a:solidFill>
-          <a:latin typeface="Verdana" pitchFamily="34" charset="0"/>
+          <a:latin typeface="Verdana" panose="020B0604030504040204" pitchFamily="34" charset="0"/>
         </a:defRPr>
       </a:lvl5pPr>
       <a:lvl6pPr marL="457200" algn="l" rtl="0" fontAlgn="base">
@@ -4084,7 +3716,7 @@
           <a:solidFill>
             <a:schemeClr val="tx2"/>
           </a:solidFill>
-          <a:latin typeface="Verdana" pitchFamily="34" charset="0"/>
+          <a:latin typeface="Verdana" panose="020B0604030504040204" pitchFamily="34" charset="0"/>
         </a:defRPr>
       </a:lvl6pPr>
       <a:lvl7pPr marL="914400" algn="l" rtl="0" fontAlgn="base">
@@ -4098,7 +3730,7 @@
           <a:solidFill>
             <a:schemeClr val="tx2"/>
           </a:solidFill>
-          <a:latin typeface="Verdana" pitchFamily="34" charset="0"/>
+          <a:latin typeface="Verdana" panose="020B0604030504040204" pitchFamily="34" charset="0"/>
         </a:defRPr>
       </a:lvl7pPr>
       <a:lvl8pPr marL="1371600" algn="l" rtl="0" fontAlgn="base">
@@ -4112,7 +3744,7 @@
           <a:solidFill>
             <a:schemeClr val="tx2"/>
           </a:solidFill>
-          <a:latin typeface="Verdana" pitchFamily="34" charset="0"/>
+          <a:latin typeface="Verdana" panose="020B0604030504040204" pitchFamily="34" charset="0"/>
         </a:defRPr>
       </a:lvl8pPr>
       <a:lvl9pPr marL="1828800" algn="l" rtl="0" fontAlgn="base">
@@ -4126,7 +3758,7 @@
           <a:solidFill>
             <a:schemeClr val="tx2"/>
           </a:solidFill>
-          <a:latin typeface="Verdana" pitchFamily="34" charset="0"/>
+          <a:latin typeface="Verdana" panose="020B0604030504040204" pitchFamily="34" charset="0"/>
         </a:defRPr>
       </a:lvl9pPr>
     </p:titleStyle>
@@ -4152,7 +3784,7 @@
           <a:cs typeface="+mn-cs"/>
         </a:defRPr>
       </a:lvl1pPr>
-      <a:lvl2pPr marL="908050" indent="-436563" algn="l" rtl="0" eaLnBrk="0" fontAlgn="base" hangingPunct="0">
+      <a:lvl2pPr marL="908050" indent="-436880" algn="l" rtl="0" eaLnBrk="0" fontAlgn="base" hangingPunct="0">
         <a:spcBef>
           <a:spcPct val="20000"/>
         </a:spcBef>
@@ -4171,7 +3803,7 @@
           <a:latin typeface="+mn-lt"/>
         </a:defRPr>
       </a:lvl2pPr>
-      <a:lvl3pPr marL="1304925" indent="-395288" algn="l" rtl="0" eaLnBrk="0" fontAlgn="base" hangingPunct="0">
+      <a:lvl3pPr marL="1304925" indent="-395605" algn="l" rtl="0" eaLnBrk="0" fontAlgn="base" hangingPunct="0">
         <a:spcBef>
           <a:spcPct val="20000"/>
         </a:spcBef>
@@ -4190,7 +3822,7 @@
           <a:latin typeface="+mn-lt"/>
         </a:defRPr>
       </a:lvl3pPr>
-      <a:lvl4pPr marL="1693863" indent="-387350" algn="l" rtl="0" eaLnBrk="0" fontAlgn="base" hangingPunct="0">
+      <a:lvl4pPr marL="1694180" indent="-387350" algn="l" rtl="0" eaLnBrk="0" fontAlgn="base" hangingPunct="0">
         <a:spcBef>
           <a:spcPct val="20000"/>
         </a:spcBef>
@@ -4209,7 +3841,7 @@
           <a:latin typeface="+mn-lt"/>
         </a:defRPr>
       </a:lvl4pPr>
-      <a:lvl5pPr marL="2093913" indent="-398463" algn="l" rtl="0" eaLnBrk="0" fontAlgn="base" hangingPunct="0">
+      <a:lvl5pPr marL="2094230" indent="-398780" algn="l" rtl="0" eaLnBrk="0" fontAlgn="base" hangingPunct="0">
         <a:spcBef>
           <a:spcPct val="25000"/>
         </a:spcBef>
@@ -4228,7 +3860,7 @@
           <a:latin typeface="+mn-lt"/>
         </a:defRPr>
       </a:lvl5pPr>
-      <a:lvl6pPr marL="2551113" indent="-398463" algn="l" rtl="0" fontAlgn="base">
+      <a:lvl6pPr marL="2551430" indent="-398780" algn="l" rtl="0" fontAlgn="base">
         <a:spcBef>
           <a:spcPct val="25000"/>
         </a:spcBef>
@@ -4238,7 +3870,7 @@
         <a:buClr>
           <a:schemeClr val="accent2"/>
         </a:buClr>
-        <a:buFont typeface="Wingdings" pitchFamily="2" charset="2"/>
+        <a:buFont typeface="Wingdings" panose="05000000000000000000" pitchFamily="2" charset="2"/>
         <a:buChar char="§"/>
         <a:defRPr sz="2000">
           <a:solidFill>
@@ -4247,7 +3879,7 @@
           <a:latin typeface="+mn-lt"/>
         </a:defRPr>
       </a:lvl6pPr>
-      <a:lvl7pPr marL="3008313" indent="-398463" algn="l" rtl="0" fontAlgn="base">
+      <a:lvl7pPr marL="3008630" indent="-398780" algn="l" rtl="0" fontAlgn="base">
         <a:spcBef>
           <a:spcPct val="25000"/>
         </a:spcBef>
@@ -4257,7 +3889,7 @@
         <a:buClr>
           <a:schemeClr val="accent2"/>
         </a:buClr>
-        <a:buFont typeface="Wingdings" pitchFamily="2" charset="2"/>
+        <a:buFont typeface="Wingdings" panose="05000000000000000000" pitchFamily="2" charset="2"/>
         <a:buChar char="§"/>
         <a:defRPr sz="2000">
           <a:solidFill>
@@ -4266,7 +3898,7 @@
           <a:latin typeface="+mn-lt"/>
         </a:defRPr>
       </a:lvl7pPr>
-      <a:lvl8pPr marL="3465513" indent="-398463" algn="l" rtl="0" fontAlgn="base">
+      <a:lvl8pPr marL="3465830" indent="-398780" algn="l" rtl="0" fontAlgn="base">
         <a:spcBef>
           <a:spcPct val="25000"/>
         </a:spcBef>
@@ -4276,7 +3908,7 @@
         <a:buClr>
           <a:schemeClr val="accent2"/>
         </a:buClr>
-        <a:buFont typeface="Wingdings" pitchFamily="2" charset="2"/>
+        <a:buFont typeface="Wingdings" panose="05000000000000000000" pitchFamily="2" charset="2"/>
         <a:buChar char="§"/>
         <a:defRPr sz="2000">
           <a:solidFill>
@@ -4285,7 +3917,7 @@
           <a:latin typeface="+mn-lt"/>
         </a:defRPr>
       </a:lvl8pPr>
-      <a:lvl9pPr marL="3922713" indent="-398463" algn="l" rtl="0" fontAlgn="base">
+      <a:lvl9pPr marL="3923030" indent="-398780" algn="l" rtl="0" fontAlgn="base">
         <a:spcBef>
           <a:spcPct val="25000"/>
         </a:spcBef>
@@ -4295,7 +3927,7 @@
         <a:buClr>
           <a:schemeClr val="accent2"/>
         </a:buClr>
-        <a:buFont typeface="Wingdings" pitchFamily="2" charset="2"/>
+        <a:buFont typeface="Wingdings" panose="05000000000000000000" pitchFamily="2" charset="2"/>
         <a:buChar char="§"/>
         <a:defRPr sz="2000">
           <a:solidFill>
@@ -4410,7 +4042,7 @@
     <p:bg>
       <p:bgPr>
         <a:blipFill dpi="0" rotWithShape="0">
-          <a:blip r:embed="rId3"/>
+          <a:blip r:embed="rId1"/>
           <a:srcRect/>
           <a:tile tx="0" ty="0" sx="100000" sy="100000" flip="none" algn="tl"/>
         </a:blipFill>
@@ -4433,20 +4065,14 @@
       </p:grpSpPr>
       <p:pic>
         <p:nvPicPr>
-          <p:cNvPr id="5" name="Picture 4">
-            <a:extLst>
-              <a:ext uri="{FF2B5EF4-FFF2-40B4-BE49-F238E27FC236}">
-                <a16:creationId xmlns:a16="http://schemas.microsoft.com/office/drawing/2014/main" id="{B655FB75-EA23-05A2-65B0-3FBB7B85AFC1}"/>
-              </a:ext>
-            </a:extLst>
-          </p:cNvPr>
+          <p:cNvPr id="5" name="Picture 4"/>
           <p:cNvPicPr>
             <a:picLocks noChangeAspect="1"/>
           </p:cNvPicPr>
           <p:nvPr/>
         </p:nvPicPr>
         <p:blipFill>
-          <a:blip r:embed="rId4"/>
+          <a:blip r:embed="rId2"/>
           <a:stretch>
             <a:fillRect/>
           </a:stretch>
@@ -4463,20 +4089,14 @@
       </p:pic>
       <p:pic>
         <p:nvPicPr>
-          <p:cNvPr id="7" name="Picture 6">
-            <a:extLst>
-              <a:ext uri="{FF2B5EF4-FFF2-40B4-BE49-F238E27FC236}">
-                <a16:creationId xmlns:a16="http://schemas.microsoft.com/office/drawing/2014/main" id="{FB5478A0-E400-6B2F-4B52-61D3A263B2D2}"/>
-              </a:ext>
-            </a:extLst>
-          </p:cNvPr>
+          <p:cNvPr id="7" name="Picture 6"/>
           <p:cNvPicPr>
             <a:picLocks noChangeAspect="1"/>
           </p:cNvPicPr>
           <p:nvPr/>
         </p:nvPicPr>
         <p:blipFill>
-          <a:blip r:embed="rId5"/>
+          <a:blip r:embed="rId3"/>
           <a:stretch>
             <a:fillRect/>
           </a:stretch>
@@ -4493,16 +4113,8 @@
       </p:pic>
       <p:sp>
         <p:nvSpPr>
-          <p:cNvPr id="9" name="Title 1">
-            <a:extLst>
-              <a:ext uri="{FF2B5EF4-FFF2-40B4-BE49-F238E27FC236}">
-                <a16:creationId xmlns:a16="http://schemas.microsoft.com/office/drawing/2014/main" id="{D41A2FBB-F55B-9BAA-4EBD-7D6AD7B1D9C0}"/>
-              </a:ext>
-            </a:extLst>
-          </p:cNvPr>
-          <p:cNvSpPr txBox="1">
-            <a:spLocks/>
-          </p:cNvSpPr>
+          <p:cNvPr id="9" name="Title 1"/>
+          <p:cNvSpPr txBox="1"/>
           <p:nvPr/>
         </p:nvSpPr>
         <p:spPr>
@@ -4539,7 +4151,7 @@
           </a:lstStyle>
           <a:p>
             <a:r>
-              <a:rPr lang="en-IN" sz="3700" b="1" kern="100" dirty="0">
+              <a:rPr lang="en-GB" altLang="en-IN" sz="3700" b="1" kern="100" dirty="0">
                 <a:solidFill>
                   <a:srgbClr val="7030A0"/>
                 </a:solidFill>
@@ -4547,7 +4159,7 @@
                 <a:ea typeface="Calibri" panose="020F0502020204030204" pitchFamily="34" charset="0"/>
                 <a:cs typeface="Times New Roman" panose="02020603050405020304" pitchFamily="18" charset="0"/>
               </a:rPr>
-              <a:t>GENDERTONE: VOICE GENDER RECOGNITION WITH SENTIMENT ANALYSIS</a:t>
+              <a:t>STUDENT PERFORMANCE PREDICTION ANLAYSIS</a:t>
             </a:r>
             <a:endParaRPr lang="en-IN" sz="3700" kern="100" dirty="0">
               <a:solidFill>
@@ -4572,13 +4184,7 @@
       </p:sp>
       <p:sp>
         <p:nvSpPr>
-          <p:cNvPr id="10" name="TextBox 1">
-            <a:extLst>
-              <a:ext uri="{FF2B5EF4-FFF2-40B4-BE49-F238E27FC236}">
-                <a16:creationId xmlns:a16="http://schemas.microsoft.com/office/drawing/2014/main" id="{2D19DAE3-8F95-230C-D485-225341D07DA1}"/>
-              </a:ext>
-            </a:extLst>
-          </p:cNvPr>
+          <p:cNvPr id="10" name="TextBox 1"/>
           <p:cNvSpPr txBox="1">
             <a:spLocks noChangeArrowheads="1"/>
           </p:cNvSpPr>
@@ -4938,13 +4544,7 @@
       </p:sp>
       <p:sp>
         <p:nvSpPr>
-          <p:cNvPr id="11" name="TextBox 1">
-            <a:extLst>
-              <a:ext uri="{FF2B5EF4-FFF2-40B4-BE49-F238E27FC236}">
-                <a16:creationId xmlns:a16="http://schemas.microsoft.com/office/drawing/2014/main" id="{19A39F01-D00C-AF01-020F-6FE15F5B4206}"/>
-              </a:ext>
-            </a:extLst>
-          </p:cNvPr>
+          <p:cNvPr id="11" name="TextBox 1"/>
           <p:cNvSpPr txBox="1">
             <a:spLocks noChangeArrowheads="1"/>
           </p:cNvSpPr>
@@ -5176,21 +4776,18 @@
               </a:rPr>
               <a:t>RAMYA P</a:t>
             </a:r>
-          </a:p>
-        </p:txBody>
-      </p:sp>
-      <p:sp>
-        <p:nvSpPr>
-          <p:cNvPr id="15" name="Title 1">
-            <a:extLst>
-              <a:ext uri="{FF2B5EF4-FFF2-40B4-BE49-F238E27FC236}">
-                <a16:creationId xmlns:a16="http://schemas.microsoft.com/office/drawing/2014/main" id="{321851EC-AC90-1CBE-0738-0329685AB2AB}"/>
-              </a:ext>
-            </a:extLst>
-          </p:cNvPr>
-          <p:cNvSpPr txBox="1">
-            <a:spLocks/>
-          </p:cNvSpPr>
+            <a:endParaRPr lang="en-IN" altLang="en-US" sz="2000" b="1" dirty="0">
+              <a:solidFill>
+                <a:srgbClr val="FF0000"/>
+              </a:solidFill>
+            </a:endParaRPr>
+          </a:p>
+        </p:txBody>
+      </p:sp>
+      <p:sp>
+        <p:nvSpPr>
+          <p:cNvPr id="15" name="Title 1"/>
+          <p:cNvSpPr txBox="1"/>
           <p:nvPr/>
         </p:nvSpPr>
         <p:spPr>
@@ -5237,15 +4834,18 @@
               </a:rPr>
               <a:t>Department of Computer Science and Engineering</a:t>
             </a:r>
+            <a:endParaRPr lang="en-IN" sz="2800" b="1" dirty="0">
+              <a:solidFill>
+                <a:srgbClr val="002060"/>
+              </a:solidFill>
+              <a:latin typeface="Verdana" panose="020B0604030504040204" pitchFamily="34" charset="0"/>
+              <a:ea typeface="+mn-ea"/>
+              <a:cs typeface="+mn-cs"/>
+            </a:endParaRPr>
           </a:p>
         </p:txBody>
       </p:sp>
     </p:spTree>
-    <p:extLst>
-      <p:ext uri="{BB962C8B-B14F-4D97-AF65-F5344CB8AC3E}">
-        <p14:creationId xmlns:p14="http://schemas.microsoft.com/office/powerpoint/2010/main" val="4233139276"/>
-      </p:ext>
-    </p:extLst>
   </p:cSld>
   <p:clrMapOvr>
     <a:overrideClrMapping bg1="lt1" tx1="dk1" bg2="lt2" tx2="dk2" accent1="accent1" accent2="accent2" accent3="accent3" accent4="accent4" accent5="accent5" accent6="accent6" hlink="hlink" folHlink="folHlink"/>
@@ -5272,13 +4872,7 @@
       </p:grpSpPr>
       <p:sp>
         <p:nvSpPr>
-          <p:cNvPr id="2" name="Title 1">
-            <a:extLst>
-              <a:ext uri="{FF2B5EF4-FFF2-40B4-BE49-F238E27FC236}">
-                <a16:creationId xmlns:a16="http://schemas.microsoft.com/office/drawing/2014/main" id="{C48E018A-016D-CA20-9228-A14BE7D00458}"/>
-              </a:ext>
-            </a:extLst>
-          </p:cNvPr>
+          <p:cNvPr id="2" name="Title 1"/>
           <p:cNvSpPr>
             <a:spLocks noGrp="1"/>
           </p:cNvSpPr>
@@ -5305,13 +4899,7 @@
       </p:sp>
       <p:sp>
         <p:nvSpPr>
-          <p:cNvPr id="3" name="Content Placeholder 2">
-            <a:extLst>
-              <a:ext uri="{FF2B5EF4-FFF2-40B4-BE49-F238E27FC236}">
-                <a16:creationId xmlns:a16="http://schemas.microsoft.com/office/drawing/2014/main" id="{01F36FF0-FD4A-EE78-6CA2-4ADCB6BA1B65}"/>
-              </a:ext>
-            </a:extLst>
-          </p:cNvPr>
+          <p:cNvPr id="3" name="Content Placeholder 2"/>
           <p:cNvSpPr>
             <a:spLocks noGrp="1"/>
           </p:cNvSpPr>
@@ -5340,7 +4928,6 @@
               <a:buSzTx/>
               <a:buFont typeface="Wingdings" panose="05000000000000000000" pitchFamily="2" charset="2"/>
               <a:buChar char="o"/>
-              <a:tabLst/>
               <a:defRPr/>
             </a:pPr>
             <a:br>
@@ -5354,7 +4941,7 @@
                 <a:effectLst/>
                 <a:uLnTx/>
                 <a:uFillTx/>
-                <a:latin typeface="Verdana"/>
+                <a:latin typeface="Verdana" panose="020B0604030504040204"/>
                 <a:ea typeface="+mn-ea"/>
                 <a:cs typeface="+mn-cs"/>
               </a:rPr>
@@ -5369,7 +4956,7 @@
               <a:effectLst/>
               <a:uLnTx/>
               <a:uFillTx/>
-              <a:latin typeface="Verdana"/>
+              <a:latin typeface="Verdana" panose="020B0604030504040204"/>
               <a:ea typeface="+mn-ea"/>
               <a:cs typeface="+mn-cs"/>
             </a:endParaRPr>
@@ -5384,13 +4971,7 @@
       </p:sp>
       <p:sp>
         <p:nvSpPr>
-          <p:cNvPr id="4" name="Date Placeholder 3">
-            <a:extLst>
-              <a:ext uri="{FF2B5EF4-FFF2-40B4-BE49-F238E27FC236}">
-                <a16:creationId xmlns:a16="http://schemas.microsoft.com/office/drawing/2014/main" id="{CC6BF262-39B7-44AE-AD50-07784ABF600F}"/>
-              </a:ext>
-            </a:extLst>
-          </p:cNvPr>
+          <p:cNvPr id="4" name="Date Placeholder 3"/>
           <p:cNvSpPr>
             <a:spLocks noGrp="1"/>
           </p:cNvSpPr>
@@ -5413,13 +4994,7 @@
       </p:sp>
       <p:sp>
         <p:nvSpPr>
-          <p:cNvPr id="5" name="Footer Placeholder 4">
-            <a:extLst>
-              <a:ext uri="{FF2B5EF4-FFF2-40B4-BE49-F238E27FC236}">
-                <a16:creationId xmlns:a16="http://schemas.microsoft.com/office/drawing/2014/main" id="{406900E8-40F4-FD2C-418F-4B63A92D4A7F}"/>
-              </a:ext>
-            </a:extLst>
-          </p:cNvPr>
+          <p:cNvPr id="5" name="Footer Placeholder 4"/>
           <p:cNvSpPr>
             <a:spLocks noGrp="1"/>
           </p:cNvSpPr>
@@ -5442,13 +5017,7 @@
       </p:sp>
       <p:sp>
         <p:nvSpPr>
-          <p:cNvPr id="6" name="Slide Number Placeholder 5">
-            <a:extLst>
-              <a:ext uri="{FF2B5EF4-FFF2-40B4-BE49-F238E27FC236}">
-                <a16:creationId xmlns:a16="http://schemas.microsoft.com/office/drawing/2014/main" id="{C5DE7F8E-147A-1C48-B5E0-51437A1B86AF}"/>
-              </a:ext>
-            </a:extLst>
-          </p:cNvPr>
+          <p:cNvPr id="6" name="Slide Number Placeholder 5"/>
           <p:cNvSpPr>
             <a:spLocks noGrp="1"/>
           </p:cNvSpPr>
@@ -5463,7 +5032,6 @@
           <a:p>
             <a:fld id="{5AB9ECBD-B4DD-40D5-8D24-9ECCDBB1583E}" type="slidenum">
               <a:rPr lang="en-IN" smtClean="0"/>
-              <a:t>10</a:t>
             </a:fld>
             <a:endParaRPr lang="en-IN"/>
           </a:p>
@@ -5471,20 +5039,14 @@
       </p:sp>
       <p:pic>
         <p:nvPicPr>
-          <p:cNvPr id="14" name="Picture 13">
-            <a:extLst>
-              <a:ext uri="{FF2B5EF4-FFF2-40B4-BE49-F238E27FC236}">
-                <a16:creationId xmlns:a16="http://schemas.microsoft.com/office/drawing/2014/main" id="{A56AAB98-091C-58AA-EDD7-03DB32C2BC37}"/>
-              </a:ext>
-            </a:extLst>
-          </p:cNvPr>
+          <p:cNvPr id="14" name="Picture 13"/>
           <p:cNvPicPr>
             <a:picLocks noChangeAspect="1"/>
           </p:cNvPicPr>
           <p:nvPr/>
         </p:nvPicPr>
         <p:blipFill>
-          <a:blip r:embed="rId2">
+          <a:blip r:embed="rId1">
             <a:extLst>
               <a:ext uri="{28A0092B-C50C-407E-A947-70E740481C1C}">
                 <a14:useLocalDpi xmlns:a14="http://schemas.microsoft.com/office/drawing/2010/main" val="0"/>
@@ -5507,20 +5069,14 @@
       </p:pic>
       <p:pic>
         <p:nvPicPr>
-          <p:cNvPr id="16" name="Picture 15">
-            <a:extLst>
-              <a:ext uri="{FF2B5EF4-FFF2-40B4-BE49-F238E27FC236}">
-                <a16:creationId xmlns:a16="http://schemas.microsoft.com/office/drawing/2014/main" id="{66C36646-3F2E-0083-1441-FC7AD716A8E3}"/>
-              </a:ext>
-            </a:extLst>
-          </p:cNvPr>
+          <p:cNvPr id="16" name="Picture 15"/>
           <p:cNvPicPr>
             <a:picLocks noChangeAspect="1"/>
           </p:cNvPicPr>
           <p:nvPr/>
         </p:nvPicPr>
         <p:blipFill>
-          <a:blip r:embed="rId3">
+          <a:blip r:embed="rId2">
             <a:extLst>
               <a:ext uri="{28A0092B-C50C-407E-A947-70E740481C1C}">
                 <a14:useLocalDpi xmlns:a14="http://schemas.microsoft.com/office/drawing/2010/main" val="0"/>
@@ -5543,20 +5099,14 @@
       </p:pic>
       <p:pic>
         <p:nvPicPr>
-          <p:cNvPr id="18" name="Picture 17">
-            <a:extLst>
-              <a:ext uri="{FF2B5EF4-FFF2-40B4-BE49-F238E27FC236}">
-                <a16:creationId xmlns:a16="http://schemas.microsoft.com/office/drawing/2014/main" id="{89F57228-2D41-0416-6748-D0C42AA1EEE4}"/>
-              </a:ext>
-            </a:extLst>
-          </p:cNvPr>
+          <p:cNvPr id="18" name="Picture 17"/>
           <p:cNvPicPr>
             <a:picLocks noChangeAspect="1"/>
           </p:cNvPicPr>
           <p:nvPr/>
         </p:nvPicPr>
         <p:blipFill>
-          <a:blip r:embed="rId4">
+          <a:blip r:embed="rId3">
             <a:extLst>
               <a:ext uri="{28A0092B-C50C-407E-A947-70E740481C1C}">
                 <a14:useLocalDpi xmlns:a14="http://schemas.microsoft.com/office/drawing/2010/main" val="0"/>
@@ -5579,20 +5129,14 @@
       </p:pic>
       <p:pic>
         <p:nvPicPr>
-          <p:cNvPr id="20" name="Picture 19">
-            <a:extLst>
-              <a:ext uri="{FF2B5EF4-FFF2-40B4-BE49-F238E27FC236}">
-                <a16:creationId xmlns:a16="http://schemas.microsoft.com/office/drawing/2014/main" id="{0EA07DDB-83AF-B963-F725-3A93B27E4508}"/>
-              </a:ext>
-            </a:extLst>
-          </p:cNvPr>
+          <p:cNvPr id="20" name="Picture 19"/>
           <p:cNvPicPr>
             <a:picLocks noChangeAspect="1"/>
           </p:cNvPicPr>
           <p:nvPr/>
         </p:nvPicPr>
         <p:blipFill>
-          <a:blip r:embed="rId5">
+          <a:blip r:embed="rId4">
             <a:extLst>
               <a:ext uri="{28A0092B-C50C-407E-A947-70E740481C1C}">
                 <a14:useLocalDpi xmlns:a14="http://schemas.microsoft.com/office/drawing/2010/main" val="0"/>
@@ -5615,20 +5159,14 @@
       </p:pic>
       <p:pic>
         <p:nvPicPr>
-          <p:cNvPr id="21" name="Picture 20" descr="Output image">
-            <a:extLst>
-              <a:ext uri="{FF2B5EF4-FFF2-40B4-BE49-F238E27FC236}">
-                <a16:creationId xmlns:a16="http://schemas.microsoft.com/office/drawing/2014/main" id="{5760FB7D-4863-25F9-2AD8-778C910B3983}"/>
-              </a:ext>
-            </a:extLst>
-          </p:cNvPr>
+          <p:cNvPr id="21" name="Picture 20" descr="Output image"/>
           <p:cNvPicPr>
             <a:picLocks noChangeAspect="1"/>
           </p:cNvPicPr>
           <p:nvPr/>
         </p:nvPicPr>
         <p:blipFill>
-          <a:blip r:embed="rId6" cstate="print">
+          <a:blip r:embed="rId5" cstate="print">
             <a:extLst>
               <a:ext uri="{28A0092B-C50C-407E-A947-70E740481C1C}">
                 <a14:useLocalDpi xmlns:a14="http://schemas.microsoft.com/office/drawing/2010/main" val="0"/>
@@ -5655,11 +5193,6 @@
         </p:spPr>
       </p:pic>
     </p:spTree>
-    <p:extLst>
-      <p:ext uri="{BB962C8B-B14F-4D97-AF65-F5344CB8AC3E}">
-        <p14:creationId xmlns:p14="http://schemas.microsoft.com/office/powerpoint/2010/main" val="4109638305"/>
-      </p:ext>
-    </p:extLst>
   </p:cSld>
   <p:clrMapOvr>
     <a:masterClrMapping/>
@@ -5686,13 +5219,7 @@
       </p:grpSpPr>
       <p:sp>
         <p:nvSpPr>
-          <p:cNvPr id="2" name="Title 1">
-            <a:extLst>
-              <a:ext uri="{FF2B5EF4-FFF2-40B4-BE49-F238E27FC236}">
-                <a16:creationId xmlns:a16="http://schemas.microsoft.com/office/drawing/2014/main" id="{C48E018A-016D-CA20-9228-A14BE7D00458}"/>
-              </a:ext>
-            </a:extLst>
-          </p:cNvPr>
+          <p:cNvPr id="2" name="Title 1"/>
           <p:cNvSpPr>
             <a:spLocks noGrp="1"/>
           </p:cNvSpPr>
@@ -5719,13 +5246,7 @@
       </p:sp>
       <p:sp>
         <p:nvSpPr>
-          <p:cNvPr id="3" name="Content Placeholder 2">
-            <a:extLst>
-              <a:ext uri="{FF2B5EF4-FFF2-40B4-BE49-F238E27FC236}">
-                <a16:creationId xmlns:a16="http://schemas.microsoft.com/office/drawing/2014/main" id="{01F36FF0-FD4A-EE78-6CA2-4ADCB6BA1B65}"/>
-              </a:ext>
-            </a:extLst>
-          </p:cNvPr>
+          <p:cNvPr id="3" name="Content Placeholder 2"/>
           <p:cNvSpPr>
             <a:spLocks noGrp="1"/>
           </p:cNvSpPr>
@@ -5759,7 +5280,6 @@
               <a:buSzTx/>
               <a:buFont typeface="Wingdings" panose="05000000000000000000" pitchFamily="2" charset="2"/>
               <a:buChar char="o"/>
-              <a:tabLst/>
               <a:defRPr/>
             </a:pPr>
             <a:r>
@@ -5778,6 +5298,19 @@
               </a:rPr>
               <a:t>Developed a web-based Student Performance Predictor using machine learning (linear regression) to forecast outcomes based on marks, attendance, and phone usage. </a:t>
             </a:r>
+            <a:endParaRPr kumimoji="0" lang="en-US" altLang="en-US" sz="2400" b="0" i="0" u="none" strike="noStrike" kern="0" cap="none" spc="0" normalizeH="0" baseline="0" noProof="0" dirty="0">
+              <a:ln>
+                <a:noFill/>
+              </a:ln>
+              <a:solidFill>
+                <a:srgbClr val="000000"/>
+              </a:solidFill>
+              <a:effectLst/>
+              <a:uLnTx/>
+              <a:uFillTx/>
+              <a:latin typeface="Times New Roman" panose="02020603050405020304" pitchFamily="18" charset="0"/>
+              <a:cs typeface="Times New Roman" panose="02020603050405020304" pitchFamily="18" charset="0"/>
+            </a:endParaRPr>
           </a:p>
           <a:p>
             <a:pPr marL="469900" marR="0" lvl="0" indent="-469900" algn="l" defTabSz="914400" rtl="0" eaLnBrk="0" fontAlgn="base" latinLnBrk="0" hangingPunct="0">
@@ -5796,7 +5329,6 @@
               <a:buSzTx/>
               <a:buFont typeface="Wingdings" panose="05000000000000000000" pitchFamily="2" charset="2"/>
               <a:buChar char="o"/>
-              <a:tabLst/>
               <a:defRPr/>
             </a:pPr>
             <a:r>
@@ -5815,6 +5347,19 @@
               </a:rPr>
               <a:t>Offers a user-friendly interface with real-time predictions and actionable feedback for students, parents, and educators. </a:t>
             </a:r>
+            <a:endParaRPr kumimoji="0" lang="en-US" altLang="en-US" sz="2400" b="0" i="0" u="none" strike="noStrike" kern="0" cap="none" spc="0" normalizeH="0" baseline="0" noProof="0" dirty="0">
+              <a:ln>
+                <a:noFill/>
+              </a:ln>
+              <a:solidFill>
+                <a:srgbClr val="000000"/>
+              </a:solidFill>
+              <a:effectLst/>
+              <a:uLnTx/>
+              <a:uFillTx/>
+              <a:latin typeface="Times New Roman" panose="02020603050405020304" pitchFamily="18" charset="0"/>
+              <a:cs typeface="Times New Roman" panose="02020603050405020304" pitchFamily="18" charset="0"/>
+            </a:endParaRPr>
           </a:p>
           <a:p>
             <a:pPr marL="469900" marR="0" lvl="0" indent="-469900" algn="l" defTabSz="914400" rtl="0" eaLnBrk="0" fontAlgn="base" latinLnBrk="0" hangingPunct="0">
@@ -5833,7 +5378,6 @@
               <a:buSzTx/>
               <a:buFont typeface="Wingdings" panose="05000000000000000000" pitchFamily="2" charset="2"/>
               <a:buChar char="o"/>
-              <a:tabLst/>
               <a:defRPr/>
             </a:pPr>
             <a:r>
@@ -5852,6 +5396,19 @@
               </a:rPr>
               <a:t>Ensures lightweight and efficient performance with minimal computational resources. </a:t>
             </a:r>
+            <a:endParaRPr kumimoji="0" lang="en-US" altLang="en-US" sz="2400" b="0" i="0" u="none" strike="noStrike" kern="0" cap="none" spc="0" normalizeH="0" baseline="0" noProof="0" dirty="0">
+              <a:ln>
+                <a:noFill/>
+              </a:ln>
+              <a:solidFill>
+                <a:srgbClr val="000000"/>
+              </a:solidFill>
+              <a:effectLst/>
+              <a:uLnTx/>
+              <a:uFillTx/>
+              <a:latin typeface="Times New Roman" panose="02020603050405020304" pitchFamily="18" charset="0"/>
+              <a:cs typeface="Times New Roman" panose="02020603050405020304" pitchFamily="18" charset="0"/>
+            </a:endParaRPr>
           </a:p>
           <a:p>
             <a:pPr marL="469900" marR="0" lvl="0" indent="-469900" algn="l" defTabSz="914400" rtl="0" eaLnBrk="0" fontAlgn="base" latinLnBrk="0" hangingPunct="0">
@@ -5870,7 +5427,6 @@
               <a:buSzTx/>
               <a:buFont typeface="Wingdings" panose="05000000000000000000" pitchFamily="2" charset="2"/>
               <a:buChar char="o"/>
-              <a:tabLst/>
               <a:defRPr/>
             </a:pPr>
             <a:r>
@@ -5889,6 +5445,19 @@
               </a:rPr>
               <a:t>Integrates frontend and backend components smoothly, with a modular structure supporting scalability. </a:t>
             </a:r>
+            <a:endParaRPr kumimoji="0" lang="en-US" altLang="en-US" sz="2400" b="0" i="0" u="none" strike="noStrike" kern="0" cap="none" spc="0" normalizeH="0" baseline="0" noProof="0" dirty="0">
+              <a:ln>
+                <a:noFill/>
+              </a:ln>
+              <a:solidFill>
+                <a:srgbClr val="000000"/>
+              </a:solidFill>
+              <a:effectLst/>
+              <a:uLnTx/>
+              <a:uFillTx/>
+              <a:latin typeface="Times New Roman" panose="02020603050405020304" pitchFamily="18" charset="0"/>
+              <a:cs typeface="Times New Roman" panose="02020603050405020304" pitchFamily="18" charset="0"/>
+            </a:endParaRPr>
           </a:p>
           <a:p>
             <a:pPr marL="469900" marR="0" lvl="0" indent="-469900" algn="l" defTabSz="914400" rtl="0" eaLnBrk="0" fontAlgn="base" latinLnBrk="0" hangingPunct="0">
@@ -5907,7 +5476,6 @@
               <a:buSzTx/>
               <a:buFont typeface="Wingdings" panose="05000000000000000000" pitchFamily="2" charset="2"/>
               <a:buChar char="o"/>
-              <a:tabLst/>
               <a:defRPr/>
             </a:pPr>
             <a:r>
@@ -5968,13 +5536,7 @@
       </p:sp>
       <p:sp>
         <p:nvSpPr>
-          <p:cNvPr id="4" name="Date Placeholder 3">
-            <a:extLst>
-              <a:ext uri="{FF2B5EF4-FFF2-40B4-BE49-F238E27FC236}">
-                <a16:creationId xmlns:a16="http://schemas.microsoft.com/office/drawing/2014/main" id="{CC6BF262-39B7-44AE-AD50-07784ABF600F}"/>
-              </a:ext>
-            </a:extLst>
-          </p:cNvPr>
+          <p:cNvPr id="4" name="Date Placeholder 3"/>
           <p:cNvSpPr>
             <a:spLocks noGrp="1"/>
           </p:cNvSpPr>
@@ -5997,13 +5559,7 @@
       </p:sp>
       <p:sp>
         <p:nvSpPr>
-          <p:cNvPr id="5" name="Footer Placeholder 4">
-            <a:extLst>
-              <a:ext uri="{FF2B5EF4-FFF2-40B4-BE49-F238E27FC236}">
-                <a16:creationId xmlns:a16="http://schemas.microsoft.com/office/drawing/2014/main" id="{406900E8-40F4-FD2C-418F-4B63A92D4A7F}"/>
-              </a:ext>
-            </a:extLst>
-          </p:cNvPr>
+          <p:cNvPr id="5" name="Footer Placeholder 4"/>
           <p:cNvSpPr>
             <a:spLocks noGrp="1"/>
           </p:cNvSpPr>
@@ -6026,13 +5582,7 @@
       </p:sp>
       <p:sp>
         <p:nvSpPr>
-          <p:cNvPr id="6" name="Slide Number Placeholder 5">
-            <a:extLst>
-              <a:ext uri="{FF2B5EF4-FFF2-40B4-BE49-F238E27FC236}">
-                <a16:creationId xmlns:a16="http://schemas.microsoft.com/office/drawing/2014/main" id="{C5DE7F8E-147A-1C48-B5E0-51437A1B86AF}"/>
-              </a:ext>
-            </a:extLst>
-          </p:cNvPr>
+          <p:cNvPr id="6" name="Slide Number Placeholder 5"/>
           <p:cNvSpPr>
             <a:spLocks noGrp="1"/>
           </p:cNvSpPr>
@@ -6047,18 +5597,12 @@
           <a:p>
             <a:fld id="{5AB9ECBD-B4DD-40D5-8D24-9ECCDBB1583E}" type="slidenum">
               <a:rPr lang="en-IN" smtClean="0"/>
-              <a:t>11</a:t>
             </a:fld>
             <a:endParaRPr lang="en-IN"/>
           </a:p>
         </p:txBody>
       </p:sp>
     </p:spTree>
-    <p:extLst>
-      <p:ext uri="{BB962C8B-B14F-4D97-AF65-F5344CB8AC3E}">
-        <p14:creationId xmlns:p14="http://schemas.microsoft.com/office/powerpoint/2010/main" val="2369166275"/>
-      </p:ext>
-    </p:extLst>
   </p:cSld>
   <p:clrMapOvr>
     <a:masterClrMapping/>
@@ -6085,13 +5629,7 @@
       </p:grpSpPr>
       <p:sp>
         <p:nvSpPr>
-          <p:cNvPr id="2" name="Title 1">
-            <a:extLst>
-              <a:ext uri="{FF2B5EF4-FFF2-40B4-BE49-F238E27FC236}">
-                <a16:creationId xmlns:a16="http://schemas.microsoft.com/office/drawing/2014/main" id="{C48E018A-016D-CA20-9228-A14BE7D00458}"/>
-              </a:ext>
-            </a:extLst>
-          </p:cNvPr>
+          <p:cNvPr id="2" name="Title 1"/>
           <p:cNvSpPr>
             <a:spLocks noGrp="1"/>
           </p:cNvSpPr>
@@ -6118,13 +5656,7 @@
       </p:sp>
       <p:sp>
         <p:nvSpPr>
-          <p:cNvPr id="3" name="Content Placeholder 2">
-            <a:extLst>
-              <a:ext uri="{FF2B5EF4-FFF2-40B4-BE49-F238E27FC236}">
-                <a16:creationId xmlns:a16="http://schemas.microsoft.com/office/drawing/2014/main" id="{01F36FF0-FD4A-EE78-6CA2-4ADCB6BA1B65}"/>
-              </a:ext>
-            </a:extLst>
-          </p:cNvPr>
+          <p:cNvPr id="3" name="Content Placeholder 2"/>
           <p:cNvSpPr>
             <a:spLocks noGrp="1"/>
           </p:cNvSpPr>
@@ -6186,6 +5718,10 @@
               </a:rPr>
               <a:t>: 10.1109/NILES59815.2023.10296766.ResearchGate </a:t>
             </a:r>
+            <a:endParaRPr lang="en-IN" sz="2400" dirty="0">
+              <a:latin typeface="Times New Roman" panose="02020603050405020304" pitchFamily="18" charset="0"/>
+              <a:cs typeface="Times New Roman" panose="02020603050405020304" pitchFamily="18" charset="0"/>
+            </a:endParaRPr>
           </a:p>
           <a:p>
             <a:pPr marL="342900" lvl="0" indent="-342900" algn="just">
@@ -6223,6 +5759,10 @@
               </a:rPr>
               <a:t>), 2023, pp. 1311–1315.ResearchGate </a:t>
             </a:r>
+            <a:endParaRPr lang="en-IN" sz="2400" dirty="0">
+              <a:latin typeface="Times New Roman" panose="02020603050405020304" pitchFamily="18" charset="0"/>
+              <a:cs typeface="Times New Roman" panose="02020603050405020304" pitchFamily="18" charset="0"/>
+            </a:endParaRPr>
           </a:p>
           <a:p>
             <a:pPr marL="342900" lvl="0" indent="-342900" algn="just">
@@ -6316,13 +5856,7 @@
       </p:sp>
       <p:sp>
         <p:nvSpPr>
-          <p:cNvPr id="4" name="Date Placeholder 3">
-            <a:extLst>
-              <a:ext uri="{FF2B5EF4-FFF2-40B4-BE49-F238E27FC236}">
-                <a16:creationId xmlns:a16="http://schemas.microsoft.com/office/drawing/2014/main" id="{CC6BF262-39B7-44AE-AD50-07784ABF600F}"/>
-              </a:ext>
-            </a:extLst>
-          </p:cNvPr>
+          <p:cNvPr id="4" name="Date Placeholder 3"/>
           <p:cNvSpPr>
             <a:spLocks noGrp="1"/>
           </p:cNvSpPr>
@@ -6345,13 +5879,7 @@
       </p:sp>
       <p:sp>
         <p:nvSpPr>
-          <p:cNvPr id="5" name="Footer Placeholder 4">
-            <a:extLst>
-              <a:ext uri="{FF2B5EF4-FFF2-40B4-BE49-F238E27FC236}">
-                <a16:creationId xmlns:a16="http://schemas.microsoft.com/office/drawing/2014/main" id="{406900E8-40F4-FD2C-418F-4B63A92D4A7F}"/>
-              </a:ext>
-            </a:extLst>
-          </p:cNvPr>
+          <p:cNvPr id="5" name="Footer Placeholder 4"/>
           <p:cNvSpPr>
             <a:spLocks noGrp="1"/>
           </p:cNvSpPr>
@@ -6374,13 +5902,7 @@
       </p:sp>
       <p:sp>
         <p:nvSpPr>
-          <p:cNvPr id="6" name="Slide Number Placeholder 5">
-            <a:extLst>
-              <a:ext uri="{FF2B5EF4-FFF2-40B4-BE49-F238E27FC236}">
-                <a16:creationId xmlns:a16="http://schemas.microsoft.com/office/drawing/2014/main" id="{C5DE7F8E-147A-1C48-B5E0-51437A1B86AF}"/>
-              </a:ext>
-            </a:extLst>
-          </p:cNvPr>
+          <p:cNvPr id="6" name="Slide Number Placeholder 5"/>
           <p:cNvSpPr>
             <a:spLocks noGrp="1"/>
           </p:cNvSpPr>
@@ -6395,18 +5917,12 @@
           <a:p>
             <a:fld id="{5AB9ECBD-B4DD-40D5-8D24-9ECCDBB1583E}" type="slidenum">
               <a:rPr lang="en-IN" smtClean="0"/>
-              <a:t>12</a:t>
             </a:fld>
             <a:endParaRPr lang="en-IN"/>
           </a:p>
         </p:txBody>
       </p:sp>
     </p:spTree>
-    <p:extLst>
-      <p:ext uri="{BB962C8B-B14F-4D97-AF65-F5344CB8AC3E}">
-        <p14:creationId xmlns:p14="http://schemas.microsoft.com/office/powerpoint/2010/main" val="1530162042"/>
-      </p:ext>
-    </p:extLst>
   </p:cSld>
   <p:clrMapOvr>
     <a:masterClrMapping/>
@@ -6433,13 +5949,7 @@
       </p:grpSpPr>
       <p:sp>
         <p:nvSpPr>
-          <p:cNvPr id="2" name="Title 1">
-            <a:extLst>
-              <a:ext uri="{FF2B5EF4-FFF2-40B4-BE49-F238E27FC236}">
-                <a16:creationId xmlns:a16="http://schemas.microsoft.com/office/drawing/2014/main" id="{C48E018A-016D-CA20-9228-A14BE7D00458}"/>
-              </a:ext>
-            </a:extLst>
-          </p:cNvPr>
+          <p:cNvPr id="2" name="Title 1"/>
           <p:cNvSpPr>
             <a:spLocks noGrp="1"/>
           </p:cNvSpPr>
@@ -6466,13 +5976,7 @@
       </p:sp>
       <p:sp>
         <p:nvSpPr>
-          <p:cNvPr id="3" name="Content Placeholder 2">
-            <a:extLst>
-              <a:ext uri="{FF2B5EF4-FFF2-40B4-BE49-F238E27FC236}">
-                <a16:creationId xmlns:a16="http://schemas.microsoft.com/office/drawing/2014/main" id="{01F36FF0-FD4A-EE78-6CA2-4ADCB6BA1B65}"/>
-              </a:ext>
-            </a:extLst>
-          </p:cNvPr>
+          <p:cNvPr id="3" name="Content Placeholder 2"/>
           <p:cNvSpPr>
             <a:spLocks noGrp="1"/>
           </p:cNvSpPr>
@@ -6501,7 +6005,6 @@
               <a:buSzTx/>
               <a:buFont typeface="Wingdings" panose="05000000000000000000" pitchFamily="2" charset="2"/>
               <a:buChar char="o"/>
-              <a:tabLst/>
               <a:defRPr/>
             </a:pPr>
             <a:r>
@@ -6525,7 +6028,7 @@
                 <a:effectLst/>
                 <a:uLnTx/>
                 <a:uFillTx/>
-                <a:latin typeface="Verdana"/>
+                <a:latin typeface="Verdana" panose="020B0604030504040204"/>
                 <a:ea typeface="+mn-ea"/>
                 <a:cs typeface="+mn-cs"/>
               </a:rPr>
@@ -6540,7 +6043,7 @@
               <a:effectLst/>
               <a:uLnTx/>
               <a:uFillTx/>
-              <a:latin typeface="Verdana"/>
+              <a:latin typeface="Verdana" panose="020B0604030504040204"/>
               <a:ea typeface="+mn-ea"/>
               <a:cs typeface="+mn-cs"/>
             </a:endParaRPr>
@@ -6555,13 +6058,7 @@
       </p:sp>
       <p:sp>
         <p:nvSpPr>
-          <p:cNvPr id="4" name="Date Placeholder 3">
-            <a:extLst>
-              <a:ext uri="{FF2B5EF4-FFF2-40B4-BE49-F238E27FC236}">
-                <a16:creationId xmlns:a16="http://schemas.microsoft.com/office/drawing/2014/main" id="{CC6BF262-39B7-44AE-AD50-07784ABF600F}"/>
-              </a:ext>
-            </a:extLst>
-          </p:cNvPr>
+          <p:cNvPr id="4" name="Date Placeholder 3"/>
           <p:cNvSpPr>
             <a:spLocks noGrp="1"/>
           </p:cNvSpPr>
@@ -6584,13 +6081,7 @@
       </p:sp>
       <p:sp>
         <p:nvSpPr>
-          <p:cNvPr id="5" name="Footer Placeholder 4">
-            <a:extLst>
-              <a:ext uri="{FF2B5EF4-FFF2-40B4-BE49-F238E27FC236}">
-                <a16:creationId xmlns:a16="http://schemas.microsoft.com/office/drawing/2014/main" id="{406900E8-40F4-FD2C-418F-4B63A92D4A7F}"/>
-              </a:ext>
-            </a:extLst>
-          </p:cNvPr>
+          <p:cNvPr id="5" name="Footer Placeholder 4"/>
           <p:cNvSpPr>
             <a:spLocks noGrp="1"/>
           </p:cNvSpPr>
@@ -6613,13 +6104,7 @@
       </p:sp>
       <p:sp>
         <p:nvSpPr>
-          <p:cNvPr id="6" name="Slide Number Placeholder 5">
-            <a:extLst>
-              <a:ext uri="{FF2B5EF4-FFF2-40B4-BE49-F238E27FC236}">
-                <a16:creationId xmlns:a16="http://schemas.microsoft.com/office/drawing/2014/main" id="{C5DE7F8E-147A-1C48-B5E0-51437A1B86AF}"/>
-              </a:ext>
-            </a:extLst>
-          </p:cNvPr>
+          <p:cNvPr id="6" name="Slide Number Placeholder 5"/>
           <p:cNvSpPr>
             <a:spLocks noGrp="1"/>
           </p:cNvSpPr>
@@ -6634,18 +6119,12 @@
           <a:p>
             <a:fld id="{5AB9ECBD-B4DD-40D5-8D24-9ECCDBB1583E}" type="slidenum">
               <a:rPr lang="en-IN" smtClean="0"/>
-              <a:t>13</a:t>
             </a:fld>
             <a:endParaRPr lang="en-IN"/>
           </a:p>
         </p:txBody>
       </p:sp>
     </p:spTree>
-    <p:extLst>
-      <p:ext uri="{BB962C8B-B14F-4D97-AF65-F5344CB8AC3E}">
-        <p14:creationId xmlns:p14="http://schemas.microsoft.com/office/powerpoint/2010/main" val="2946422721"/>
-      </p:ext>
-    </p:extLst>
   </p:cSld>
   <p:clrMapOvr>
     <a:masterClrMapping/>
@@ -6672,13 +6151,7 @@
       </p:grpSpPr>
       <p:sp>
         <p:nvSpPr>
-          <p:cNvPr id="2" name="Title 1">
-            <a:extLst>
-              <a:ext uri="{FF2B5EF4-FFF2-40B4-BE49-F238E27FC236}">
-                <a16:creationId xmlns:a16="http://schemas.microsoft.com/office/drawing/2014/main" id="{0ACC349C-5BE6-7AA1-4EE3-C4AA5A3BB314}"/>
-              </a:ext>
-            </a:extLst>
-          </p:cNvPr>
+          <p:cNvPr id="2" name="Title 1"/>
           <p:cNvSpPr>
             <a:spLocks noGrp="1"/>
           </p:cNvSpPr>
@@ -6711,13 +6184,7 @@
       </p:sp>
       <p:sp>
         <p:nvSpPr>
-          <p:cNvPr id="3" name="Footer Placeholder 2">
-            <a:extLst>
-              <a:ext uri="{FF2B5EF4-FFF2-40B4-BE49-F238E27FC236}">
-                <a16:creationId xmlns:a16="http://schemas.microsoft.com/office/drawing/2014/main" id="{778CC27A-14F7-85DD-1D33-35BB88464355}"/>
-              </a:ext>
-            </a:extLst>
-          </p:cNvPr>
+          <p:cNvPr id="3" name="Footer Placeholder 2"/>
           <p:cNvSpPr>
             <a:spLocks noGrp="1"/>
           </p:cNvSpPr>
@@ -6737,18 +6204,13 @@
               <a:rPr lang="en-US"/>
               <a:t>Department of Computer Science and Engineering</a:t>
             </a:r>
-          </a:p>
-        </p:txBody>
-      </p:sp>
-      <p:sp>
-        <p:nvSpPr>
-          <p:cNvPr id="4" name="Slide Number Placeholder 3">
-            <a:extLst>
-              <a:ext uri="{FF2B5EF4-FFF2-40B4-BE49-F238E27FC236}">
-                <a16:creationId xmlns:a16="http://schemas.microsoft.com/office/drawing/2014/main" id="{CF44F5F3-B604-7034-3991-F0917DEC107F}"/>
-              </a:ext>
-            </a:extLst>
-          </p:cNvPr>
+            <a:endParaRPr lang="en-US"/>
+          </a:p>
+        </p:txBody>
+      </p:sp>
+      <p:sp>
+        <p:nvSpPr>
+          <p:cNvPr id="4" name="Slide Number Placeholder 3"/>
           <p:cNvSpPr>
             <a:spLocks noGrp="1"/>
           </p:cNvSpPr>
@@ -6766,10 +6228,6 @@
             </a:pPr>
             <a:fld id="{F583B680-F650-469F-A231-392F163461F6}" type="slidenum">
               <a:rPr lang="en-US" altLang="en-US" smtClean="0"/>
-              <a:pPr>
-                <a:defRPr/>
-              </a:pPr>
-              <a:t>14</a:t>
             </a:fld>
             <a:endParaRPr lang="en-US" altLang="en-US" dirty="0"/>
           </a:p>
@@ -6777,13 +6235,7 @@
       </p:sp>
       <p:sp>
         <p:nvSpPr>
-          <p:cNvPr id="5" name="Date Placeholder 4">
-            <a:extLst>
-              <a:ext uri="{FF2B5EF4-FFF2-40B4-BE49-F238E27FC236}">
-                <a16:creationId xmlns:a16="http://schemas.microsoft.com/office/drawing/2014/main" id="{09920C7D-BD2C-F059-5056-8B99F4B27643}"/>
-              </a:ext>
-            </a:extLst>
-          </p:cNvPr>
+          <p:cNvPr id="5" name="Date Placeholder 4"/>
           <p:cNvSpPr>
             <a:spLocks noGrp="1"/>
           </p:cNvSpPr>
@@ -6803,15 +6255,11 @@
               <a:rPr lang="en-US"/>
               <a:t>Second Review</a:t>
             </a:r>
+            <a:endParaRPr lang="en-US"/>
           </a:p>
         </p:txBody>
       </p:sp>
     </p:spTree>
-    <p:extLst>
-      <p:ext uri="{BB962C8B-B14F-4D97-AF65-F5344CB8AC3E}">
-        <p14:creationId xmlns:p14="http://schemas.microsoft.com/office/powerpoint/2010/main" val="2273965067"/>
-      </p:ext>
-    </p:extLst>
   </p:cSld>
   <p:clrMapOvr>
     <a:masterClrMapping/>
@@ -6825,7 +6273,7 @@
     <p:bg>
       <p:bgPr>
         <a:blipFill dpi="0" rotWithShape="0">
-          <a:blip r:embed="rId3"/>
+          <a:blip r:embed="rId1"/>
           <a:srcRect/>
           <a:tile tx="0" ty="0" sx="100000" sy="100000" flip="none" algn="tl"/>
         </a:blipFill>
@@ -6848,13 +6296,7 @@
       </p:grpSpPr>
       <p:sp>
         <p:nvSpPr>
-          <p:cNvPr id="2" name="Title 1">
-            <a:extLst>
-              <a:ext uri="{FF2B5EF4-FFF2-40B4-BE49-F238E27FC236}">
-                <a16:creationId xmlns:a16="http://schemas.microsoft.com/office/drawing/2014/main" id="{C48E018A-016D-CA20-9228-A14BE7D00458}"/>
-              </a:ext>
-            </a:extLst>
-          </p:cNvPr>
+          <p:cNvPr id="2" name="Title 1"/>
           <p:cNvSpPr>
             <a:spLocks noGrp="1"/>
           </p:cNvSpPr>
@@ -6881,13 +6323,7 @@
       </p:sp>
       <p:sp>
         <p:nvSpPr>
-          <p:cNvPr id="3" name="Content Placeholder 2">
-            <a:extLst>
-              <a:ext uri="{FF2B5EF4-FFF2-40B4-BE49-F238E27FC236}">
-                <a16:creationId xmlns:a16="http://schemas.microsoft.com/office/drawing/2014/main" id="{01F36FF0-FD4A-EE78-6CA2-4ADCB6BA1B65}"/>
-              </a:ext>
-            </a:extLst>
-          </p:cNvPr>
+          <p:cNvPr id="3" name="Content Placeholder 2"/>
           <p:cNvSpPr>
             <a:spLocks noGrp="1"/>
           </p:cNvSpPr>
@@ -6920,6 +6356,10 @@
               </a:rPr>
               <a:t> – Traditional academic systems focus only on marks and ignore behavioral factors like attention span and distractions.</a:t>
             </a:r>
+            <a:endParaRPr lang="en-US" sz="2400" dirty="0">
+              <a:latin typeface="Times New Roman" panose="02020603050405020304" pitchFamily="18" charset="0"/>
+              <a:cs typeface="Times New Roman" panose="02020603050405020304" pitchFamily="18" charset="0"/>
+            </a:endParaRPr>
           </a:p>
           <a:p>
             <a:pPr>
@@ -6935,6 +6375,10 @@
               </a:rPr>
               <a:t>Most platforms lack the ability to predict a student’s future academic performance using data analytics.</a:t>
             </a:r>
+            <a:endParaRPr lang="en-US" sz="2400" dirty="0">
+              <a:latin typeface="Times New Roman" panose="02020603050405020304" pitchFamily="18" charset="0"/>
+              <a:cs typeface="Times New Roman" panose="02020603050405020304" pitchFamily="18" charset="0"/>
+            </a:endParaRPr>
           </a:p>
           <a:p>
             <a:pPr>
@@ -6950,6 +6394,10 @@
               </a:rPr>
               <a:t>Students receive generic feedback instead of personalized, actionable suggestions.</a:t>
             </a:r>
+            <a:endParaRPr lang="en-US" sz="2400" dirty="0">
+              <a:latin typeface="Times New Roman" panose="02020603050405020304" pitchFamily="18" charset="0"/>
+              <a:cs typeface="Times New Roman" panose="02020603050405020304" pitchFamily="18" charset="0"/>
+            </a:endParaRPr>
           </a:p>
           <a:p>
             <a:pPr>
@@ -6965,6 +6413,10 @@
               </a:rPr>
               <a:t>Important behavioral metrics like phone usage patterns are often neglected in student evaluations.</a:t>
             </a:r>
+            <a:endParaRPr lang="en-US" sz="2400" dirty="0">
+              <a:latin typeface="Times New Roman" panose="02020603050405020304" pitchFamily="18" charset="0"/>
+              <a:cs typeface="Times New Roman" panose="02020603050405020304" pitchFamily="18" charset="0"/>
+            </a:endParaRPr>
           </a:p>
           <a:p>
             <a:pPr>
@@ -6980,6 +6432,10 @@
               </a:rPr>
               <a:t>Educators and parents lack timely insights to identify struggling students early.</a:t>
             </a:r>
+            <a:endParaRPr lang="en-US" sz="2400" dirty="0">
+              <a:latin typeface="Times New Roman" panose="02020603050405020304" pitchFamily="18" charset="0"/>
+              <a:cs typeface="Times New Roman" panose="02020603050405020304" pitchFamily="18" charset="0"/>
+            </a:endParaRPr>
           </a:p>
           <a:p>
             <a:pPr>
@@ -7019,13 +6475,7 @@
       </p:sp>
       <p:sp>
         <p:nvSpPr>
-          <p:cNvPr id="4" name="Date Placeholder 3">
-            <a:extLst>
-              <a:ext uri="{FF2B5EF4-FFF2-40B4-BE49-F238E27FC236}">
-                <a16:creationId xmlns:a16="http://schemas.microsoft.com/office/drawing/2014/main" id="{CC6BF262-39B7-44AE-AD50-07784ABF600F}"/>
-              </a:ext>
-            </a:extLst>
-          </p:cNvPr>
+          <p:cNvPr id="4" name="Date Placeholder 3"/>
           <p:cNvSpPr>
             <a:spLocks noGrp="1"/>
           </p:cNvSpPr>
@@ -7048,13 +6498,7 @@
       </p:sp>
       <p:sp>
         <p:nvSpPr>
-          <p:cNvPr id="5" name="Footer Placeholder 4">
-            <a:extLst>
-              <a:ext uri="{FF2B5EF4-FFF2-40B4-BE49-F238E27FC236}">
-                <a16:creationId xmlns:a16="http://schemas.microsoft.com/office/drawing/2014/main" id="{406900E8-40F4-FD2C-418F-4B63A92D4A7F}"/>
-              </a:ext>
-            </a:extLst>
-          </p:cNvPr>
+          <p:cNvPr id="5" name="Footer Placeholder 4"/>
           <p:cNvSpPr>
             <a:spLocks noGrp="1"/>
           </p:cNvSpPr>
@@ -7077,13 +6521,7 @@
       </p:sp>
       <p:sp>
         <p:nvSpPr>
-          <p:cNvPr id="6" name="Slide Number Placeholder 5">
-            <a:extLst>
-              <a:ext uri="{FF2B5EF4-FFF2-40B4-BE49-F238E27FC236}">
-                <a16:creationId xmlns:a16="http://schemas.microsoft.com/office/drawing/2014/main" id="{C5DE7F8E-147A-1C48-B5E0-51437A1B86AF}"/>
-              </a:ext>
-            </a:extLst>
-          </p:cNvPr>
+          <p:cNvPr id="6" name="Slide Number Placeholder 5"/>
           <p:cNvSpPr>
             <a:spLocks noGrp="1"/>
           </p:cNvSpPr>
@@ -7098,18 +6536,12 @@
           <a:p>
             <a:fld id="{5AB9ECBD-B4DD-40D5-8D24-9ECCDBB1583E}" type="slidenum">
               <a:rPr lang="en-IN" smtClean="0"/>
-              <a:t>2</a:t>
             </a:fld>
             <a:endParaRPr lang="en-IN"/>
           </a:p>
         </p:txBody>
       </p:sp>
     </p:spTree>
-    <p:extLst>
-      <p:ext uri="{BB962C8B-B14F-4D97-AF65-F5344CB8AC3E}">
-        <p14:creationId xmlns:p14="http://schemas.microsoft.com/office/powerpoint/2010/main" val="1658386993"/>
-      </p:ext>
-    </p:extLst>
   </p:cSld>
   <p:clrMapOvr>
     <a:overrideClrMapping bg1="lt1" tx1="dk1" bg2="lt2" tx2="dk2" accent1="accent1" accent2="accent2" accent3="accent3" accent4="accent4" accent5="accent5" accent6="accent6" hlink="hlink" folHlink="folHlink"/>
@@ -7136,13 +6568,7 @@
       </p:grpSpPr>
       <p:sp>
         <p:nvSpPr>
-          <p:cNvPr id="2" name="Title 1">
-            <a:extLst>
-              <a:ext uri="{FF2B5EF4-FFF2-40B4-BE49-F238E27FC236}">
-                <a16:creationId xmlns:a16="http://schemas.microsoft.com/office/drawing/2014/main" id="{C48E018A-016D-CA20-9228-A14BE7D00458}"/>
-              </a:ext>
-            </a:extLst>
-          </p:cNvPr>
+          <p:cNvPr id="2" name="Title 1"/>
           <p:cNvSpPr>
             <a:spLocks noGrp="1"/>
           </p:cNvSpPr>
@@ -7169,13 +6595,7 @@
       </p:sp>
       <p:sp>
         <p:nvSpPr>
-          <p:cNvPr id="3" name="Content Placeholder 2">
-            <a:extLst>
-              <a:ext uri="{FF2B5EF4-FFF2-40B4-BE49-F238E27FC236}">
-                <a16:creationId xmlns:a16="http://schemas.microsoft.com/office/drawing/2014/main" id="{01F36FF0-FD4A-EE78-6CA2-4ADCB6BA1B65}"/>
-              </a:ext>
-            </a:extLst>
-          </p:cNvPr>
+          <p:cNvPr id="3" name="Content Placeholder 2"/>
           <p:cNvSpPr>
             <a:spLocks noGrp="1"/>
           </p:cNvSpPr>
@@ -7204,7 +6624,6 @@
               <a:buSzTx/>
               <a:buFont typeface="Wingdings" panose="05000000000000000000" pitchFamily="2" charset="2"/>
               <a:buChar char="o"/>
-              <a:tabLst/>
               <a:defRPr/>
             </a:pPr>
             <a:r>
@@ -7223,6 +6642,19 @@
               </a:rPr>
               <a:t>Focuses only on academic marks and attendance, lacking deeper performance insights.</a:t>
             </a:r>
+            <a:endParaRPr kumimoji="0" lang="en-US" altLang="en-US" sz="2400" b="0" i="0" u="none" strike="noStrike" kern="0" cap="none" spc="0" normalizeH="0" baseline="0" noProof="0" dirty="0">
+              <a:ln>
+                <a:noFill/>
+              </a:ln>
+              <a:solidFill>
+                <a:srgbClr val="000000"/>
+              </a:solidFill>
+              <a:effectLst/>
+              <a:uLnTx/>
+              <a:uFillTx/>
+              <a:latin typeface="Times New Roman" panose="02020603050405020304" pitchFamily="18" charset="0"/>
+              <a:cs typeface="Times New Roman" panose="02020603050405020304" pitchFamily="18" charset="0"/>
+            </a:endParaRPr>
           </a:p>
           <a:p>
             <a:pPr marL="469900" marR="0" lvl="0" indent="-469900" algn="l" defTabSz="914400" rtl="0" eaLnBrk="0" fontAlgn="base" latinLnBrk="0" hangingPunct="0">
@@ -7241,7 +6673,6 @@
               <a:buSzTx/>
               <a:buFont typeface="Wingdings" panose="05000000000000000000" pitchFamily="2" charset="2"/>
               <a:buChar char="o"/>
-              <a:tabLst/>
               <a:defRPr/>
             </a:pPr>
             <a:r>
@@ -7260,6 +6691,19 @@
               </a:rPr>
               <a:t>Provides static, periodic reports without real-time or predictive analysis.</a:t>
             </a:r>
+            <a:endParaRPr kumimoji="0" lang="en-US" altLang="en-US" sz="2400" b="0" i="0" u="none" strike="noStrike" kern="0" cap="none" spc="0" normalizeH="0" baseline="0" noProof="0" dirty="0">
+              <a:ln>
+                <a:noFill/>
+              </a:ln>
+              <a:solidFill>
+                <a:srgbClr val="000000"/>
+              </a:solidFill>
+              <a:effectLst/>
+              <a:uLnTx/>
+              <a:uFillTx/>
+              <a:latin typeface="Times New Roman" panose="02020603050405020304" pitchFamily="18" charset="0"/>
+              <a:cs typeface="Times New Roman" panose="02020603050405020304" pitchFamily="18" charset="0"/>
+            </a:endParaRPr>
           </a:p>
           <a:p>
             <a:pPr marL="469900" marR="0" lvl="0" indent="-469900" algn="l" defTabSz="914400" rtl="0" eaLnBrk="0" fontAlgn="base" latinLnBrk="0" hangingPunct="0">
@@ -7278,7 +6722,6 @@
               <a:buSzTx/>
               <a:buFont typeface="Wingdings" panose="05000000000000000000" pitchFamily="2" charset="2"/>
               <a:buChar char="o"/>
-              <a:tabLst/>
               <a:defRPr/>
             </a:pPr>
             <a:r>
@@ -7297,6 +6740,19 @@
               </a:rPr>
               <a:t>Ignores behavioral factors like phone usage that impact attention and performance.</a:t>
             </a:r>
+            <a:endParaRPr kumimoji="0" lang="en-US" altLang="en-US" sz="2400" b="0" i="0" u="none" strike="noStrike" kern="0" cap="none" spc="0" normalizeH="0" baseline="0" noProof="0" dirty="0">
+              <a:ln>
+                <a:noFill/>
+              </a:ln>
+              <a:solidFill>
+                <a:srgbClr val="000000"/>
+              </a:solidFill>
+              <a:effectLst/>
+              <a:uLnTx/>
+              <a:uFillTx/>
+              <a:latin typeface="Times New Roman" panose="02020603050405020304" pitchFamily="18" charset="0"/>
+              <a:cs typeface="Times New Roman" panose="02020603050405020304" pitchFamily="18" charset="0"/>
+            </a:endParaRPr>
           </a:p>
           <a:p>
             <a:pPr marL="469900" marR="0" lvl="0" indent="-469900" algn="l" defTabSz="914400" rtl="0" eaLnBrk="0" fontAlgn="base" latinLnBrk="0" hangingPunct="0">
@@ -7315,7 +6771,6 @@
               <a:buSzTx/>
               <a:buFont typeface="Wingdings" panose="05000000000000000000" pitchFamily="2" charset="2"/>
               <a:buChar char="o"/>
-              <a:tabLst/>
               <a:defRPr/>
             </a:pPr>
             <a:r>
@@ -7334,6 +6789,19 @@
               </a:rPr>
               <a:t>Offers generic feedback instead of personalized recommendations.</a:t>
             </a:r>
+            <a:endParaRPr kumimoji="0" lang="en-US" altLang="en-US" sz="2400" b="0" i="0" u="none" strike="noStrike" kern="0" cap="none" spc="0" normalizeH="0" baseline="0" noProof="0" dirty="0">
+              <a:ln>
+                <a:noFill/>
+              </a:ln>
+              <a:solidFill>
+                <a:srgbClr val="000000"/>
+              </a:solidFill>
+              <a:effectLst/>
+              <a:uLnTx/>
+              <a:uFillTx/>
+              <a:latin typeface="Times New Roman" panose="02020603050405020304" pitchFamily="18" charset="0"/>
+              <a:cs typeface="Times New Roman" panose="02020603050405020304" pitchFamily="18" charset="0"/>
+            </a:endParaRPr>
           </a:p>
           <a:p>
             <a:pPr marL="469900" marR="0" lvl="0" indent="-469900" algn="l" defTabSz="914400" rtl="0" eaLnBrk="0" fontAlgn="base" latinLnBrk="0" hangingPunct="0">
@@ -7352,7 +6820,6 @@
               <a:buSzTx/>
               <a:buFont typeface="Wingdings" panose="05000000000000000000" pitchFamily="2" charset="2"/>
               <a:buChar char="o"/>
-              <a:tabLst/>
               <a:defRPr/>
             </a:pPr>
             <a:r>
@@ -7371,6 +6838,19 @@
               </a:rPr>
               <a:t>Does not use modern technologies like machine learning or data analytics for early risk detection</a:t>
             </a:r>
+            <a:endParaRPr kumimoji="0" lang="en-US" altLang="en-US" sz="2400" b="0" i="0" u="none" strike="noStrike" kern="0" cap="none" spc="0" normalizeH="0" baseline="0" noProof="0" dirty="0">
+              <a:ln>
+                <a:noFill/>
+              </a:ln>
+              <a:solidFill>
+                <a:srgbClr val="000000"/>
+              </a:solidFill>
+              <a:effectLst/>
+              <a:uLnTx/>
+              <a:uFillTx/>
+              <a:latin typeface="Times New Roman" panose="02020603050405020304" pitchFamily="18" charset="0"/>
+              <a:cs typeface="Times New Roman" panose="02020603050405020304" pitchFamily="18" charset="0"/>
+            </a:endParaRPr>
           </a:p>
           <a:p>
             <a:pPr marL="469900" marR="0" lvl="0" indent="-469900" algn="l" defTabSz="914400" rtl="0" eaLnBrk="0" fontAlgn="base" latinLnBrk="0" hangingPunct="0">
@@ -7389,7 +6869,6 @@
               <a:buSzTx/>
               <a:buFont typeface="Wingdings" panose="05000000000000000000" pitchFamily="2" charset="2"/>
               <a:buChar char="o"/>
-              <a:tabLst/>
               <a:defRPr/>
             </a:pPr>
             <a:r>
@@ -7450,13 +6929,7 @@
       </p:sp>
       <p:sp>
         <p:nvSpPr>
-          <p:cNvPr id="4" name="Date Placeholder 3">
-            <a:extLst>
-              <a:ext uri="{FF2B5EF4-FFF2-40B4-BE49-F238E27FC236}">
-                <a16:creationId xmlns:a16="http://schemas.microsoft.com/office/drawing/2014/main" id="{CC6BF262-39B7-44AE-AD50-07784ABF600F}"/>
-              </a:ext>
-            </a:extLst>
-          </p:cNvPr>
+          <p:cNvPr id="4" name="Date Placeholder 3"/>
           <p:cNvSpPr>
             <a:spLocks noGrp="1"/>
           </p:cNvSpPr>
@@ -7479,13 +6952,7 @@
       </p:sp>
       <p:sp>
         <p:nvSpPr>
-          <p:cNvPr id="5" name="Footer Placeholder 4">
-            <a:extLst>
-              <a:ext uri="{FF2B5EF4-FFF2-40B4-BE49-F238E27FC236}">
-                <a16:creationId xmlns:a16="http://schemas.microsoft.com/office/drawing/2014/main" id="{406900E8-40F4-FD2C-418F-4B63A92D4A7F}"/>
-              </a:ext>
-            </a:extLst>
-          </p:cNvPr>
+          <p:cNvPr id="5" name="Footer Placeholder 4"/>
           <p:cNvSpPr>
             <a:spLocks noGrp="1"/>
           </p:cNvSpPr>
@@ -7508,13 +6975,7 @@
       </p:sp>
       <p:sp>
         <p:nvSpPr>
-          <p:cNvPr id="6" name="Slide Number Placeholder 5">
-            <a:extLst>
-              <a:ext uri="{FF2B5EF4-FFF2-40B4-BE49-F238E27FC236}">
-                <a16:creationId xmlns:a16="http://schemas.microsoft.com/office/drawing/2014/main" id="{C5DE7F8E-147A-1C48-B5E0-51437A1B86AF}"/>
-              </a:ext>
-            </a:extLst>
-          </p:cNvPr>
+          <p:cNvPr id="6" name="Slide Number Placeholder 5"/>
           <p:cNvSpPr>
             <a:spLocks noGrp="1"/>
           </p:cNvSpPr>
@@ -7529,18 +6990,12 @@
           <a:p>
             <a:fld id="{5AB9ECBD-B4DD-40D5-8D24-9ECCDBB1583E}" type="slidenum">
               <a:rPr lang="en-IN" smtClean="0"/>
-              <a:t>3</a:t>
             </a:fld>
             <a:endParaRPr lang="en-IN"/>
           </a:p>
         </p:txBody>
       </p:sp>
     </p:spTree>
-    <p:extLst>
-      <p:ext uri="{BB962C8B-B14F-4D97-AF65-F5344CB8AC3E}">
-        <p14:creationId xmlns:p14="http://schemas.microsoft.com/office/powerpoint/2010/main" val="563971378"/>
-      </p:ext>
-    </p:extLst>
   </p:cSld>
   <p:clrMapOvr>
     <a:masterClrMapping/>
@@ -7554,7 +7009,7 @@
     <p:bg>
       <p:bgPr>
         <a:blipFill dpi="0" rotWithShape="0">
-          <a:blip r:embed="rId3"/>
+          <a:blip r:embed="rId1"/>
           <a:srcRect/>
           <a:tile tx="0" ty="0" sx="100000" sy="100000" flip="none" algn="tl"/>
         </a:blipFill>
@@ -7577,13 +7032,7 @@
       </p:grpSpPr>
       <p:sp>
         <p:nvSpPr>
-          <p:cNvPr id="2" name="Title 1">
-            <a:extLst>
-              <a:ext uri="{FF2B5EF4-FFF2-40B4-BE49-F238E27FC236}">
-                <a16:creationId xmlns:a16="http://schemas.microsoft.com/office/drawing/2014/main" id="{C48E018A-016D-CA20-9228-A14BE7D00458}"/>
-              </a:ext>
-            </a:extLst>
-          </p:cNvPr>
+          <p:cNvPr id="2" name="Title 1"/>
           <p:cNvSpPr>
             <a:spLocks noGrp="1"/>
           </p:cNvSpPr>
@@ -7610,13 +7059,7 @@
       </p:sp>
       <p:sp>
         <p:nvSpPr>
-          <p:cNvPr id="3" name="Content Placeholder 2">
-            <a:extLst>
-              <a:ext uri="{FF2B5EF4-FFF2-40B4-BE49-F238E27FC236}">
-                <a16:creationId xmlns:a16="http://schemas.microsoft.com/office/drawing/2014/main" id="{01F36FF0-FD4A-EE78-6CA2-4ADCB6BA1B65}"/>
-              </a:ext>
-            </a:extLst>
-          </p:cNvPr>
+          <p:cNvPr id="3" name="Content Placeholder 2"/>
           <p:cNvSpPr>
             <a:spLocks noGrp="1"/>
           </p:cNvSpPr>
@@ -7645,7 +7088,6 @@
               <a:buSzTx/>
               <a:buFont typeface="Wingdings" panose="05000000000000000000" pitchFamily="2" charset="2"/>
               <a:buChar char="o"/>
-              <a:tabLst/>
               <a:defRPr/>
             </a:pPr>
             <a:r>
@@ -7664,6 +7106,19 @@
               </a:rPr>
               <a:t>Predict student academic performance using machine learning based on marks, attendance, and phone usage.</a:t>
             </a:r>
+            <a:endParaRPr kumimoji="0" lang="en-US" altLang="en-US" sz="2400" b="0" i="0" u="none" strike="noStrike" kern="0" cap="none" spc="0" normalizeH="0" baseline="0" noProof="0" dirty="0">
+              <a:ln>
+                <a:noFill/>
+              </a:ln>
+              <a:solidFill>
+                <a:srgbClr val="000000"/>
+              </a:solidFill>
+              <a:effectLst/>
+              <a:uLnTx/>
+              <a:uFillTx/>
+              <a:latin typeface="Times New Roman" panose="02020603050405020304" pitchFamily="18" charset="0"/>
+              <a:cs typeface="Times New Roman" panose="02020603050405020304" pitchFamily="18" charset="0"/>
+            </a:endParaRPr>
           </a:p>
           <a:p>
             <a:pPr marL="469900" marR="0" lvl="0" indent="-469900" algn="l" defTabSz="914400" rtl="0" eaLnBrk="0" fontAlgn="base" latinLnBrk="0" hangingPunct="0">
@@ -7682,7 +7137,6 @@
               <a:buSzTx/>
               <a:buFont typeface="Wingdings" panose="05000000000000000000" pitchFamily="2" charset="2"/>
               <a:buChar char="o"/>
-              <a:tabLst/>
               <a:defRPr/>
             </a:pPr>
             <a:r>
@@ -7701,6 +7155,19 @@
               </a:rPr>
               <a:t>Integrate behavioral analytics to go beyond traditional academic evaluations.</a:t>
             </a:r>
+            <a:endParaRPr kumimoji="0" lang="en-US" altLang="en-US" sz="2400" b="0" i="0" u="none" strike="noStrike" kern="0" cap="none" spc="0" normalizeH="0" baseline="0" noProof="0" dirty="0">
+              <a:ln>
+                <a:noFill/>
+              </a:ln>
+              <a:solidFill>
+                <a:srgbClr val="000000"/>
+              </a:solidFill>
+              <a:effectLst/>
+              <a:uLnTx/>
+              <a:uFillTx/>
+              <a:latin typeface="Times New Roman" panose="02020603050405020304" pitchFamily="18" charset="0"/>
+              <a:cs typeface="Times New Roman" panose="02020603050405020304" pitchFamily="18" charset="0"/>
+            </a:endParaRPr>
           </a:p>
           <a:p>
             <a:pPr marL="469900" marR="0" lvl="0" indent="-469900" algn="l" defTabSz="914400" rtl="0" eaLnBrk="0" fontAlgn="base" latinLnBrk="0" hangingPunct="0">
@@ -7719,7 +7186,6 @@
               <a:buSzTx/>
               <a:buFont typeface="Wingdings" panose="05000000000000000000" pitchFamily="2" charset="2"/>
               <a:buChar char="o"/>
-              <a:tabLst/>
               <a:defRPr/>
             </a:pPr>
             <a:r>
@@ -7738,6 +7204,19 @@
               </a:rPr>
               <a:t>Provide personalized feedback with actionable suggestions for improvement.</a:t>
             </a:r>
+            <a:endParaRPr kumimoji="0" lang="en-US" altLang="en-US" sz="2400" b="0" i="0" u="none" strike="noStrike" kern="0" cap="none" spc="0" normalizeH="0" baseline="0" noProof="0" dirty="0">
+              <a:ln>
+                <a:noFill/>
+              </a:ln>
+              <a:solidFill>
+                <a:srgbClr val="000000"/>
+              </a:solidFill>
+              <a:effectLst/>
+              <a:uLnTx/>
+              <a:uFillTx/>
+              <a:latin typeface="Times New Roman" panose="02020603050405020304" pitchFamily="18" charset="0"/>
+              <a:cs typeface="Times New Roman" panose="02020603050405020304" pitchFamily="18" charset="0"/>
+            </a:endParaRPr>
           </a:p>
           <a:p>
             <a:pPr marL="469900" marR="0" lvl="0" indent="-469900" algn="l" defTabSz="914400" rtl="0" eaLnBrk="0" fontAlgn="base" latinLnBrk="0" hangingPunct="0">
@@ -7756,7 +7235,6 @@
               <a:buSzTx/>
               <a:buFont typeface="Wingdings" panose="05000000000000000000" pitchFamily="2" charset="2"/>
               <a:buChar char="o"/>
-              <a:tabLst/>
               <a:defRPr/>
             </a:pPr>
             <a:r>
@@ -7775,6 +7253,19 @@
               </a:rPr>
               <a:t>Address modern challenges like phone addiction and reduced attention span.</a:t>
             </a:r>
+            <a:endParaRPr kumimoji="0" lang="en-US" altLang="en-US" sz="2400" b="0" i="0" u="none" strike="noStrike" kern="0" cap="none" spc="0" normalizeH="0" baseline="0" noProof="0" dirty="0">
+              <a:ln>
+                <a:noFill/>
+              </a:ln>
+              <a:solidFill>
+                <a:srgbClr val="000000"/>
+              </a:solidFill>
+              <a:effectLst/>
+              <a:uLnTx/>
+              <a:uFillTx/>
+              <a:latin typeface="Times New Roman" panose="02020603050405020304" pitchFamily="18" charset="0"/>
+              <a:cs typeface="Times New Roman" panose="02020603050405020304" pitchFamily="18" charset="0"/>
+            </a:endParaRPr>
           </a:p>
           <a:p>
             <a:pPr marL="469900" marR="0" lvl="0" indent="-469900" algn="l" defTabSz="914400" rtl="0" eaLnBrk="0" fontAlgn="base" latinLnBrk="0" hangingPunct="0">
@@ -7793,7 +7284,6 @@
               <a:buSzTx/>
               <a:buFont typeface="Wingdings" panose="05000000000000000000" pitchFamily="2" charset="2"/>
               <a:buChar char="o"/>
-              <a:tabLst/>
               <a:defRPr/>
             </a:pPr>
             <a:r>
@@ -7812,6 +7302,19 @@
               </a:rPr>
               <a:t>Support parents and educators with comprehensive insights for timely intervention.</a:t>
             </a:r>
+            <a:endParaRPr kumimoji="0" lang="en-US" altLang="en-US" sz="2400" b="0" i="0" u="none" strike="noStrike" kern="0" cap="none" spc="0" normalizeH="0" baseline="0" noProof="0" dirty="0">
+              <a:ln>
+                <a:noFill/>
+              </a:ln>
+              <a:solidFill>
+                <a:srgbClr val="000000"/>
+              </a:solidFill>
+              <a:effectLst/>
+              <a:uLnTx/>
+              <a:uFillTx/>
+              <a:latin typeface="Times New Roman" panose="02020603050405020304" pitchFamily="18" charset="0"/>
+              <a:cs typeface="Times New Roman" panose="02020603050405020304" pitchFamily="18" charset="0"/>
+            </a:endParaRPr>
           </a:p>
           <a:p>
             <a:pPr marL="469900" marR="0" lvl="0" indent="-469900" algn="l" defTabSz="914400" rtl="0" eaLnBrk="0" fontAlgn="base" latinLnBrk="0" hangingPunct="0">
@@ -7830,7 +7333,6 @@
               <a:buSzTx/>
               <a:buFont typeface="Wingdings" panose="05000000000000000000" pitchFamily="2" charset="2"/>
               <a:buChar char="o"/>
-              <a:tabLst/>
               <a:defRPr/>
             </a:pPr>
             <a:r>
@@ -7955,13 +7457,7 @@
       </p:sp>
       <p:sp>
         <p:nvSpPr>
-          <p:cNvPr id="4" name="Date Placeholder 3">
-            <a:extLst>
-              <a:ext uri="{FF2B5EF4-FFF2-40B4-BE49-F238E27FC236}">
-                <a16:creationId xmlns:a16="http://schemas.microsoft.com/office/drawing/2014/main" id="{CC6BF262-39B7-44AE-AD50-07784ABF600F}"/>
-              </a:ext>
-            </a:extLst>
-          </p:cNvPr>
+          <p:cNvPr id="4" name="Date Placeholder 3"/>
           <p:cNvSpPr>
             <a:spLocks noGrp="1"/>
           </p:cNvSpPr>
@@ -7984,13 +7480,7 @@
       </p:sp>
       <p:sp>
         <p:nvSpPr>
-          <p:cNvPr id="5" name="Footer Placeholder 4">
-            <a:extLst>
-              <a:ext uri="{FF2B5EF4-FFF2-40B4-BE49-F238E27FC236}">
-                <a16:creationId xmlns:a16="http://schemas.microsoft.com/office/drawing/2014/main" id="{406900E8-40F4-FD2C-418F-4B63A92D4A7F}"/>
-              </a:ext>
-            </a:extLst>
-          </p:cNvPr>
+          <p:cNvPr id="5" name="Footer Placeholder 4"/>
           <p:cNvSpPr>
             <a:spLocks noGrp="1"/>
           </p:cNvSpPr>
@@ -8013,13 +7503,7 @@
       </p:sp>
       <p:sp>
         <p:nvSpPr>
-          <p:cNvPr id="6" name="Slide Number Placeholder 5">
-            <a:extLst>
-              <a:ext uri="{FF2B5EF4-FFF2-40B4-BE49-F238E27FC236}">
-                <a16:creationId xmlns:a16="http://schemas.microsoft.com/office/drawing/2014/main" id="{C5DE7F8E-147A-1C48-B5E0-51437A1B86AF}"/>
-              </a:ext>
-            </a:extLst>
-          </p:cNvPr>
+          <p:cNvPr id="6" name="Slide Number Placeholder 5"/>
           <p:cNvSpPr>
             <a:spLocks noGrp="1"/>
           </p:cNvSpPr>
@@ -8034,18 +7518,12 @@
           <a:p>
             <a:fld id="{5AB9ECBD-B4DD-40D5-8D24-9ECCDBB1583E}" type="slidenum">
               <a:rPr lang="en-IN" smtClean="0"/>
-              <a:t>4</a:t>
             </a:fld>
             <a:endParaRPr lang="en-IN"/>
           </a:p>
         </p:txBody>
       </p:sp>
     </p:spTree>
-    <p:extLst>
-      <p:ext uri="{BB962C8B-B14F-4D97-AF65-F5344CB8AC3E}">
-        <p14:creationId xmlns:p14="http://schemas.microsoft.com/office/powerpoint/2010/main" val="3339313605"/>
-      </p:ext>
-    </p:extLst>
   </p:cSld>
   <p:clrMapOvr>
     <a:overrideClrMapping bg1="lt1" tx1="dk1" bg2="lt2" tx2="dk2" accent1="accent1" accent2="accent2" accent3="accent3" accent4="accent4" accent5="accent5" accent6="accent6" hlink="hlink" folHlink="folHlink"/>
@@ -8059,7 +7537,7 @@
     <p:bg>
       <p:bgPr>
         <a:blipFill dpi="0" rotWithShape="0">
-          <a:blip r:embed="rId3"/>
+          <a:blip r:embed="rId1"/>
           <a:srcRect/>
           <a:tile tx="0" ty="0" sx="100000" sy="100000" flip="none" algn="tl"/>
         </a:blipFill>
@@ -8082,13 +7560,7 @@
       </p:grpSpPr>
       <p:sp>
         <p:nvSpPr>
-          <p:cNvPr id="2" name="Title 1">
-            <a:extLst>
-              <a:ext uri="{FF2B5EF4-FFF2-40B4-BE49-F238E27FC236}">
-                <a16:creationId xmlns:a16="http://schemas.microsoft.com/office/drawing/2014/main" id="{C48E018A-016D-CA20-9228-A14BE7D00458}"/>
-              </a:ext>
-            </a:extLst>
-          </p:cNvPr>
+          <p:cNvPr id="2" name="Title 1"/>
           <p:cNvSpPr>
             <a:spLocks noGrp="1"/>
           </p:cNvSpPr>
@@ -8115,13 +7587,7 @@
       </p:sp>
       <p:sp>
         <p:nvSpPr>
-          <p:cNvPr id="3" name="Content Placeholder 2">
-            <a:extLst>
-              <a:ext uri="{FF2B5EF4-FFF2-40B4-BE49-F238E27FC236}">
-                <a16:creationId xmlns:a16="http://schemas.microsoft.com/office/drawing/2014/main" id="{01F36FF0-FD4A-EE78-6CA2-4ADCB6BA1B65}"/>
-              </a:ext>
-            </a:extLst>
-          </p:cNvPr>
+          <p:cNvPr id="3" name="Content Placeholder 2"/>
           <p:cNvSpPr>
             <a:spLocks noGrp="1"/>
           </p:cNvSpPr>
@@ -8150,7 +7616,6 @@
               <a:buSzTx/>
               <a:buFont typeface="Wingdings" panose="05000000000000000000" pitchFamily="2" charset="2"/>
               <a:buChar char="o"/>
-              <a:tabLst/>
               <a:defRPr/>
             </a:pPr>
             <a:r>
@@ -8169,6 +7634,19 @@
               </a:rPr>
               <a:t>Intelligent web-based application designed to predict student performance using academic and behavioral data.</a:t>
             </a:r>
+            <a:endParaRPr kumimoji="0" lang="en-US" altLang="en-US" sz="2400" b="0" i="0" u="none" strike="noStrike" kern="0" cap="none" spc="0" normalizeH="0" baseline="0" noProof="0" dirty="0">
+              <a:ln>
+                <a:noFill/>
+              </a:ln>
+              <a:solidFill>
+                <a:srgbClr val="000000"/>
+              </a:solidFill>
+              <a:effectLst/>
+              <a:uLnTx/>
+              <a:uFillTx/>
+              <a:latin typeface="Times New Roman" panose="02020603050405020304" pitchFamily="18" charset="0"/>
+              <a:cs typeface="Times New Roman" panose="02020603050405020304" pitchFamily="18" charset="0"/>
+            </a:endParaRPr>
           </a:p>
           <a:p>
             <a:pPr marL="469900" marR="0" lvl="0" indent="-469900" algn="l" defTabSz="914400" rtl="0" eaLnBrk="0" fontAlgn="base" latinLnBrk="0" hangingPunct="0">
@@ -8187,7 +7665,6 @@
               <a:buSzTx/>
               <a:buFont typeface="Wingdings" panose="05000000000000000000" pitchFamily="2" charset="2"/>
               <a:buChar char="o"/>
-              <a:tabLst/>
               <a:defRPr/>
             </a:pPr>
             <a:r>
@@ -8206,6 +7683,19 @@
               </a:rPr>
               <a:t>Utilizes a trained linear regression model to analyze subject-wise marks, attendance, and phone usage.</a:t>
             </a:r>
+            <a:endParaRPr kumimoji="0" lang="en-US" altLang="en-US" sz="2400" b="0" i="0" u="none" strike="noStrike" kern="0" cap="none" spc="0" normalizeH="0" baseline="0" noProof="0" dirty="0">
+              <a:ln>
+                <a:noFill/>
+              </a:ln>
+              <a:solidFill>
+                <a:srgbClr val="000000"/>
+              </a:solidFill>
+              <a:effectLst/>
+              <a:uLnTx/>
+              <a:uFillTx/>
+              <a:latin typeface="Times New Roman" panose="02020603050405020304" pitchFamily="18" charset="0"/>
+              <a:cs typeface="Times New Roman" panose="02020603050405020304" pitchFamily="18" charset="0"/>
+            </a:endParaRPr>
           </a:p>
           <a:p>
             <a:pPr marL="469900" marR="0" lvl="0" indent="-469900" algn="l" defTabSz="914400" rtl="0" eaLnBrk="0" fontAlgn="base" latinLnBrk="0" hangingPunct="0">
@@ -8224,7 +7714,6 @@
               <a:buSzTx/>
               <a:buFont typeface="Wingdings" panose="05000000000000000000" pitchFamily="2" charset="2"/>
               <a:buChar char="o"/>
-              <a:tabLst/>
               <a:defRPr/>
             </a:pPr>
             <a:r>
@@ -8243,6 +7732,19 @@
               </a:rPr>
               <a:t>Features secure user authentication for personalized tracking and data privacy.</a:t>
             </a:r>
+            <a:endParaRPr kumimoji="0" lang="en-US" altLang="en-US" sz="2400" b="0" i="0" u="none" strike="noStrike" kern="0" cap="none" spc="0" normalizeH="0" baseline="0" noProof="0" dirty="0">
+              <a:ln>
+                <a:noFill/>
+              </a:ln>
+              <a:solidFill>
+                <a:srgbClr val="000000"/>
+              </a:solidFill>
+              <a:effectLst/>
+              <a:uLnTx/>
+              <a:uFillTx/>
+              <a:latin typeface="Times New Roman" panose="02020603050405020304" pitchFamily="18" charset="0"/>
+              <a:cs typeface="Times New Roman" panose="02020603050405020304" pitchFamily="18" charset="0"/>
+            </a:endParaRPr>
           </a:p>
           <a:p>
             <a:pPr marL="469900" marR="0" lvl="0" indent="-469900" algn="l" defTabSz="914400" rtl="0" eaLnBrk="0" fontAlgn="base" latinLnBrk="0" hangingPunct="0">
@@ -8261,7 +7763,6 @@
               <a:buSzTx/>
               <a:buFont typeface="Wingdings" panose="05000000000000000000" pitchFamily="2" charset="2"/>
               <a:buChar char="o"/>
-              <a:tabLst/>
               <a:defRPr/>
             </a:pPr>
             <a:r>
@@ -8280,6 +7781,19 @@
               </a:rPr>
               <a:t>Provides personalized feedback focusing on academics, attendance, and digital behavior.</a:t>
             </a:r>
+            <a:endParaRPr kumimoji="0" lang="en-US" altLang="en-US" sz="2400" b="0" i="0" u="none" strike="noStrike" kern="0" cap="none" spc="0" normalizeH="0" baseline="0" noProof="0" dirty="0">
+              <a:ln>
+                <a:noFill/>
+              </a:ln>
+              <a:solidFill>
+                <a:srgbClr val="000000"/>
+              </a:solidFill>
+              <a:effectLst/>
+              <a:uLnTx/>
+              <a:uFillTx/>
+              <a:latin typeface="Times New Roman" panose="02020603050405020304" pitchFamily="18" charset="0"/>
+              <a:cs typeface="Times New Roman" panose="02020603050405020304" pitchFamily="18" charset="0"/>
+            </a:endParaRPr>
           </a:p>
           <a:p>
             <a:pPr marL="469900" marR="0" lvl="0" indent="-469900" algn="l" defTabSz="914400" rtl="0" eaLnBrk="0" fontAlgn="base" latinLnBrk="0" hangingPunct="0">
@@ -8298,7 +7812,6 @@
               <a:buSzTx/>
               <a:buFont typeface="Wingdings" panose="05000000000000000000" pitchFamily="2" charset="2"/>
               <a:buChar char="o"/>
-              <a:tabLst/>
               <a:defRPr/>
             </a:pPr>
             <a:r>
@@ -8317,6 +7830,19 @@
               </a:rPr>
               <a:t>Introduces attention span estimation through phone usage analysis for a holistic evaluation.</a:t>
             </a:r>
+            <a:endParaRPr kumimoji="0" lang="en-US" altLang="en-US" sz="2400" b="0" i="0" u="none" strike="noStrike" kern="0" cap="none" spc="0" normalizeH="0" baseline="0" noProof="0" dirty="0">
+              <a:ln>
+                <a:noFill/>
+              </a:ln>
+              <a:solidFill>
+                <a:srgbClr val="000000"/>
+              </a:solidFill>
+              <a:effectLst/>
+              <a:uLnTx/>
+              <a:uFillTx/>
+              <a:latin typeface="Times New Roman" panose="02020603050405020304" pitchFamily="18" charset="0"/>
+              <a:cs typeface="Times New Roman" panose="02020603050405020304" pitchFamily="18" charset="0"/>
+            </a:endParaRPr>
           </a:p>
           <a:p>
             <a:pPr marL="469900" marR="0" lvl="0" indent="-469900" algn="l" defTabSz="914400" rtl="0" eaLnBrk="0" fontAlgn="base" latinLnBrk="0" hangingPunct="0">
@@ -8335,7 +7861,6 @@
               <a:buSzTx/>
               <a:buFont typeface="Wingdings" panose="05000000000000000000" pitchFamily="2" charset="2"/>
               <a:buChar char="o"/>
-              <a:tabLst/>
               <a:defRPr/>
             </a:pPr>
             <a:r>
@@ -8396,13 +7921,7 @@
       </p:sp>
       <p:sp>
         <p:nvSpPr>
-          <p:cNvPr id="4" name="Date Placeholder 3">
-            <a:extLst>
-              <a:ext uri="{FF2B5EF4-FFF2-40B4-BE49-F238E27FC236}">
-                <a16:creationId xmlns:a16="http://schemas.microsoft.com/office/drawing/2014/main" id="{CC6BF262-39B7-44AE-AD50-07784ABF600F}"/>
-              </a:ext>
-            </a:extLst>
-          </p:cNvPr>
+          <p:cNvPr id="4" name="Date Placeholder 3"/>
           <p:cNvSpPr>
             <a:spLocks noGrp="1"/>
           </p:cNvSpPr>
@@ -8425,13 +7944,7 @@
       </p:sp>
       <p:sp>
         <p:nvSpPr>
-          <p:cNvPr id="5" name="Footer Placeholder 4">
-            <a:extLst>
-              <a:ext uri="{FF2B5EF4-FFF2-40B4-BE49-F238E27FC236}">
-                <a16:creationId xmlns:a16="http://schemas.microsoft.com/office/drawing/2014/main" id="{406900E8-40F4-FD2C-418F-4B63A92D4A7F}"/>
-              </a:ext>
-            </a:extLst>
-          </p:cNvPr>
+          <p:cNvPr id="5" name="Footer Placeholder 4"/>
           <p:cNvSpPr>
             <a:spLocks noGrp="1"/>
           </p:cNvSpPr>
@@ -8454,13 +7967,7 @@
       </p:sp>
       <p:sp>
         <p:nvSpPr>
-          <p:cNvPr id="6" name="Slide Number Placeholder 5">
-            <a:extLst>
-              <a:ext uri="{FF2B5EF4-FFF2-40B4-BE49-F238E27FC236}">
-                <a16:creationId xmlns:a16="http://schemas.microsoft.com/office/drawing/2014/main" id="{C5DE7F8E-147A-1C48-B5E0-51437A1B86AF}"/>
-              </a:ext>
-            </a:extLst>
-          </p:cNvPr>
+          <p:cNvPr id="6" name="Slide Number Placeholder 5"/>
           <p:cNvSpPr>
             <a:spLocks noGrp="1"/>
           </p:cNvSpPr>
@@ -8475,18 +7982,12 @@
           <a:p>
             <a:fld id="{5AB9ECBD-B4DD-40D5-8D24-9ECCDBB1583E}" type="slidenum">
               <a:rPr lang="en-IN" smtClean="0"/>
-              <a:t>5</a:t>
             </a:fld>
             <a:endParaRPr lang="en-IN"/>
           </a:p>
         </p:txBody>
       </p:sp>
     </p:spTree>
-    <p:extLst>
-      <p:ext uri="{BB962C8B-B14F-4D97-AF65-F5344CB8AC3E}">
-        <p14:creationId xmlns:p14="http://schemas.microsoft.com/office/powerpoint/2010/main" val="3534483171"/>
-      </p:ext>
-    </p:extLst>
   </p:cSld>
   <p:clrMapOvr>
     <a:overrideClrMapping bg1="lt1" tx1="dk1" bg2="lt2" tx2="dk2" accent1="accent1" accent2="accent2" accent3="accent3" accent4="accent4" accent5="accent5" accent6="accent6" hlink="hlink" folHlink="folHlink"/>
@@ -8513,13 +8014,7 @@
       </p:grpSpPr>
       <p:sp>
         <p:nvSpPr>
-          <p:cNvPr id="2" name="Title 1">
-            <a:extLst>
-              <a:ext uri="{FF2B5EF4-FFF2-40B4-BE49-F238E27FC236}">
-                <a16:creationId xmlns:a16="http://schemas.microsoft.com/office/drawing/2014/main" id="{C48E018A-016D-CA20-9228-A14BE7D00458}"/>
-              </a:ext>
-            </a:extLst>
-          </p:cNvPr>
+          <p:cNvPr id="2" name="Title 1"/>
           <p:cNvSpPr>
             <a:spLocks noGrp="1"/>
           </p:cNvSpPr>
@@ -8546,13 +8041,7 @@
       </p:sp>
       <p:sp>
         <p:nvSpPr>
-          <p:cNvPr id="3" name="Content Placeholder 2">
-            <a:extLst>
-              <a:ext uri="{FF2B5EF4-FFF2-40B4-BE49-F238E27FC236}">
-                <a16:creationId xmlns:a16="http://schemas.microsoft.com/office/drawing/2014/main" id="{01F36FF0-FD4A-EE78-6CA2-4ADCB6BA1B65}"/>
-              </a:ext>
-            </a:extLst>
-          </p:cNvPr>
+          <p:cNvPr id="3" name="Content Placeholder 2"/>
           <p:cNvSpPr>
             <a:spLocks noGrp="1"/>
           </p:cNvSpPr>
@@ -8581,7 +8070,6 @@
               <a:buSzTx/>
               <a:buFont typeface="Wingdings" panose="05000000000000000000" pitchFamily="2" charset="2"/>
               <a:buChar char="o"/>
-              <a:tabLst/>
               <a:defRPr/>
             </a:pPr>
             <a:r>
@@ -8591,6 +8079,10 @@
               </a:rPr>
               <a:t>Uses a machine learning model (linear regression) to predict final academic scores.</a:t>
             </a:r>
+            <a:endParaRPr lang="en-US" sz="2400" dirty="0">
+              <a:latin typeface="Times New Roman" panose="02020603050405020304" pitchFamily="18" charset="0"/>
+              <a:cs typeface="Times New Roman" panose="02020603050405020304" pitchFamily="18" charset="0"/>
+            </a:endParaRPr>
           </a:p>
           <a:p>
             <a:pPr marL="469900" marR="0" lvl="0" indent="-469900" algn="l" defTabSz="914400" rtl="0" eaLnBrk="0" fontAlgn="base" latinLnBrk="0" hangingPunct="0">
@@ -8609,7 +8101,6 @@
               <a:buSzTx/>
               <a:buFont typeface="Wingdings" panose="05000000000000000000" pitchFamily="2" charset="2"/>
               <a:buChar char="o"/>
-              <a:tabLst/>
               <a:defRPr/>
             </a:pPr>
             <a:r>
@@ -8619,6 +8110,10 @@
               </a:rPr>
               <a:t>Analyzes subject-wise marks, attendance percentage, and phone usage hours.</a:t>
             </a:r>
+            <a:endParaRPr lang="en-US" sz="2400" dirty="0">
+              <a:latin typeface="Times New Roman" panose="02020603050405020304" pitchFamily="18" charset="0"/>
+              <a:cs typeface="Times New Roman" panose="02020603050405020304" pitchFamily="18" charset="0"/>
+            </a:endParaRPr>
           </a:p>
           <a:p>
             <a:pPr marL="469900" marR="0" lvl="0" indent="-469900" algn="l" defTabSz="914400" rtl="0" eaLnBrk="0" fontAlgn="base" latinLnBrk="0" hangingPunct="0">
@@ -8637,7 +8132,6 @@
               <a:buSzTx/>
               <a:buFont typeface="Wingdings" panose="05000000000000000000" pitchFamily="2" charset="2"/>
               <a:buChar char="o"/>
-              <a:tabLst/>
               <a:defRPr/>
             </a:pPr>
             <a:r>
@@ -8647,6 +8141,10 @@
               </a:rPr>
               <a:t>Estimates attention span indirectly through daily phone usage patterns.</a:t>
             </a:r>
+            <a:endParaRPr lang="en-US" sz="2400" dirty="0">
+              <a:latin typeface="Times New Roman" panose="02020603050405020304" pitchFamily="18" charset="0"/>
+              <a:cs typeface="Times New Roman" panose="02020603050405020304" pitchFamily="18" charset="0"/>
+            </a:endParaRPr>
           </a:p>
           <a:p>
             <a:pPr marL="469900" marR="0" lvl="0" indent="-469900" algn="l" defTabSz="914400" rtl="0" eaLnBrk="0" fontAlgn="base" latinLnBrk="0" hangingPunct="0">
@@ -8665,7 +8163,6 @@
               <a:buSzTx/>
               <a:buFont typeface="Wingdings" panose="05000000000000000000" pitchFamily="2" charset="2"/>
               <a:buChar char="o"/>
-              <a:tabLst/>
               <a:defRPr/>
             </a:pPr>
             <a:r>
@@ -8675,6 +8172,10 @@
               </a:rPr>
               <a:t>Provides personalized feedback to help students improve academic focus and habits.</a:t>
             </a:r>
+            <a:endParaRPr lang="en-US" sz="2400" dirty="0">
+              <a:latin typeface="Times New Roman" panose="02020603050405020304" pitchFamily="18" charset="0"/>
+              <a:cs typeface="Times New Roman" panose="02020603050405020304" pitchFamily="18" charset="0"/>
+            </a:endParaRPr>
           </a:p>
           <a:p>
             <a:pPr marL="469900" marR="0" lvl="0" indent="-469900" algn="l" defTabSz="914400" rtl="0" eaLnBrk="0" fontAlgn="base" latinLnBrk="0" hangingPunct="0">
@@ -8693,7 +8194,6 @@
               <a:buSzTx/>
               <a:buFont typeface="Wingdings" panose="05000000000000000000" pitchFamily="2" charset="2"/>
               <a:buChar char="o"/>
-              <a:tabLst/>
               <a:defRPr/>
             </a:pPr>
             <a:r>
@@ -8703,6 +8203,10 @@
               </a:rPr>
               <a:t>Offers a secure, interactive web platform with user login for personalized tracking.</a:t>
             </a:r>
+            <a:endParaRPr lang="en-US" sz="2400" dirty="0">
+              <a:latin typeface="Times New Roman" panose="02020603050405020304" pitchFamily="18" charset="0"/>
+              <a:cs typeface="Times New Roman" panose="02020603050405020304" pitchFamily="18" charset="0"/>
+            </a:endParaRPr>
           </a:p>
           <a:p>
             <a:pPr marL="469900" marR="0" lvl="0" indent="-469900" algn="l" defTabSz="914400" rtl="0" eaLnBrk="0" fontAlgn="base" latinLnBrk="0" hangingPunct="0">
@@ -8721,7 +8225,6 @@
               <a:buSzTx/>
               <a:buFont typeface="Wingdings" panose="05000000000000000000" pitchFamily="2" charset="2"/>
               <a:buChar char="o"/>
-              <a:tabLst/>
               <a:defRPr/>
             </a:pPr>
             <a:r>
@@ -8740,13 +8243,7 @@
       </p:sp>
       <p:sp>
         <p:nvSpPr>
-          <p:cNvPr id="4" name="Date Placeholder 3">
-            <a:extLst>
-              <a:ext uri="{FF2B5EF4-FFF2-40B4-BE49-F238E27FC236}">
-                <a16:creationId xmlns:a16="http://schemas.microsoft.com/office/drawing/2014/main" id="{CC6BF262-39B7-44AE-AD50-07784ABF600F}"/>
-              </a:ext>
-            </a:extLst>
-          </p:cNvPr>
+          <p:cNvPr id="4" name="Date Placeholder 3"/>
           <p:cNvSpPr>
             <a:spLocks noGrp="1"/>
           </p:cNvSpPr>
@@ -8769,13 +8266,7 @@
       </p:sp>
       <p:sp>
         <p:nvSpPr>
-          <p:cNvPr id="5" name="Footer Placeholder 4">
-            <a:extLst>
-              <a:ext uri="{FF2B5EF4-FFF2-40B4-BE49-F238E27FC236}">
-                <a16:creationId xmlns:a16="http://schemas.microsoft.com/office/drawing/2014/main" id="{406900E8-40F4-FD2C-418F-4B63A92D4A7F}"/>
-              </a:ext>
-            </a:extLst>
-          </p:cNvPr>
+          <p:cNvPr id="5" name="Footer Placeholder 4"/>
           <p:cNvSpPr>
             <a:spLocks noGrp="1"/>
           </p:cNvSpPr>
@@ -8798,13 +8289,7 @@
       </p:sp>
       <p:sp>
         <p:nvSpPr>
-          <p:cNvPr id="6" name="Slide Number Placeholder 5">
-            <a:extLst>
-              <a:ext uri="{FF2B5EF4-FFF2-40B4-BE49-F238E27FC236}">
-                <a16:creationId xmlns:a16="http://schemas.microsoft.com/office/drawing/2014/main" id="{C5DE7F8E-147A-1C48-B5E0-51437A1B86AF}"/>
-              </a:ext>
-            </a:extLst>
-          </p:cNvPr>
+          <p:cNvPr id="6" name="Slide Number Placeholder 5"/>
           <p:cNvSpPr>
             <a:spLocks noGrp="1"/>
           </p:cNvSpPr>
@@ -8819,18 +8304,12 @@
           <a:p>
             <a:fld id="{5AB9ECBD-B4DD-40D5-8D24-9ECCDBB1583E}" type="slidenum">
               <a:rPr lang="en-IN" smtClean="0"/>
-              <a:t>6</a:t>
             </a:fld>
             <a:endParaRPr lang="en-IN"/>
           </a:p>
         </p:txBody>
       </p:sp>
     </p:spTree>
-    <p:extLst>
-      <p:ext uri="{BB962C8B-B14F-4D97-AF65-F5344CB8AC3E}">
-        <p14:creationId xmlns:p14="http://schemas.microsoft.com/office/powerpoint/2010/main" val="3488894654"/>
-      </p:ext>
-    </p:extLst>
   </p:cSld>
   <p:clrMapOvr>
     <a:masterClrMapping/>
@@ -8857,13 +8336,7 @@
       </p:grpSpPr>
       <p:sp>
         <p:nvSpPr>
-          <p:cNvPr id="2" name="Title 1">
-            <a:extLst>
-              <a:ext uri="{FF2B5EF4-FFF2-40B4-BE49-F238E27FC236}">
-                <a16:creationId xmlns:a16="http://schemas.microsoft.com/office/drawing/2014/main" id="{C48E018A-016D-CA20-9228-A14BE7D00458}"/>
-              </a:ext>
-            </a:extLst>
-          </p:cNvPr>
+          <p:cNvPr id="2" name="Title 1"/>
           <p:cNvSpPr>
             <a:spLocks noGrp="1"/>
           </p:cNvSpPr>
@@ -8890,13 +8363,7 @@
       </p:sp>
       <p:sp>
         <p:nvSpPr>
-          <p:cNvPr id="3" name="Content Placeholder 2">
-            <a:extLst>
-              <a:ext uri="{FF2B5EF4-FFF2-40B4-BE49-F238E27FC236}">
-                <a16:creationId xmlns:a16="http://schemas.microsoft.com/office/drawing/2014/main" id="{01F36FF0-FD4A-EE78-6CA2-4ADCB6BA1B65}"/>
-              </a:ext>
-            </a:extLst>
-          </p:cNvPr>
+          <p:cNvPr id="3" name="Content Placeholder 2"/>
           <p:cNvSpPr>
             <a:spLocks noGrp="1"/>
           </p:cNvSpPr>
@@ -8938,6 +8405,12 @@
               </a:rPr>
               <a:t>The system is divided into User Interface, Application Layer, Machine Learning Models, and Data Layer for modular and maintainable design.</a:t>
             </a:r>
+            <a:endParaRPr lang="en-US" sz="2400" kern="0" dirty="0">
+              <a:effectLst/>
+              <a:latin typeface="Times New Roman" panose="02020603050405020304" pitchFamily="18" charset="0"/>
+              <a:ea typeface="Times New Roman" panose="02020603050405020304" pitchFamily="18" charset="0"/>
+              <a:cs typeface="Times New Roman" panose="02020603050405020304" pitchFamily="18" charset="0"/>
+            </a:endParaRPr>
           </a:p>
           <a:p>
             <a:pPr>
@@ -8964,6 +8437,12 @@
               </a:rPr>
               <a:t>: Utilizes two Random Forest models — one for academic performance prediction and another for estimating attention span based on phone usage.</a:t>
             </a:r>
+            <a:endParaRPr lang="en-US" sz="2400" kern="0" dirty="0">
+              <a:effectLst/>
+              <a:latin typeface="Times New Roman" panose="02020603050405020304" pitchFamily="18" charset="0"/>
+              <a:ea typeface="Times New Roman" panose="02020603050405020304" pitchFamily="18" charset="0"/>
+              <a:cs typeface="Times New Roman" panose="02020603050405020304" pitchFamily="18" charset="0"/>
+            </a:endParaRPr>
           </a:p>
           <a:p>
             <a:pPr>
@@ -8990,6 +8469,12 @@
               </a:rPr>
               <a:t>: Acts as the central logic unit, linking user input with model outputs and feedback generation.</a:t>
             </a:r>
+            <a:endParaRPr lang="en-US" sz="2400" kern="0" dirty="0">
+              <a:effectLst/>
+              <a:latin typeface="Times New Roman" panose="02020603050405020304" pitchFamily="18" charset="0"/>
+              <a:ea typeface="Times New Roman" panose="02020603050405020304" pitchFamily="18" charset="0"/>
+              <a:cs typeface="Times New Roman" panose="02020603050405020304" pitchFamily="18" charset="0"/>
+            </a:endParaRPr>
           </a:p>
           <a:p>
             <a:pPr marL="0" indent="0">
@@ -9009,7 +8494,7 @@
               <a:effectLst/>
               <a:uLnTx/>
               <a:uFillTx/>
-              <a:latin typeface="Verdana"/>
+              <a:latin typeface="Verdana" panose="020B0604030504040204"/>
               <a:ea typeface="+mn-ea"/>
               <a:cs typeface="+mn-cs"/>
             </a:endParaRPr>
@@ -9024,13 +8509,7 @@
       </p:sp>
       <p:sp>
         <p:nvSpPr>
-          <p:cNvPr id="4" name="Date Placeholder 3">
-            <a:extLst>
-              <a:ext uri="{FF2B5EF4-FFF2-40B4-BE49-F238E27FC236}">
-                <a16:creationId xmlns:a16="http://schemas.microsoft.com/office/drawing/2014/main" id="{CC6BF262-39B7-44AE-AD50-07784ABF600F}"/>
-              </a:ext>
-            </a:extLst>
-          </p:cNvPr>
+          <p:cNvPr id="4" name="Date Placeholder 3"/>
           <p:cNvSpPr>
             <a:spLocks noGrp="1"/>
           </p:cNvSpPr>
@@ -9053,13 +8532,7 @@
       </p:sp>
       <p:sp>
         <p:nvSpPr>
-          <p:cNvPr id="5" name="Footer Placeholder 4">
-            <a:extLst>
-              <a:ext uri="{FF2B5EF4-FFF2-40B4-BE49-F238E27FC236}">
-                <a16:creationId xmlns:a16="http://schemas.microsoft.com/office/drawing/2014/main" id="{406900E8-40F4-FD2C-418F-4B63A92D4A7F}"/>
-              </a:ext>
-            </a:extLst>
-          </p:cNvPr>
+          <p:cNvPr id="5" name="Footer Placeholder 4"/>
           <p:cNvSpPr>
             <a:spLocks noGrp="1"/>
           </p:cNvSpPr>
@@ -9082,13 +8555,7 @@
       </p:sp>
       <p:sp>
         <p:nvSpPr>
-          <p:cNvPr id="6" name="Slide Number Placeholder 5">
-            <a:extLst>
-              <a:ext uri="{FF2B5EF4-FFF2-40B4-BE49-F238E27FC236}">
-                <a16:creationId xmlns:a16="http://schemas.microsoft.com/office/drawing/2014/main" id="{C5DE7F8E-147A-1C48-B5E0-51437A1B86AF}"/>
-              </a:ext>
-            </a:extLst>
-          </p:cNvPr>
+          <p:cNvPr id="6" name="Slide Number Placeholder 5"/>
           <p:cNvSpPr>
             <a:spLocks noGrp="1"/>
           </p:cNvSpPr>
@@ -9103,7 +8570,6 @@
           <a:p>
             <a:fld id="{5AB9ECBD-B4DD-40D5-8D24-9ECCDBB1583E}" type="slidenum">
               <a:rPr lang="en-IN" smtClean="0"/>
-              <a:t>7</a:t>
             </a:fld>
             <a:endParaRPr lang="en-IN"/>
           </a:p>
@@ -9111,20 +8577,14 @@
       </p:sp>
       <p:pic>
         <p:nvPicPr>
-          <p:cNvPr id="9" name="Picture 8">
-            <a:extLst>
-              <a:ext uri="{FF2B5EF4-FFF2-40B4-BE49-F238E27FC236}">
-                <a16:creationId xmlns:a16="http://schemas.microsoft.com/office/drawing/2014/main" id="{03F8E1E1-239B-658E-A249-C919887F7EC7}"/>
-              </a:ext>
-            </a:extLst>
-          </p:cNvPr>
+          <p:cNvPr id="9" name="Picture 8"/>
           <p:cNvPicPr>
             <a:picLocks noChangeAspect="1"/>
           </p:cNvPicPr>
           <p:nvPr/>
         </p:nvPicPr>
         <p:blipFill>
-          <a:blip r:embed="rId2">
+          <a:blip r:embed="rId1">
             <a:extLst>
               <a:ext uri="{28A0092B-C50C-407E-A947-70E740481C1C}">
                 <a14:useLocalDpi xmlns:a14="http://schemas.microsoft.com/office/drawing/2010/main" val="0"/>
@@ -9146,11 +8606,6 @@
         </p:spPr>
       </p:pic>
     </p:spTree>
-    <p:extLst>
-      <p:ext uri="{BB962C8B-B14F-4D97-AF65-F5344CB8AC3E}">
-        <p14:creationId xmlns:p14="http://schemas.microsoft.com/office/powerpoint/2010/main" val="1066777925"/>
-      </p:ext>
-    </p:extLst>
   </p:cSld>
   <p:clrMapOvr>
     <a:masterClrMapping/>
@@ -9177,13 +8632,7 @@
       </p:grpSpPr>
       <p:sp>
         <p:nvSpPr>
-          <p:cNvPr id="2" name="Title 1">
-            <a:extLst>
-              <a:ext uri="{FF2B5EF4-FFF2-40B4-BE49-F238E27FC236}">
-                <a16:creationId xmlns:a16="http://schemas.microsoft.com/office/drawing/2014/main" id="{C48E018A-016D-CA20-9228-A14BE7D00458}"/>
-              </a:ext>
-            </a:extLst>
-          </p:cNvPr>
+          <p:cNvPr id="2" name="Title 1"/>
           <p:cNvSpPr>
             <a:spLocks noGrp="1"/>
           </p:cNvSpPr>
@@ -9210,13 +8659,7 @@
       </p:sp>
       <p:sp>
         <p:nvSpPr>
-          <p:cNvPr id="3" name="Content Placeholder 2">
-            <a:extLst>
-              <a:ext uri="{FF2B5EF4-FFF2-40B4-BE49-F238E27FC236}">
-                <a16:creationId xmlns:a16="http://schemas.microsoft.com/office/drawing/2014/main" id="{01F36FF0-FD4A-EE78-6CA2-4ADCB6BA1B65}"/>
-              </a:ext>
-            </a:extLst>
-          </p:cNvPr>
+          <p:cNvPr id="3" name="Content Placeholder 2"/>
           <p:cNvSpPr>
             <a:spLocks noGrp="1"/>
           </p:cNvSpPr>
@@ -9245,7 +8688,6 @@
               <a:buSzTx/>
               <a:buFont typeface="Wingdings" panose="05000000000000000000" pitchFamily="2" charset="2"/>
               <a:buChar char="o"/>
-              <a:tabLst/>
               <a:defRPr/>
             </a:pPr>
             <a:r>
@@ -9280,6 +8722,19 @@
               </a:rPr>
               <a:t>: Builds the web-based user interface for user interaction.</a:t>
             </a:r>
+            <a:endParaRPr kumimoji="0" lang="en-IN" altLang="en-US" sz="2400" b="0" i="0" u="none" strike="noStrike" kern="0" cap="none" spc="0" normalizeH="0" baseline="0" noProof="0" dirty="0">
+              <a:ln>
+                <a:noFill/>
+              </a:ln>
+              <a:solidFill>
+                <a:srgbClr val="000000"/>
+              </a:solidFill>
+              <a:effectLst/>
+              <a:uLnTx/>
+              <a:uFillTx/>
+              <a:latin typeface="Times New Roman" panose="02020603050405020304" pitchFamily="18" charset="0"/>
+              <a:cs typeface="Times New Roman" panose="02020603050405020304" pitchFamily="18" charset="0"/>
+            </a:endParaRPr>
           </a:p>
           <a:p>
             <a:pPr marL="469900" marR="0" lvl="0" indent="-469900" algn="l" defTabSz="914400" rtl="0" eaLnBrk="0" fontAlgn="base" latinLnBrk="0" hangingPunct="0">
@@ -9298,7 +8753,6 @@
               <a:buSzTx/>
               <a:buFont typeface="Wingdings" panose="05000000000000000000" pitchFamily="2" charset="2"/>
               <a:buChar char="o"/>
-              <a:tabLst/>
               <a:defRPr/>
             </a:pPr>
             <a:r>
@@ -9317,6 +8771,19 @@
               </a:rPr>
               <a:t>Python: Core language for system development and machine learning.</a:t>
             </a:r>
+            <a:endParaRPr kumimoji="0" lang="en-IN" altLang="en-US" sz="2400" b="0" i="0" u="none" strike="noStrike" kern="0" cap="none" spc="0" normalizeH="0" baseline="0" noProof="0" dirty="0">
+              <a:ln>
+                <a:noFill/>
+              </a:ln>
+              <a:solidFill>
+                <a:srgbClr val="000000"/>
+              </a:solidFill>
+              <a:effectLst/>
+              <a:uLnTx/>
+              <a:uFillTx/>
+              <a:latin typeface="Times New Roman" panose="02020603050405020304" pitchFamily="18" charset="0"/>
+              <a:cs typeface="Times New Roman" panose="02020603050405020304" pitchFamily="18" charset="0"/>
+            </a:endParaRPr>
           </a:p>
           <a:p>
             <a:pPr marL="469900" marR="0" lvl="0" indent="-469900" algn="l" defTabSz="914400" rtl="0" eaLnBrk="0" fontAlgn="base" latinLnBrk="0" hangingPunct="0">
@@ -9335,7 +8802,6 @@
               <a:buSzTx/>
               <a:buFont typeface="Wingdings" panose="05000000000000000000" pitchFamily="2" charset="2"/>
               <a:buChar char="o"/>
-              <a:tabLst/>
               <a:defRPr/>
             </a:pPr>
             <a:r>
@@ -9354,6 +8820,19 @@
               </a:rPr>
               <a:t>Scikit-learn: Implements the linear regression model for student performance prediction.</a:t>
             </a:r>
+            <a:endParaRPr kumimoji="0" lang="en-IN" altLang="en-US" sz="2400" b="0" i="0" u="none" strike="noStrike" kern="0" cap="none" spc="0" normalizeH="0" baseline="0" noProof="0" dirty="0">
+              <a:ln>
+                <a:noFill/>
+              </a:ln>
+              <a:solidFill>
+                <a:srgbClr val="000000"/>
+              </a:solidFill>
+              <a:effectLst/>
+              <a:uLnTx/>
+              <a:uFillTx/>
+              <a:latin typeface="Times New Roman" panose="02020603050405020304" pitchFamily="18" charset="0"/>
+              <a:cs typeface="Times New Roman" panose="02020603050405020304" pitchFamily="18" charset="0"/>
+            </a:endParaRPr>
           </a:p>
           <a:p>
             <a:pPr marL="469900" marR="0" lvl="0" indent="-469900" algn="l" defTabSz="914400" rtl="0" eaLnBrk="0" fontAlgn="base" latinLnBrk="0" hangingPunct="0">
@@ -9372,7 +8851,6 @@
               <a:buSzTx/>
               <a:buFont typeface="Wingdings" panose="05000000000000000000" pitchFamily="2" charset="2"/>
               <a:buChar char="o"/>
-              <a:tabLst/>
               <a:defRPr/>
             </a:pPr>
             <a:r>
@@ -9391,6 +8869,19 @@
               </a:rPr>
               <a:t>Pandas: Handles data manipulation and preprocessing tasks.</a:t>
             </a:r>
+            <a:endParaRPr kumimoji="0" lang="en-IN" altLang="en-US" sz="2400" b="0" i="0" u="none" strike="noStrike" kern="0" cap="none" spc="0" normalizeH="0" baseline="0" noProof="0" dirty="0">
+              <a:ln>
+                <a:noFill/>
+              </a:ln>
+              <a:solidFill>
+                <a:srgbClr val="000000"/>
+              </a:solidFill>
+              <a:effectLst/>
+              <a:uLnTx/>
+              <a:uFillTx/>
+              <a:latin typeface="Times New Roman" panose="02020603050405020304" pitchFamily="18" charset="0"/>
+              <a:cs typeface="Times New Roman" panose="02020603050405020304" pitchFamily="18" charset="0"/>
+            </a:endParaRPr>
           </a:p>
           <a:p>
             <a:pPr marL="469900" marR="0" lvl="0" indent="-469900" algn="l" defTabSz="914400" rtl="0" eaLnBrk="0" fontAlgn="base" latinLnBrk="0" hangingPunct="0">
@@ -9409,7 +8900,6 @@
               <a:buSzTx/>
               <a:buFont typeface="Wingdings" panose="05000000000000000000" pitchFamily="2" charset="2"/>
               <a:buChar char="o"/>
-              <a:tabLst/>
               <a:defRPr/>
             </a:pPr>
             <a:r>
@@ -9428,6 +8918,19 @@
               </a:rPr>
               <a:t>NumPy: Supports numerical operations and efficient data handling.</a:t>
             </a:r>
+            <a:endParaRPr kumimoji="0" lang="en-IN" altLang="en-US" sz="2400" b="0" i="0" u="none" strike="noStrike" kern="0" cap="none" spc="0" normalizeH="0" baseline="0" noProof="0" dirty="0">
+              <a:ln>
+                <a:noFill/>
+              </a:ln>
+              <a:solidFill>
+                <a:srgbClr val="000000"/>
+              </a:solidFill>
+              <a:effectLst/>
+              <a:uLnTx/>
+              <a:uFillTx/>
+              <a:latin typeface="Times New Roman" panose="02020603050405020304" pitchFamily="18" charset="0"/>
+              <a:cs typeface="Times New Roman" panose="02020603050405020304" pitchFamily="18" charset="0"/>
+            </a:endParaRPr>
           </a:p>
           <a:p>
             <a:pPr marL="469900" marR="0" lvl="0" indent="-469900" algn="l" defTabSz="914400" rtl="0" eaLnBrk="0" fontAlgn="base" latinLnBrk="0" hangingPunct="0">
@@ -9446,7 +8949,6 @@
               <a:buSzTx/>
               <a:buFont typeface="Wingdings" panose="05000000000000000000" pitchFamily="2" charset="2"/>
               <a:buChar char="o"/>
-              <a:tabLst/>
               <a:defRPr/>
             </a:pPr>
             <a:r>
@@ -9465,6 +8967,19 @@
               </a:rPr>
               <a:t>Flask: Serves as the backend framework to integrate the ML model and handle HTTP requests.</a:t>
             </a:r>
+            <a:endParaRPr kumimoji="0" lang="en-US" altLang="en-US" sz="2400" b="0" i="0" u="none" strike="noStrike" kern="0" cap="none" spc="0" normalizeH="0" baseline="0" noProof="0" dirty="0">
+              <a:ln>
+                <a:noFill/>
+              </a:ln>
+              <a:solidFill>
+                <a:srgbClr val="000000"/>
+              </a:solidFill>
+              <a:effectLst/>
+              <a:uLnTx/>
+              <a:uFillTx/>
+              <a:latin typeface="Times New Roman" panose="02020603050405020304" pitchFamily="18" charset="0"/>
+              <a:cs typeface="Times New Roman" panose="02020603050405020304" pitchFamily="18" charset="0"/>
+            </a:endParaRPr>
           </a:p>
           <a:p>
             <a:pPr marL="469900" marR="0" lvl="0" indent="-469900" algn="l" defTabSz="914400" rtl="0" eaLnBrk="0" fontAlgn="base" latinLnBrk="0" hangingPunct="0">
@@ -9483,7 +8998,6 @@
               <a:buSzTx/>
               <a:buFont typeface="Wingdings" panose="05000000000000000000" pitchFamily="2" charset="2"/>
               <a:buChar char="o"/>
-              <a:tabLst/>
               <a:defRPr/>
             </a:pPr>
             <a:r>
@@ -9544,13 +9058,7 @@
       </p:sp>
       <p:sp>
         <p:nvSpPr>
-          <p:cNvPr id="4" name="Date Placeholder 3">
-            <a:extLst>
-              <a:ext uri="{FF2B5EF4-FFF2-40B4-BE49-F238E27FC236}">
-                <a16:creationId xmlns:a16="http://schemas.microsoft.com/office/drawing/2014/main" id="{CC6BF262-39B7-44AE-AD50-07784ABF600F}"/>
-              </a:ext>
-            </a:extLst>
-          </p:cNvPr>
+          <p:cNvPr id="4" name="Date Placeholder 3"/>
           <p:cNvSpPr>
             <a:spLocks noGrp="1"/>
           </p:cNvSpPr>
@@ -9573,13 +9081,7 @@
       </p:sp>
       <p:sp>
         <p:nvSpPr>
-          <p:cNvPr id="5" name="Footer Placeholder 4">
-            <a:extLst>
-              <a:ext uri="{FF2B5EF4-FFF2-40B4-BE49-F238E27FC236}">
-                <a16:creationId xmlns:a16="http://schemas.microsoft.com/office/drawing/2014/main" id="{406900E8-40F4-FD2C-418F-4B63A92D4A7F}"/>
-              </a:ext>
-            </a:extLst>
-          </p:cNvPr>
+          <p:cNvPr id="5" name="Footer Placeholder 4"/>
           <p:cNvSpPr>
             <a:spLocks noGrp="1"/>
           </p:cNvSpPr>
@@ -9602,13 +9104,7 @@
       </p:sp>
       <p:sp>
         <p:nvSpPr>
-          <p:cNvPr id="6" name="Slide Number Placeholder 5">
-            <a:extLst>
-              <a:ext uri="{FF2B5EF4-FFF2-40B4-BE49-F238E27FC236}">
-                <a16:creationId xmlns:a16="http://schemas.microsoft.com/office/drawing/2014/main" id="{C5DE7F8E-147A-1C48-B5E0-51437A1B86AF}"/>
-              </a:ext>
-            </a:extLst>
-          </p:cNvPr>
+          <p:cNvPr id="6" name="Slide Number Placeholder 5"/>
           <p:cNvSpPr>
             <a:spLocks noGrp="1"/>
           </p:cNvSpPr>
@@ -9623,18 +9119,12 @@
           <a:p>
             <a:fld id="{5AB9ECBD-B4DD-40D5-8D24-9ECCDBB1583E}" type="slidenum">
               <a:rPr lang="en-IN" smtClean="0"/>
-              <a:t>8</a:t>
             </a:fld>
             <a:endParaRPr lang="en-IN"/>
           </a:p>
         </p:txBody>
       </p:sp>
     </p:spTree>
-    <p:extLst>
-      <p:ext uri="{BB962C8B-B14F-4D97-AF65-F5344CB8AC3E}">
-        <p14:creationId xmlns:p14="http://schemas.microsoft.com/office/powerpoint/2010/main" val="651015986"/>
-      </p:ext>
-    </p:extLst>
   </p:cSld>
   <p:clrMapOvr>
     <a:masterClrMapping/>
@@ -9661,13 +9151,7 @@
       </p:grpSpPr>
       <p:sp>
         <p:nvSpPr>
-          <p:cNvPr id="2" name="Title 1">
-            <a:extLst>
-              <a:ext uri="{FF2B5EF4-FFF2-40B4-BE49-F238E27FC236}">
-                <a16:creationId xmlns:a16="http://schemas.microsoft.com/office/drawing/2014/main" id="{C48E018A-016D-CA20-9228-A14BE7D00458}"/>
-              </a:ext>
-            </a:extLst>
-          </p:cNvPr>
+          <p:cNvPr id="2" name="Title 1"/>
           <p:cNvSpPr>
             <a:spLocks noGrp="1"/>
           </p:cNvSpPr>
@@ -9694,13 +9178,7 @@
       </p:sp>
       <p:sp>
         <p:nvSpPr>
-          <p:cNvPr id="3" name="Content Placeholder 2">
-            <a:extLst>
-              <a:ext uri="{FF2B5EF4-FFF2-40B4-BE49-F238E27FC236}">
-                <a16:creationId xmlns:a16="http://schemas.microsoft.com/office/drawing/2014/main" id="{01F36FF0-FD4A-EE78-6CA2-4ADCB6BA1B65}"/>
-              </a:ext>
-            </a:extLst>
-          </p:cNvPr>
+          <p:cNvPr id="3" name="Content Placeholder 2"/>
           <p:cNvSpPr>
             <a:spLocks noGrp="1"/>
           </p:cNvSpPr>
@@ -9734,7 +9212,6 @@
               <a:buSzTx/>
               <a:buFont typeface="Wingdings" panose="05000000000000000000" pitchFamily="2" charset="2"/>
               <a:buChar char="o"/>
-              <a:tabLst/>
               <a:defRPr/>
             </a:pPr>
             <a:r>
@@ -9753,6 +9230,19 @@
               </a:rPr>
               <a:t>User Interface Module collects student details and displays performance predictions.</a:t>
             </a:r>
+            <a:endParaRPr kumimoji="0" lang="en-US" altLang="en-US" sz="2400" b="0" i="0" u="none" strike="noStrike" kern="0" cap="none" spc="0" normalizeH="0" baseline="0" noProof="0" dirty="0">
+              <a:ln>
+                <a:noFill/>
+              </a:ln>
+              <a:solidFill>
+                <a:srgbClr val="000000"/>
+              </a:solidFill>
+              <a:effectLst/>
+              <a:uLnTx/>
+              <a:uFillTx/>
+              <a:latin typeface="Times New Roman" panose="02020603050405020304" pitchFamily="18" charset="0"/>
+              <a:cs typeface="Times New Roman" panose="02020603050405020304" pitchFamily="18" charset="0"/>
+            </a:endParaRPr>
           </a:p>
           <a:p>
             <a:pPr marL="469900" marR="0" lvl="0" indent="-469900" algn="l" defTabSz="914400" rtl="0" eaLnBrk="0" fontAlgn="base" latinLnBrk="0" hangingPunct="0">
@@ -9771,7 +9261,6 @@
               <a:buSzTx/>
               <a:buFont typeface="Wingdings" panose="05000000000000000000" pitchFamily="2" charset="2"/>
               <a:buChar char="o"/>
-              <a:tabLst/>
               <a:defRPr/>
             </a:pPr>
             <a:r>
@@ -9790,6 +9279,19 @@
               </a:rPr>
               <a:t>Backend Server Module manages data flow between the frontend and the prediction engine.</a:t>
             </a:r>
+            <a:endParaRPr kumimoji="0" lang="en-US" altLang="en-US" sz="2400" b="0" i="0" u="none" strike="noStrike" kern="0" cap="none" spc="0" normalizeH="0" baseline="0" noProof="0" dirty="0">
+              <a:ln>
+                <a:noFill/>
+              </a:ln>
+              <a:solidFill>
+                <a:srgbClr val="000000"/>
+              </a:solidFill>
+              <a:effectLst/>
+              <a:uLnTx/>
+              <a:uFillTx/>
+              <a:latin typeface="Times New Roman" panose="02020603050405020304" pitchFamily="18" charset="0"/>
+              <a:cs typeface="Times New Roman" panose="02020603050405020304" pitchFamily="18" charset="0"/>
+            </a:endParaRPr>
           </a:p>
           <a:p>
             <a:pPr marL="469900" marR="0" lvl="0" indent="-469900" algn="l" defTabSz="914400" rtl="0" eaLnBrk="0" fontAlgn="base" latinLnBrk="0" hangingPunct="0">
@@ -9808,7 +9310,6 @@
               <a:buSzTx/>
               <a:buFont typeface="Wingdings" panose="05000000000000000000" pitchFamily="2" charset="2"/>
               <a:buChar char="o"/>
-              <a:tabLst/>
               <a:defRPr/>
             </a:pPr>
             <a:r>
@@ -9827,6 +9328,19 @@
               </a:rPr>
               <a:t>Prediction Engine Module processes input and predicts student scores using machine learning.</a:t>
             </a:r>
+            <a:endParaRPr kumimoji="0" lang="en-US" altLang="en-US" sz="2400" b="0" i="0" u="none" strike="noStrike" kern="0" cap="none" spc="0" normalizeH="0" baseline="0" noProof="0" dirty="0">
+              <a:ln>
+                <a:noFill/>
+              </a:ln>
+              <a:solidFill>
+                <a:srgbClr val="000000"/>
+              </a:solidFill>
+              <a:effectLst/>
+              <a:uLnTx/>
+              <a:uFillTx/>
+              <a:latin typeface="Times New Roman" panose="02020603050405020304" pitchFamily="18" charset="0"/>
+              <a:cs typeface="Times New Roman" panose="02020603050405020304" pitchFamily="18" charset="0"/>
+            </a:endParaRPr>
           </a:p>
           <a:p>
             <a:pPr marL="469900" marR="0" lvl="0" indent="-469900" algn="l" defTabSz="914400" rtl="0" eaLnBrk="0" fontAlgn="base" latinLnBrk="0" hangingPunct="0">
@@ -9845,7 +9359,6 @@
               <a:buSzTx/>
               <a:buFont typeface="Wingdings" panose="05000000000000000000" pitchFamily="2" charset="2"/>
               <a:buChar char="o"/>
-              <a:tabLst/>
               <a:defRPr/>
             </a:pPr>
             <a:r>
@@ -9864,6 +9377,19 @@
               </a:rPr>
               <a:t>Data Processing Module cleans and structures user input for accurate prediction.</a:t>
             </a:r>
+            <a:endParaRPr kumimoji="0" lang="en-US" altLang="en-US" sz="2400" b="0" i="0" u="none" strike="noStrike" kern="0" cap="none" spc="0" normalizeH="0" baseline="0" noProof="0" dirty="0">
+              <a:ln>
+                <a:noFill/>
+              </a:ln>
+              <a:solidFill>
+                <a:srgbClr val="000000"/>
+              </a:solidFill>
+              <a:effectLst/>
+              <a:uLnTx/>
+              <a:uFillTx/>
+              <a:latin typeface="Times New Roman" panose="02020603050405020304" pitchFamily="18" charset="0"/>
+              <a:cs typeface="Times New Roman" panose="02020603050405020304" pitchFamily="18" charset="0"/>
+            </a:endParaRPr>
           </a:p>
           <a:p>
             <a:pPr marL="469900" marR="0" lvl="0" indent="-469900" algn="l" defTabSz="914400" rtl="0" eaLnBrk="0" fontAlgn="base" latinLnBrk="0" hangingPunct="0">
@@ -9882,7 +9408,6 @@
               <a:buSzTx/>
               <a:buFont typeface="Wingdings" panose="05000000000000000000" pitchFamily="2" charset="2"/>
               <a:buChar char="o"/>
-              <a:tabLst/>
               <a:defRPr/>
             </a:pPr>
             <a:r>
@@ -9943,13 +9468,7 @@
       </p:sp>
       <p:sp>
         <p:nvSpPr>
-          <p:cNvPr id="4" name="Date Placeholder 3">
-            <a:extLst>
-              <a:ext uri="{FF2B5EF4-FFF2-40B4-BE49-F238E27FC236}">
-                <a16:creationId xmlns:a16="http://schemas.microsoft.com/office/drawing/2014/main" id="{CC6BF262-39B7-44AE-AD50-07784ABF600F}"/>
-              </a:ext>
-            </a:extLst>
-          </p:cNvPr>
+          <p:cNvPr id="4" name="Date Placeholder 3"/>
           <p:cNvSpPr>
             <a:spLocks noGrp="1"/>
           </p:cNvSpPr>
@@ -9972,13 +9491,7 @@
       </p:sp>
       <p:sp>
         <p:nvSpPr>
-          <p:cNvPr id="5" name="Footer Placeholder 4">
-            <a:extLst>
-              <a:ext uri="{FF2B5EF4-FFF2-40B4-BE49-F238E27FC236}">
-                <a16:creationId xmlns:a16="http://schemas.microsoft.com/office/drawing/2014/main" id="{406900E8-40F4-FD2C-418F-4B63A92D4A7F}"/>
-              </a:ext>
-            </a:extLst>
-          </p:cNvPr>
+          <p:cNvPr id="5" name="Footer Placeholder 4"/>
           <p:cNvSpPr>
             <a:spLocks noGrp="1"/>
           </p:cNvSpPr>
@@ -10001,13 +9514,7 @@
       </p:sp>
       <p:sp>
         <p:nvSpPr>
-          <p:cNvPr id="6" name="Slide Number Placeholder 5">
-            <a:extLst>
-              <a:ext uri="{FF2B5EF4-FFF2-40B4-BE49-F238E27FC236}">
-                <a16:creationId xmlns:a16="http://schemas.microsoft.com/office/drawing/2014/main" id="{C5DE7F8E-147A-1C48-B5E0-51437A1B86AF}"/>
-              </a:ext>
-            </a:extLst>
-          </p:cNvPr>
+          <p:cNvPr id="6" name="Slide Number Placeholder 5"/>
           <p:cNvSpPr>
             <a:spLocks noGrp="1"/>
           </p:cNvSpPr>
@@ -10022,7 +9529,6 @@
           <a:p>
             <a:fld id="{5AB9ECBD-B4DD-40D5-8D24-9ECCDBB1583E}" type="slidenum">
               <a:rPr lang="en-IN" smtClean="0"/>
-              <a:t>9</a:t>
             </a:fld>
             <a:endParaRPr lang="en-IN"/>
           </a:p>
@@ -10030,20 +9536,14 @@
       </p:sp>
       <p:pic>
         <p:nvPicPr>
-          <p:cNvPr id="8" name="Picture 7">
-            <a:extLst>
-              <a:ext uri="{FF2B5EF4-FFF2-40B4-BE49-F238E27FC236}">
-                <a16:creationId xmlns:a16="http://schemas.microsoft.com/office/drawing/2014/main" id="{500A39F4-C6A7-7F01-3C4D-728967D9FB98}"/>
-              </a:ext>
-            </a:extLst>
-          </p:cNvPr>
+          <p:cNvPr id="8" name="Picture 7"/>
           <p:cNvPicPr>
             <a:picLocks noChangeAspect="1"/>
           </p:cNvPicPr>
           <p:nvPr/>
         </p:nvPicPr>
         <p:blipFill>
-          <a:blip r:embed="rId2">
+          <a:blip r:embed="rId1">
             <a:extLst>
               <a:ext uri="{28A0092B-C50C-407E-A947-70E740481C1C}">
                 <a14:useLocalDpi xmlns:a14="http://schemas.microsoft.com/office/drawing/2010/main" val="0"/>
@@ -10065,11 +9565,6 @@
         </p:spPr>
       </p:pic>
     </p:spTree>
-    <p:extLst>
-      <p:ext uri="{BB962C8B-B14F-4D97-AF65-F5344CB8AC3E}">
-        <p14:creationId xmlns:p14="http://schemas.microsoft.com/office/powerpoint/2010/main" val="517529961"/>
-      </p:ext>
-    </p:extLst>
   </p:cSld>
   <p:clrMapOvr>
     <a:masterClrMapping/>
@@ -10324,13 +9819,8 @@
           <a:headEnd type="none" w="med" len="med"/>
           <a:tailEnd type="none" w="med" len="med"/>
         </a:ln>
-        <a:effectLst/>
       </a:spPr>
-      <a:bodyPr vert="horz" wrap="square" lIns="91440" tIns="45720" rIns="91440" bIns="45720" numCol="1" anchor="t" anchorCtr="0" compatLnSpc="1">
-        <a:prstTxWarp prst="textNoShape">
-          <a:avLst/>
-        </a:prstTxWarp>
-      </a:bodyPr>
+      <a:bodyPr vert="horz" wrap="square" lIns="91440" tIns="45720" rIns="91440" bIns="45720" numCol="1" anchor="t" anchorCtr="0" compatLnSpc="1"/>
       <a:lstStyle>
         <a:defPPr marL="0" marR="0" indent="0" algn="l" defTabSz="914400" rtl="0" eaLnBrk="0" fontAlgn="base" latinLnBrk="0" hangingPunct="0">
           <a:lnSpc>
@@ -10346,7 +9836,6 @@
           <a:buSzTx/>
           <a:buFontTx/>
           <a:buNone/>
-          <a:tabLst/>
           <a:defRPr kumimoji="0" lang="en-US" sz="1800" b="0" i="0" u="none" strike="noStrike" cap="none" normalizeH="0" baseline="0" smtClean="0">
             <a:ln>
               <a:noFill/>
@@ -10355,7 +9844,7 @@
               <a:schemeClr val="tx1"/>
             </a:solidFill>
             <a:effectLst/>
-            <a:latin typeface="Verdana" pitchFamily="34" charset="0"/>
+            <a:latin typeface="Verdana" panose="020B0604030504040204" pitchFamily="34" charset="0"/>
           </a:defRPr>
         </a:defPPr>
       </a:lstStyle>
@@ -10386,13 +9875,8 @@
           <a:headEnd type="none" w="med" len="med"/>
           <a:tailEnd type="none" w="med" len="med"/>
         </a:ln>
-        <a:effectLst/>
       </a:spPr>
-      <a:bodyPr vert="horz" wrap="square" lIns="91440" tIns="45720" rIns="91440" bIns="45720" numCol="1" anchor="t" anchorCtr="0" compatLnSpc="1">
-        <a:prstTxWarp prst="textNoShape">
-          <a:avLst/>
-        </a:prstTxWarp>
-      </a:bodyPr>
+      <a:bodyPr vert="horz" wrap="square" lIns="91440" tIns="45720" rIns="91440" bIns="45720" numCol="1" anchor="t" anchorCtr="0" compatLnSpc="1"/>
       <a:lstStyle>
         <a:defPPr marL="0" marR="0" indent="0" algn="l" defTabSz="914400" rtl="0" eaLnBrk="0" fontAlgn="base" latinLnBrk="0" hangingPunct="0">
           <a:lnSpc>
@@ -10408,7 +9892,6 @@
           <a:buSzTx/>
           <a:buFontTx/>
           <a:buNone/>
-          <a:tabLst/>
           <a:defRPr kumimoji="0" lang="en-US" sz="1800" b="0" i="0" u="none" strike="noStrike" cap="none" normalizeH="0" baseline="0" smtClean="0">
             <a:ln>
               <a:noFill/>
@@ -10417,7 +9900,7 @@
               <a:schemeClr val="tx1"/>
             </a:solidFill>
             <a:effectLst/>
-            <a:latin typeface="Verdana" pitchFamily="34" charset="0"/>
+            <a:latin typeface="Verdana" panose="020B0604030504040204" pitchFamily="34" charset="0"/>
           </a:defRPr>
         </a:defPPr>
       </a:lstStyle>
@@ -10794,6 +10277,11 @@
       <a:clrMap bg1="lt1" tx1="dk1" bg2="lt2" tx2="dk2" accent1="accent1" accent2="accent2" accent3="accent3" accent4="accent4" accent5="accent5" accent6="accent6" hlink="hlink" folHlink="folHlink"/>
     </a:extraClrScheme>
   </a:extraClrSchemeLst>
+  <a:extLst>
+    <a:ext uri="{05A4C25C-085E-4340-85A3-A5531E510DB2}">
+      <thm15:themeFamily xmlns:thm15="http://schemas.microsoft.com/office/thememl/2012/main" name="Office Theme" id="{62F939B6-93AF-4DB8-9C6B-D6C7DFDC589F}" vid="{4A3C46E8-61CC-4603-A589-7422A47A8E4A}"/>
+    </a:ext>
+  </a:extLst>
 </a:theme>
 </file>
 
@@ -10840,7 +10328,7 @@
     </a:clrScheme>
     <a:fontScheme name="Office">
       <a:majorFont>
-        <a:latin typeface="Calibri Light" panose="020F0302020204030204"/>
+        <a:latin typeface="Calibri Light"/>
         <a:ea typeface=""/>
         <a:cs typeface=""/>
         <a:font script="Jpan" typeface="游ゴシック Light"/>
@@ -10873,26 +10361,9 @@
         <a:font script="Viet" typeface="Times New Roman"/>
         <a:font script="Uigh" typeface="Microsoft Uighur"/>
         <a:font script="Geor" typeface="Sylfaen"/>
-        <a:font script="Armn" typeface="Arial"/>
-        <a:font script="Bugi" typeface="Leelawadee UI"/>
-        <a:font script="Bopo" typeface="Microsoft JhengHei"/>
-        <a:font script="Java" typeface="Javanese Text"/>
-        <a:font script="Lisu" typeface="Segoe UI"/>
-        <a:font script="Mymr" typeface="Myanmar Text"/>
-        <a:font script="Nkoo" typeface="Ebrima"/>
-        <a:font script="Olck" typeface="Nirmala UI"/>
-        <a:font script="Osma" typeface="Ebrima"/>
-        <a:font script="Phag" typeface="Phagspa"/>
-        <a:font script="Syrn" typeface="Estrangelo Edessa"/>
-        <a:font script="Syrj" typeface="Estrangelo Edessa"/>
-        <a:font script="Syre" typeface="Estrangelo Edessa"/>
-        <a:font script="Sora" typeface="Nirmala UI"/>
-        <a:font script="Tale" typeface="Microsoft Tai Le"/>
-        <a:font script="Talu" typeface="Microsoft New Tai Lue"/>
-        <a:font script="Tfng" typeface="Ebrima"/>
       </a:majorFont>
       <a:minorFont>
-        <a:latin typeface="Calibri" panose="020F0502020204030204"/>
+        <a:latin typeface="Calibri"/>
         <a:ea typeface=""/>
         <a:cs typeface=""/>
         <a:font script="Jpan" typeface="游ゴシック"/>
@@ -10925,23 +10396,6 @@
         <a:font script="Viet" typeface="Arial"/>
         <a:font script="Uigh" typeface="Microsoft Uighur"/>
         <a:font script="Geor" typeface="Sylfaen"/>
-        <a:font script="Armn" typeface="Arial"/>
-        <a:font script="Bugi" typeface="Leelawadee UI"/>
-        <a:font script="Bopo" typeface="Microsoft JhengHei"/>
-        <a:font script="Java" typeface="Javanese Text"/>
-        <a:font script="Lisu" typeface="Segoe UI"/>
-        <a:font script="Mymr" typeface="Myanmar Text"/>
-        <a:font script="Nkoo" typeface="Ebrima"/>
-        <a:font script="Olck" typeface="Nirmala UI"/>
-        <a:font script="Osma" typeface="Ebrima"/>
-        <a:font script="Phag" typeface="Phagspa"/>
-        <a:font script="Syrn" typeface="Estrangelo Edessa"/>
-        <a:font script="Syrj" typeface="Estrangelo Edessa"/>
-        <a:font script="Syre" typeface="Estrangelo Edessa"/>
-        <a:font script="Sora" typeface="Nirmala UI"/>
-        <a:font script="Tale" typeface="Microsoft Tai Le"/>
-        <a:font script="Talu" typeface="Microsoft New Tai Lue"/>
-        <a:font script="Tfng" typeface="Ebrima"/>
       </a:minorFont>
     </a:fontScheme>
     <a:fmtScheme name="Office">
@@ -11082,8 +10536,6 @@
       </a:bgFillStyleLst>
     </a:fmtScheme>
   </a:themeElements>
-  <a:objectDefaults/>
-  <a:extraClrSchemeLst/>
   <a:extLst>
     <a:ext uri="{05A4C25C-085E-4340-85A3-A5531E510DB2}">
       <thm15:themeFamily xmlns:thm15="http://schemas.microsoft.com/office/thememl/2012/main" name="Office Theme" id="{62F939B6-93AF-4DB8-9C6B-D6C7DFDC589F}" vid="{4A3C46E8-61CC-4603-A589-7422A47A8E4A}"/>
